--- a/Manuals/Java OOPS.pptx
+++ b/Manuals/Java OOPS.pptx
@@ -5,17 +5,35 @@
     <p:sldMasterId id="2147483648" r:id="rId1"/>
   </p:sldMasterIdLst>
   <p:notesMasterIdLst>
-    <p:notesMasterId r:id="rId10"/>
+    <p:notesMasterId r:id="rId28"/>
   </p:notesMasterIdLst>
   <p:sldIdLst>
     <p:sldId id="263" r:id="rId2"/>
-    <p:sldId id="256" r:id="rId3"/>
-    <p:sldId id="257" r:id="rId4"/>
-    <p:sldId id="258" r:id="rId5"/>
-    <p:sldId id="259" r:id="rId6"/>
-    <p:sldId id="260" r:id="rId7"/>
-    <p:sldId id="261" r:id="rId8"/>
-    <p:sldId id="262" r:id="rId9"/>
+    <p:sldId id="275" r:id="rId3"/>
+    <p:sldId id="256" r:id="rId4"/>
+    <p:sldId id="257" r:id="rId5"/>
+    <p:sldId id="258" r:id="rId6"/>
+    <p:sldId id="264" r:id="rId7"/>
+    <p:sldId id="259" r:id="rId8"/>
+    <p:sldId id="260" r:id="rId9"/>
+    <p:sldId id="261" r:id="rId10"/>
+    <p:sldId id="262" r:id="rId11"/>
+    <p:sldId id="265" r:id="rId12"/>
+    <p:sldId id="266" r:id="rId13"/>
+    <p:sldId id="267" r:id="rId14"/>
+    <p:sldId id="269" r:id="rId15"/>
+    <p:sldId id="272" r:id="rId16"/>
+    <p:sldId id="277" r:id="rId17"/>
+    <p:sldId id="278" r:id="rId18"/>
+    <p:sldId id="279" r:id="rId19"/>
+    <p:sldId id="281" r:id="rId20"/>
+    <p:sldId id="280" r:id="rId21"/>
+    <p:sldId id="268" r:id="rId22"/>
+    <p:sldId id="270" r:id="rId23"/>
+    <p:sldId id="271" r:id="rId24"/>
+    <p:sldId id="273" r:id="rId25"/>
+    <p:sldId id="274" r:id="rId26"/>
+    <p:sldId id="276" r:id="rId27"/>
   </p:sldIdLst>
   <p:sldSz cx="12192000" cy="6858000"/>
   <p:notesSz cx="6858000" cy="9144000"/>
@@ -122,6 +140,11 @@
             <p14:sldId id="263"/>
           </p14:sldIdLst>
         </p14:section>
+        <p14:section name="Class" id="{DF72F5F7-BF3D-448E-8D78-14962C0D52FF}">
+          <p14:sldIdLst>
+            <p14:sldId id="275"/>
+          </p14:sldIdLst>
+        </p14:section>
         <p14:section name="Abstraction" id="{D1388229-E229-498B-B6AC-52EB500DFD15}">
           <p14:sldIdLst>
             <p14:sldId id="256"/>
@@ -135,6 +158,7 @@
         <p14:section name="Inheritance" id="{7490EE4A-E798-48B1-89A7-3C65E46E1389}">
           <p14:sldIdLst>
             <p14:sldId id="258"/>
+            <p14:sldId id="264"/>
           </p14:sldIdLst>
         </p14:section>
         <p14:section name="Polymorphism" id="{2ABAA6E2-ED16-49A0-B6EC-6B42875DA733}">
@@ -145,10 +169,41 @@
             <p14:sldId id="262"/>
           </p14:sldIdLst>
         </p14:section>
+        <p14:section name="Relationship" id="{8BB019BB-9E14-4859-B659-579831AF7F5D}">
+          <p14:sldIdLst>
+            <p14:sldId id="265"/>
+            <p14:sldId id="266"/>
+            <p14:sldId id="267"/>
+            <p14:sldId id="269"/>
+            <p14:sldId id="272"/>
+            <p14:sldId id="277"/>
+            <p14:sldId id="278"/>
+            <p14:sldId id="279"/>
+            <p14:sldId id="281"/>
+            <p14:sldId id="280"/>
+          </p14:sldIdLst>
+        </p14:section>
+        <p14:section name="Interface" id="{5C77B479-BBB6-419D-86F9-0FC389C32AED}">
+          <p14:sldIdLst>
+            <p14:sldId id="268"/>
+            <p14:sldId id="270"/>
+            <p14:sldId id="271"/>
+            <p14:sldId id="273"/>
+            <p14:sldId id="274"/>
+            <p14:sldId id="276"/>
+          </p14:sldIdLst>
+        </p14:section>
       </p14:sectionLst>
+    </p:ext>
+    <p:ext uri="{EFAFB233-063F-42B5-8137-9DF3F51BA10A}">
+      <p15:sldGuideLst xmlns:p15="http://schemas.microsoft.com/office/powerpoint/2012/main"/>
     </p:ext>
   </p:extLst>
 </p:presentation>
+</file>
+
+<file path=ppt/revisionInfo.xml><?xml version="1.0" encoding="utf-8"?>
+<p1510:revInfo xmlns:a="http://schemas.openxmlformats.org/drawingml/2006/main" xmlns:r="http://schemas.openxmlformats.org/officeDocument/2006/relationships" xmlns:p1510="http://schemas.microsoft.com/office/powerpoint/2015/10/main"/>
 </file>
 
 <file path=ppt/notesMasters/notesMaster1.xml><?xml version="1.0" encoding="utf-8"?>
@@ -579,6 +634,180 @@
     <p:extLst>
       <p:ext uri="{BB962C8B-B14F-4D97-AF65-F5344CB8AC3E}">
         <p14:creationId xmlns:p14="http://schemas.microsoft.com/office/powerpoint/2010/main" val="1667876512"/>
+      </p:ext>
+    </p:extLst>
+  </p:cSld>
+  <p:clrMapOvr>
+    <a:masterClrMapping/>
+  </p:clrMapOvr>
+</p:notes>
+</file>
+
+<file path=ppt/notesSlides/notesSlide2.xml><?xml version="1.0" encoding="utf-8"?>
+<p:notes xmlns:a="http://schemas.openxmlformats.org/drawingml/2006/main" xmlns:r="http://schemas.openxmlformats.org/officeDocument/2006/relationships" xmlns:p="http://schemas.openxmlformats.org/presentationml/2006/main">
+  <p:cSld>
+    <p:spTree>
+      <p:nvGrpSpPr>
+        <p:cNvPr id="1" name=""/>
+        <p:cNvGrpSpPr/>
+        <p:nvPr/>
+      </p:nvGrpSpPr>
+      <p:grpSpPr>
+        <a:xfrm>
+          <a:off x="0" y="0"/>
+          <a:ext cx="0" cy="0"/>
+          <a:chOff x="0" y="0"/>
+          <a:chExt cx="0" cy="0"/>
+        </a:xfrm>
+      </p:grpSpPr>
+      <p:sp>
+        <p:nvSpPr>
+          <p:cNvPr id="2" name="Slide Image Placeholder 1"/>
+          <p:cNvSpPr>
+            <a:spLocks noGrp="1" noRot="1" noChangeAspect="1"/>
+          </p:cNvSpPr>
+          <p:nvPr>
+            <p:ph type="sldImg"/>
+          </p:nvPr>
+        </p:nvSpPr>
+        <p:spPr/>
+      </p:sp>
+      <p:sp>
+        <p:nvSpPr>
+          <p:cNvPr id="3" name="Notes Placeholder 2"/>
+          <p:cNvSpPr>
+            <a:spLocks noGrp="1"/>
+          </p:cNvSpPr>
+          <p:nvPr>
+            <p:ph type="body" idx="1"/>
+          </p:nvPr>
+        </p:nvSpPr>
+        <p:spPr/>
+        <p:txBody>
+          <a:bodyPr/>
+          <a:lstStyle/>
+          <a:p>
+            <a:r>
+              <a:rPr lang="en-IN" dirty="0"/>
+              <a:t>https://www.softwaretestingmaterial.com/selenium-interview-questions/</a:t>
+            </a:r>
+          </a:p>
+        </p:txBody>
+      </p:sp>
+      <p:sp>
+        <p:nvSpPr>
+          <p:cNvPr id="4" name="Slide Number Placeholder 3"/>
+          <p:cNvSpPr>
+            <a:spLocks noGrp="1"/>
+          </p:cNvSpPr>
+          <p:nvPr>
+            <p:ph type="sldNum" sz="quarter" idx="10"/>
+          </p:nvPr>
+        </p:nvSpPr>
+        <p:spPr/>
+        <p:txBody>
+          <a:bodyPr/>
+          <a:lstStyle/>
+          <a:p>
+            <a:fld id="{B2DD4EAC-2E5D-4BB6-8320-4CD6D7014950}" type="slidenum">
+              <a:rPr lang="en-IN" smtClean="0"/>
+              <a:t>2</a:t>
+            </a:fld>
+            <a:endParaRPr lang="en-IN"/>
+          </a:p>
+        </p:txBody>
+      </p:sp>
+    </p:spTree>
+    <p:extLst>
+      <p:ext uri="{BB962C8B-B14F-4D97-AF65-F5344CB8AC3E}">
+        <p14:creationId xmlns:p14="http://schemas.microsoft.com/office/powerpoint/2010/main" val="2465778754"/>
+      </p:ext>
+    </p:extLst>
+  </p:cSld>
+  <p:clrMapOvr>
+    <a:masterClrMapping/>
+  </p:clrMapOvr>
+</p:notes>
+</file>
+
+<file path=ppt/notesSlides/notesSlide3.xml><?xml version="1.0" encoding="utf-8"?>
+<p:notes xmlns:a="http://schemas.openxmlformats.org/drawingml/2006/main" xmlns:r="http://schemas.openxmlformats.org/officeDocument/2006/relationships" xmlns:p="http://schemas.openxmlformats.org/presentationml/2006/main">
+  <p:cSld>
+    <p:spTree>
+      <p:nvGrpSpPr>
+        <p:cNvPr id="1" name=""/>
+        <p:cNvGrpSpPr/>
+        <p:nvPr/>
+      </p:nvGrpSpPr>
+      <p:grpSpPr>
+        <a:xfrm>
+          <a:off x="0" y="0"/>
+          <a:ext cx="0" cy="0"/>
+          <a:chOff x="0" y="0"/>
+          <a:chExt cx="0" cy="0"/>
+        </a:xfrm>
+      </p:grpSpPr>
+      <p:sp>
+        <p:nvSpPr>
+          <p:cNvPr id="2" name="Slide Image Placeholder 1"/>
+          <p:cNvSpPr>
+            <a:spLocks noGrp="1" noRot="1" noChangeAspect="1"/>
+          </p:cNvSpPr>
+          <p:nvPr>
+            <p:ph type="sldImg"/>
+          </p:nvPr>
+        </p:nvSpPr>
+        <p:spPr/>
+      </p:sp>
+      <p:sp>
+        <p:nvSpPr>
+          <p:cNvPr id="3" name="Notes Placeholder 2"/>
+          <p:cNvSpPr>
+            <a:spLocks noGrp="1"/>
+          </p:cNvSpPr>
+          <p:nvPr>
+            <p:ph type="body" idx="1"/>
+          </p:nvPr>
+        </p:nvSpPr>
+        <p:spPr/>
+        <p:txBody>
+          <a:bodyPr/>
+          <a:lstStyle/>
+          <a:p>
+            <a:r>
+              <a:rPr lang="en-IN" dirty="0"/>
+              <a:t>https://www.slideshare.net/AdilAslam4/class-diagram-in-uml</a:t>
+            </a:r>
+          </a:p>
+        </p:txBody>
+      </p:sp>
+      <p:sp>
+        <p:nvSpPr>
+          <p:cNvPr id="4" name="Slide Number Placeholder 3"/>
+          <p:cNvSpPr>
+            <a:spLocks noGrp="1"/>
+          </p:cNvSpPr>
+          <p:nvPr>
+            <p:ph type="sldNum" sz="quarter" idx="10"/>
+          </p:nvPr>
+        </p:nvSpPr>
+        <p:spPr/>
+        <p:txBody>
+          <a:bodyPr/>
+          <a:lstStyle/>
+          <a:p>
+            <a:fld id="{B2DD4EAC-2E5D-4BB6-8320-4CD6D7014950}" type="slidenum">
+              <a:rPr lang="en-IN" smtClean="0"/>
+              <a:t>11</a:t>
+            </a:fld>
+            <a:endParaRPr lang="en-IN"/>
+          </a:p>
+        </p:txBody>
+      </p:sp>
+    </p:spTree>
+    <p:extLst>
+      <p:ext uri="{BB962C8B-B14F-4D97-AF65-F5344CB8AC3E}">
+        <p14:creationId xmlns:p14="http://schemas.microsoft.com/office/powerpoint/2010/main" val="1211952842"/>
       </p:ext>
     </p:extLst>
   </p:cSld>
@@ -4166,7 +4395,7 @@
 </p:sld>
 </file>
 
-<file path=ppt/slides/slide2.xml><?xml version="1.0" encoding="utf-8"?>
+<file path=ppt/slides/slide10.xml><?xml version="1.0" encoding="utf-8"?>
 <p:sld xmlns:a="http://schemas.openxmlformats.org/drawingml/2006/main" xmlns:r="http://schemas.openxmlformats.org/officeDocument/2006/relationships" xmlns:p="http://schemas.openxmlformats.org/presentationml/2006/main">
   <p:cSld>
     <p:spTree>
@@ -4199,10 +4428,9 @@
           <a:lstStyle/>
           <a:p>
             <a:r>
-              <a:rPr lang="en-IN" b="1" dirty="0"/>
-              <a:t>Abstraction</a:t>
-            </a:r>
-            <a:endParaRPr lang="en-IN" dirty="0"/>
+              <a:rPr lang="en-IN" dirty="0"/>
+              <a:t>method overriding</a:t>
+            </a:r>
           </a:p>
         </p:txBody>
       </p:sp>
@@ -4218,19 +4446,21 @@
         </p:nvSpPr>
         <p:spPr/>
         <p:txBody>
-          <a:bodyPr/>
+          <a:bodyPr>
+            <a:normAutofit/>
+          </a:bodyPr>
           <a:lstStyle/>
           <a:p>
             <a:r>
               <a:rPr lang="en-IN" dirty="0"/>
-              <a:t>Abstraction means using simple things to represent complexity. </a:t>
+              <a:t>the child class can use the OOP polymorphism concept to override a method of its parent class.</a:t>
             </a:r>
           </a:p>
         </p:txBody>
       </p:sp>
       <p:pic>
         <p:nvPicPr>
-          <p:cNvPr id="4098" name="Picture 2" descr="Image result for abstraction in java"/>
+          <p:cNvPr id="5" name="Picture 2" descr="Image result for method overriding in java"/>
           <p:cNvPicPr>
             <a:picLocks noChangeAspect="1" noChangeArrowheads="1"/>
           </p:cNvPicPr>
@@ -4251,8 +4481,8 @@
         </p:blipFill>
         <p:spPr bwMode="auto">
           <a:xfrm>
-            <a:off x="8839200" y="0"/>
-            <a:ext cx="3352800" cy="2361825"/>
+            <a:off x="8763000" y="0"/>
+            <a:ext cx="3429000" cy="3429000"/>
           </a:xfrm>
           <a:prstGeom prst="rect">
             <a:avLst/>
@@ -4269,9 +4499,61 @@
           </a:extLst>
         </p:spPr>
       </p:pic>
+    </p:spTree>
+    <p:extLst>
+      <p:ext uri="{BB962C8B-B14F-4D97-AF65-F5344CB8AC3E}">
+        <p14:creationId xmlns:p14="http://schemas.microsoft.com/office/powerpoint/2010/main" val="54837112"/>
+      </p:ext>
+    </p:extLst>
+  </p:cSld>
+  <p:clrMapOvr>
+    <a:masterClrMapping/>
+  </p:clrMapOvr>
+</p:sld>
+</file>
+
+<file path=ppt/slides/slide11.xml><?xml version="1.0" encoding="utf-8"?>
+<p:sld xmlns:a="http://schemas.openxmlformats.org/drawingml/2006/main" xmlns:r="http://schemas.openxmlformats.org/officeDocument/2006/relationships" xmlns:p="http://schemas.openxmlformats.org/presentationml/2006/main">
+  <p:cSld>
+    <p:spTree>
+      <p:nvGrpSpPr>
+        <p:cNvPr id="1" name=""/>
+        <p:cNvGrpSpPr/>
+        <p:nvPr/>
+      </p:nvGrpSpPr>
+      <p:grpSpPr>
+        <a:xfrm>
+          <a:off x="0" y="0"/>
+          <a:ext cx="0" cy="0"/>
+          <a:chOff x="0" y="0"/>
+          <a:chExt cx="0" cy="0"/>
+        </a:xfrm>
+      </p:grpSpPr>
+      <p:sp>
+        <p:nvSpPr>
+          <p:cNvPr id="2" name="Title 1"/>
+          <p:cNvSpPr>
+            <a:spLocks noGrp="1"/>
+          </p:cNvSpPr>
+          <p:nvPr>
+            <p:ph type="title"/>
+          </p:nvPr>
+        </p:nvSpPr>
+        <p:spPr/>
+        <p:txBody>
+          <a:bodyPr/>
+          <a:lstStyle/>
+          <a:p>
+            <a:r>
+              <a:rPr lang="en-IN" dirty="0"/>
+              <a:t>relationship</a:t>
+            </a:r>
+          </a:p>
+        </p:txBody>
+      </p:sp>
       <p:pic>
         <p:nvPicPr>
-          <p:cNvPr id="4100" name="Picture 4" descr="Related image"/>
+          <p:cNvPr id="2050" name="Picture 2" descr="Image result for java relationship types"/>
           <p:cNvPicPr>
             <a:picLocks noChangeAspect="1" noChangeArrowheads="1"/>
           </p:cNvPicPr>
@@ -4292,8 +4574,8 @@
         </p:blipFill>
         <p:spPr bwMode="auto">
           <a:xfrm>
-            <a:off x="256950" y="4146027"/>
-            <a:ext cx="3114675" cy="1724025"/>
+            <a:off x="1451579" y="2045588"/>
+            <a:ext cx="9630955" cy="2666112"/>
           </a:xfrm>
           <a:prstGeom prst="rect">
             <a:avLst/>
@@ -4312,14 +4594,90 @@
       </p:pic>
       <p:pic>
         <p:nvPicPr>
-          <p:cNvPr id="4102" name="Picture 6" descr="Related image"/>
+          <p:cNvPr id="4" name="Picture 3"/>
+          <p:cNvPicPr>
+            <a:picLocks noChangeAspect="1"/>
+          </p:cNvPicPr>
+          <p:nvPr/>
+        </p:nvPicPr>
+        <p:blipFill>
+          <a:blip r:embed="rId4"/>
+          <a:stretch>
+            <a:fillRect/>
+          </a:stretch>
+        </p:blipFill>
+        <p:spPr>
+          <a:xfrm>
+            <a:off x="8997042" y="0"/>
+            <a:ext cx="3194957" cy="1840655"/>
+          </a:xfrm>
+          <a:prstGeom prst="rect">
+            <a:avLst/>
+          </a:prstGeom>
+        </p:spPr>
+      </p:pic>
+    </p:spTree>
+    <p:extLst>
+      <p:ext uri="{BB962C8B-B14F-4D97-AF65-F5344CB8AC3E}">
+        <p14:creationId xmlns:p14="http://schemas.microsoft.com/office/powerpoint/2010/main" val="2320892623"/>
+      </p:ext>
+    </p:extLst>
+  </p:cSld>
+  <p:clrMapOvr>
+    <a:masterClrMapping/>
+  </p:clrMapOvr>
+</p:sld>
+</file>
+
+<file path=ppt/slides/slide12.xml><?xml version="1.0" encoding="utf-8"?>
+<p:sld xmlns:a="http://schemas.openxmlformats.org/drawingml/2006/main" xmlns:r="http://schemas.openxmlformats.org/officeDocument/2006/relationships" xmlns:p="http://schemas.openxmlformats.org/presentationml/2006/main">
+  <p:cSld>
+    <p:spTree>
+      <p:nvGrpSpPr>
+        <p:cNvPr id="1" name=""/>
+        <p:cNvGrpSpPr/>
+        <p:nvPr/>
+      </p:nvGrpSpPr>
+      <p:grpSpPr>
+        <a:xfrm>
+          <a:off x="0" y="0"/>
+          <a:ext cx="0" cy="0"/>
+          <a:chOff x="0" y="0"/>
+          <a:chExt cx="0" cy="0"/>
+        </a:xfrm>
+      </p:grpSpPr>
+      <p:sp>
+        <p:nvSpPr>
+          <p:cNvPr id="2" name="Title 1"/>
+          <p:cNvSpPr>
+            <a:spLocks noGrp="1"/>
+          </p:cNvSpPr>
+          <p:nvPr>
+            <p:ph type="title"/>
+          </p:nvPr>
+        </p:nvSpPr>
+        <p:spPr/>
+        <p:txBody>
+          <a:bodyPr/>
+          <a:lstStyle/>
+          <a:p>
+            <a:r>
+              <a:rPr lang="en-IN" dirty="0"/>
+              <a:t>relationship</a:t>
+            </a:r>
+          </a:p>
+        </p:txBody>
+      </p:sp>
+      <p:pic>
+        <p:nvPicPr>
+          <p:cNvPr id="3074" name="Picture 2" descr="Image result for java relationship types"/>
           <p:cNvPicPr>
             <a:picLocks noChangeAspect="1" noChangeArrowheads="1"/>
           </p:cNvPicPr>
           <p:nvPr/>
         </p:nvPicPr>
         <p:blipFill>
-          <a:blip r:embed="rId4">
+          <a:blip r:embed="rId2">
             <a:extLst>
               <a:ext uri="{28A0092B-C50C-407E-A947-70E740481C1C}">
                 <a14:useLocalDpi xmlns:a14="http://schemas.microsoft.com/office/drawing/2010/main" val="0"/>
@@ -4333,8 +4691,8 @@
         </p:blipFill>
         <p:spPr bwMode="auto">
           <a:xfrm>
-            <a:off x="-344162" y="-204460"/>
-            <a:ext cx="4969185" cy="2846544"/>
+            <a:off x="1451579" y="2015732"/>
+            <a:ext cx="7202564" cy="3468397"/>
           </a:xfrm>
           <a:prstGeom prst="rect">
             <a:avLst/>
@@ -4351,10 +4709,2395 @@
           </a:extLst>
         </p:spPr>
       </p:pic>
+      <p:pic>
+        <p:nvPicPr>
+          <p:cNvPr id="3076" name="Picture 4" descr="Related image"/>
+          <p:cNvPicPr>
+            <a:picLocks noChangeAspect="1" noChangeArrowheads="1"/>
+          </p:cNvPicPr>
+          <p:nvPr/>
+        </p:nvPicPr>
+        <p:blipFill>
+          <a:blip r:embed="rId3">
+            <a:extLst>
+              <a:ext uri="{28A0092B-C50C-407E-A947-70E740481C1C}">
+                <a14:useLocalDpi xmlns:a14="http://schemas.microsoft.com/office/drawing/2010/main" val="0"/>
+              </a:ext>
+            </a:extLst>
+          </a:blip>
+          <a:srcRect/>
+          <a:stretch>
+            <a:fillRect/>
+          </a:stretch>
+        </p:blipFill>
+        <p:spPr bwMode="auto">
+          <a:xfrm>
+            <a:off x="8934450" y="-52731"/>
+            <a:ext cx="3257550" cy="1714500"/>
+          </a:xfrm>
+          <a:prstGeom prst="rect">
+            <a:avLst/>
+          </a:prstGeom>
+          <a:noFill/>
+          <a:extLst>
+            <a:ext uri="{909E8E84-426E-40DD-AFC4-6F175D3DCCD1}">
+              <a14:hiddenFill xmlns:a14="http://schemas.microsoft.com/office/drawing/2010/main">
+                <a:solidFill>
+                  <a:srgbClr val="FFFFFF"/>
+                </a:solidFill>
+              </a14:hiddenFill>
+            </a:ext>
+          </a:extLst>
+        </p:spPr>
+      </p:pic>
     </p:spTree>
     <p:extLst>
       <p:ext uri="{BB962C8B-B14F-4D97-AF65-F5344CB8AC3E}">
-        <p14:creationId xmlns:p14="http://schemas.microsoft.com/office/powerpoint/2010/main" val="2868716413"/>
+        <p14:creationId xmlns:p14="http://schemas.microsoft.com/office/powerpoint/2010/main" val="2431560035"/>
+      </p:ext>
+    </p:extLst>
+  </p:cSld>
+  <p:clrMapOvr>
+    <a:masterClrMapping/>
+  </p:clrMapOvr>
+</p:sld>
+</file>
+
+<file path=ppt/slides/slide13.xml><?xml version="1.0" encoding="utf-8"?>
+<p:sld xmlns:a="http://schemas.openxmlformats.org/drawingml/2006/main" xmlns:r="http://schemas.openxmlformats.org/officeDocument/2006/relationships" xmlns:p="http://schemas.openxmlformats.org/presentationml/2006/main">
+  <p:cSld>
+    <p:spTree>
+      <p:nvGrpSpPr>
+        <p:cNvPr id="1" name=""/>
+        <p:cNvGrpSpPr/>
+        <p:nvPr/>
+      </p:nvGrpSpPr>
+      <p:grpSpPr>
+        <a:xfrm>
+          <a:off x="0" y="0"/>
+          <a:ext cx="0" cy="0"/>
+          <a:chOff x="0" y="0"/>
+          <a:chExt cx="0" cy="0"/>
+        </a:xfrm>
+      </p:grpSpPr>
+      <p:sp>
+        <p:nvSpPr>
+          <p:cNvPr id="2" name="Title 1"/>
+          <p:cNvSpPr>
+            <a:spLocks noGrp="1"/>
+          </p:cNvSpPr>
+          <p:nvPr>
+            <p:ph type="title"/>
+          </p:nvPr>
+        </p:nvSpPr>
+        <p:spPr/>
+        <p:txBody>
+          <a:bodyPr/>
+          <a:lstStyle/>
+          <a:p>
+            <a:r>
+              <a:rPr lang="en-IN" dirty="0"/>
+              <a:t>relationship</a:t>
+            </a:r>
+          </a:p>
+        </p:txBody>
+      </p:sp>
+      <p:pic>
+        <p:nvPicPr>
+          <p:cNvPr id="4098" name="Picture 2" descr="Image result for java Java relationship example"/>
+          <p:cNvPicPr>
+            <a:picLocks noChangeAspect="1" noChangeArrowheads="1"/>
+          </p:cNvPicPr>
+          <p:nvPr/>
+        </p:nvPicPr>
+        <p:blipFill>
+          <a:blip r:embed="rId2">
+            <a:extLst>
+              <a:ext uri="{28A0092B-C50C-407E-A947-70E740481C1C}">
+                <a14:useLocalDpi xmlns:a14="http://schemas.microsoft.com/office/drawing/2010/main" val="0"/>
+              </a:ext>
+            </a:extLst>
+          </a:blip>
+          <a:srcRect/>
+          <a:stretch>
+            <a:fillRect/>
+          </a:stretch>
+        </p:blipFill>
+        <p:spPr bwMode="auto">
+          <a:xfrm>
+            <a:off x="1451579" y="2015732"/>
+            <a:ext cx="6026907" cy="3464694"/>
+          </a:xfrm>
+          <a:prstGeom prst="rect">
+            <a:avLst/>
+          </a:prstGeom>
+          <a:noFill/>
+          <a:extLst>
+            <a:ext uri="{909E8E84-426E-40DD-AFC4-6F175D3DCCD1}">
+              <a14:hiddenFill xmlns:a14="http://schemas.microsoft.com/office/drawing/2010/main">
+                <a:solidFill>
+                  <a:srgbClr val="FFFFFF"/>
+                </a:solidFill>
+              </a14:hiddenFill>
+            </a:ext>
+          </a:extLst>
+        </p:spPr>
+      </p:pic>
+    </p:spTree>
+    <p:extLst>
+      <p:ext uri="{BB962C8B-B14F-4D97-AF65-F5344CB8AC3E}">
+        <p14:creationId xmlns:p14="http://schemas.microsoft.com/office/powerpoint/2010/main" val="277989171"/>
+      </p:ext>
+    </p:extLst>
+  </p:cSld>
+  <p:clrMapOvr>
+    <a:masterClrMapping/>
+  </p:clrMapOvr>
+</p:sld>
+</file>
+
+<file path=ppt/slides/slide14.xml><?xml version="1.0" encoding="utf-8"?>
+<p:sld xmlns:a="http://schemas.openxmlformats.org/drawingml/2006/main" xmlns:r="http://schemas.openxmlformats.org/officeDocument/2006/relationships" xmlns:p="http://schemas.openxmlformats.org/presentationml/2006/main">
+  <p:cSld>
+    <p:spTree>
+      <p:nvGrpSpPr>
+        <p:cNvPr id="1" name=""/>
+        <p:cNvGrpSpPr/>
+        <p:nvPr/>
+      </p:nvGrpSpPr>
+      <p:grpSpPr>
+        <a:xfrm>
+          <a:off x="0" y="0"/>
+          <a:ext cx="0" cy="0"/>
+          <a:chOff x="0" y="0"/>
+          <a:chExt cx="0" cy="0"/>
+        </a:xfrm>
+      </p:grpSpPr>
+      <p:sp>
+        <p:nvSpPr>
+          <p:cNvPr id="2" name="Title 1"/>
+          <p:cNvSpPr>
+            <a:spLocks noGrp="1"/>
+          </p:cNvSpPr>
+          <p:nvPr>
+            <p:ph type="title"/>
+          </p:nvPr>
+        </p:nvSpPr>
+        <p:spPr/>
+        <p:txBody>
+          <a:bodyPr/>
+          <a:lstStyle/>
+          <a:p>
+            <a:r>
+              <a:rPr lang="en-IN" dirty="0"/>
+              <a:t>relationship</a:t>
+            </a:r>
+          </a:p>
+        </p:txBody>
+      </p:sp>
+      <p:pic>
+        <p:nvPicPr>
+          <p:cNvPr id="6146" name="Picture 2" descr="Related image"/>
+          <p:cNvPicPr>
+            <a:picLocks noChangeAspect="1" noChangeArrowheads="1"/>
+          </p:cNvPicPr>
+          <p:nvPr/>
+        </p:nvPicPr>
+        <p:blipFill>
+          <a:blip r:embed="rId2">
+            <a:extLst>
+              <a:ext uri="{28A0092B-C50C-407E-A947-70E740481C1C}">
+                <a14:useLocalDpi xmlns:a14="http://schemas.microsoft.com/office/drawing/2010/main" val="0"/>
+              </a:ext>
+            </a:extLst>
+          </a:blip>
+          <a:srcRect/>
+          <a:stretch>
+            <a:fillRect/>
+          </a:stretch>
+        </p:blipFill>
+        <p:spPr bwMode="auto">
+          <a:xfrm>
+            <a:off x="1451579" y="2015731"/>
+            <a:ext cx="4622650" cy="3462525"/>
+          </a:xfrm>
+          <a:prstGeom prst="rect">
+            <a:avLst/>
+          </a:prstGeom>
+          <a:noFill/>
+          <a:extLst>
+            <a:ext uri="{909E8E84-426E-40DD-AFC4-6F175D3DCCD1}">
+              <a14:hiddenFill xmlns:a14="http://schemas.microsoft.com/office/drawing/2010/main">
+                <a:solidFill>
+                  <a:srgbClr val="FFFFFF"/>
+                </a:solidFill>
+              </a14:hiddenFill>
+            </a:ext>
+          </a:extLst>
+        </p:spPr>
+      </p:pic>
+    </p:spTree>
+    <p:extLst>
+      <p:ext uri="{BB962C8B-B14F-4D97-AF65-F5344CB8AC3E}">
+        <p14:creationId xmlns:p14="http://schemas.microsoft.com/office/powerpoint/2010/main" val="3960738138"/>
+      </p:ext>
+    </p:extLst>
+  </p:cSld>
+  <p:clrMapOvr>
+    <a:masterClrMapping/>
+  </p:clrMapOvr>
+</p:sld>
+</file>
+
+<file path=ppt/slides/slide15.xml><?xml version="1.0" encoding="utf-8"?>
+<p:sld xmlns:a="http://schemas.openxmlformats.org/drawingml/2006/main" xmlns:r="http://schemas.openxmlformats.org/officeDocument/2006/relationships" xmlns:p="http://schemas.openxmlformats.org/presentationml/2006/main">
+  <p:cSld>
+    <p:spTree>
+      <p:nvGrpSpPr>
+        <p:cNvPr id="1" name=""/>
+        <p:cNvGrpSpPr/>
+        <p:nvPr/>
+      </p:nvGrpSpPr>
+      <p:grpSpPr>
+        <a:xfrm>
+          <a:off x="0" y="0"/>
+          <a:ext cx="0" cy="0"/>
+          <a:chOff x="0" y="0"/>
+          <a:chExt cx="0" cy="0"/>
+        </a:xfrm>
+      </p:grpSpPr>
+      <p:sp>
+        <p:nvSpPr>
+          <p:cNvPr id="2" name="Title 1"/>
+          <p:cNvSpPr>
+            <a:spLocks noGrp="1"/>
+          </p:cNvSpPr>
+          <p:nvPr>
+            <p:ph type="title"/>
+          </p:nvPr>
+        </p:nvSpPr>
+        <p:spPr/>
+        <p:txBody>
+          <a:bodyPr/>
+          <a:lstStyle/>
+          <a:p>
+            <a:r>
+              <a:rPr lang="en-IN" dirty="0"/>
+              <a:t>relationship</a:t>
+            </a:r>
+          </a:p>
+        </p:txBody>
+      </p:sp>
+      <p:pic>
+        <p:nvPicPr>
+          <p:cNvPr id="5" name="Picture 2" descr="Related image"/>
+          <p:cNvPicPr>
+            <a:picLocks noChangeAspect="1" noChangeArrowheads="1"/>
+          </p:cNvPicPr>
+          <p:nvPr/>
+        </p:nvPicPr>
+        <p:blipFill>
+          <a:blip r:embed="rId2">
+            <a:extLst>
+              <a:ext uri="{28A0092B-C50C-407E-A947-70E740481C1C}">
+                <a14:useLocalDpi xmlns:a14="http://schemas.microsoft.com/office/drawing/2010/main" val="0"/>
+              </a:ext>
+            </a:extLst>
+          </a:blip>
+          <a:srcRect/>
+          <a:stretch>
+            <a:fillRect/>
+          </a:stretch>
+        </p:blipFill>
+        <p:spPr bwMode="auto">
+          <a:xfrm>
+            <a:off x="2273300" y="2349500"/>
+            <a:ext cx="7696200" cy="2819400"/>
+          </a:xfrm>
+          <a:prstGeom prst="rect">
+            <a:avLst/>
+          </a:prstGeom>
+          <a:noFill/>
+          <a:extLst>
+            <a:ext uri="{909E8E84-426E-40DD-AFC4-6F175D3DCCD1}">
+              <a14:hiddenFill xmlns:a14="http://schemas.microsoft.com/office/drawing/2010/main">
+                <a:solidFill>
+                  <a:srgbClr val="FFFFFF"/>
+                </a:solidFill>
+              </a14:hiddenFill>
+            </a:ext>
+          </a:extLst>
+        </p:spPr>
+      </p:pic>
+    </p:spTree>
+    <p:extLst>
+      <p:ext uri="{BB962C8B-B14F-4D97-AF65-F5344CB8AC3E}">
+        <p14:creationId xmlns:p14="http://schemas.microsoft.com/office/powerpoint/2010/main" val="3706323715"/>
+      </p:ext>
+    </p:extLst>
+  </p:cSld>
+  <p:clrMapOvr>
+    <a:masterClrMapping/>
+  </p:clrMapOvr>
+</p:sld>
+</file>
+
+<file path=ppt/slides/slide16.xml><?xml version="1.0" encoding="utf-8"?>
+<p:sld xmlns:a="http://schemas.openxmlformats.org/drawingml/2006/main" xmlns:r="http://schemas.openxmlformats.org/officeDocument/2006/relationships" xmlns:p="http://schemas.openxmlformats.org/presentationml/2006/main">
+  <p:cSld>
+    <p:spTree>
+      <p:nvGrpSpPr>
+        <p:cNvPr id="1" name=""/>
+        <p:cNvGrpSpPr/>
+        <p:nvPr/>
+      </p:nvGrpSpPr>
+      <p:grpSpPr>
+        <a:xfrm>
+          <a:off x="0" y="0"/>
+          <a:ext cx="0" cy="0"/>
+          <a:chOff x="0" y="0"/>
+          <a:chExt cx="0" cy="0"/>
+        </a:xfrm>
+      </p:grpSpPr>
+      <p:sp>
+        <p:nvSpPr>
+          <p:cNvPr id="2" name="Title 1"/>
+          <p:cNvSpPr>
+            <a:spLocks noGrp="1"/>
+          </p:cNvSpPr>
+          <p:nvPr>
+            <p:ph type="title"/>
+          </p:nvPr>
+        </p:nvSpPr>
+        <p:spPr/>
+        <p:txBody>
+          <a:bodyPr/>
+          <a:lstStyle/>
+          <a:p>
+            <a:r>
+              <a:rPr lang="en-IN" dirty="0"/>
+              <a:t>Relationship: Composition</a:t>
+            </a:r>
+          </a:p>
+        </p:txBody>
+      </p:sp>
+      <p:sp>
+        <p:nvSpPr>
+          <p:cNvPr id="4" name="AutoShape 4" descr="Image result for java composition"/>
+          <p:cNvSpPr>
+            <a:spLocks noChangeAspect="1" noChangeArrowheads="1"/>
+          </p:cNvSpPr>
+          <p:nvPr/>
+        </p:nvSpPr>
+        <p:spPr bwMode="auto">
+          <a:xfrm>
+            <a:off x="5943600" y="3276600"/>
+            <a:ext cx="304800" cy="304800"/>
+          </a:xfrm>
+          <a:prstGeom prst="rect">
+            <a:avLst/>
+          </a:prstGeom>
+          <a:noFill/>
+          <a:extLst>
+            <a:ext uri="{909E8E84-426E-40DD-AFC4-6F175D3DCCD1}">
+              <a14:hiddenFill xmlns:a14="http://schemas.microsoft.com/office/drawing/2010/main">
+                <a:solidFill>
+                  <a:srgbClr val="FFFFFF"/>
+                </a:solidFill>
+              </a14:hiddenFill>
+            </a:ext>
+          </a:extLst>
+        </p:spPr>
+        <p:txBody>
+          <a:bodyPr vert="horz" wrap="square" lIns="91440" tIns="45720" rIns="91440" bIns="45720" numCol="1" anchor="t" anchorCtr="0" compatLnSpc="1">
+            <a:prstTxWarp prst="textNoShape">
+              <a:avLst/>
+            </a:prstTxWarp>
+          </a:bodyPr>
+          <a:lstStyle/>
+          <a:p>
+            <a:endParaRPr lang="en-IN"/>
+          </a:p>
+        </p:txBody>
+      </p:sp>
+      <p:sp>
+        <p:nvSpPr>
+          <p:cNvPr id="6" name="AutoShape 6" descr="Image result for java composition"/>
+          <p:cNvSpPr>
+            <a:spLocks noChangeAspect="1" noChangeArrowheads="1"/>
+          </p:cNvSpPr>
+          <p:nvPr/>
+        </p:nvSpPr>
+        <p:spPr bwMode="auto">
+          <a:xfrm>
+            <a:off x="6096000" y="3429000"/>
+            <a:ext cx="304800" cy="304800"/>
+          </a:xfrm>
+          <a:prstGeom prst="rect">
+            <a:avLst/>
+          </a:prstGeom>
+          <a:noFill/>
+          <a:extLst>
+            <a:ext uri="{909E8E84-426E-40DD-AFC4-6F175D3DCCD1}">
+              <a14:hiddenFill xmlns:a14="http://schemas.microsoft.com/office/drawing/2010/main">
+                <a:solidFill>
+                  <a:srgbClr val="FFFFFF"/>
+                </a:solidFill>
+              </a14:hiddenFill>
+            </a:ext>
+          </a:extLst>
+        </p:spPr>
+        <p:txBody>
+          <a:bodyPr vert="horz" wrap="square" lIns="91440" tIns="45720" rIns="91440" bIns="45720" numCol="1" anchor="t" anchorCtr="0" compatLnSpc="1">
+            <a:prstTxWarp prst="textNoShape">
+              <a:avLst/>
+            </a:prstTxWarp>
+          </a:bodyPr>
+          <a:lstStyle/>
+          <a:p>
+            <a:endParaRPr lang="en-IN"/>
+          </a:p>
+        </p:txBody>
+      </p:sp>
+      <p:sp>
+        <p:nvSpPr>
+          <p:cNvPr id="7" name="AutoShape 8" descr="Image result for java composition"/>
+          <p:cNvSpPr>
+            <a:spLocks noChangeAspect="1" noChangeArrowheads="1"/>
+          </p:cNvSpPr>
+          <p:nvPr/>
+        </p:nvSpPr>
+        <p:spPr bwMode="auto">
+          <a:xfrm>
+            <a:off x="6248400" y="3581400"/>
+            <a:ext cx="2184400" cy="2184400"/>
+          </a:xfrm>
+          <a:prstGeom prst="rect">
+            <a:avLst/>
+          </a:prstGeom>
+          <a:noFill/>
+          <a:extLst>
+            <a:ext uri="{909E8E84-426E-40DD-AFC4-6F175D3DCCD1}">
+              <a14:hiddenFill xmlns:a14="http://schemas.microsoft.com/office/drawing/2010/main">
+                <a:solidFill>
+                  <a:srgbClr val="FFFFFF"/>
+                </a:solidFill>
+              </a14:hiddenFill>
+            </a:ext>
+          </a:extLst>
+        </p:spPr>
+        <p:txBody>
+          <a:bodyPr vert="horz" wrap="square" lIns="91440" tIns="45720" rIns="91440" bIns="45720" numCol="1" anchor="t" anchorCtr="0" compatLnSpc="1">
+            <a:prstTxWarp prst="textNoShape">
+              <a:avLst/>
+            </a:prstTxWarp>
+          </a:bodyPr>
+          <a:lstStyle/>
+          <a:p>
+            <a:endParaRPr lang="en-IN"/>
+          </a:p>
+        </p:txBody>
+      </p:sp>
+      <p:sp>
+        <p:nvSpPr>
+          <p:cNvPr id="8" name="AutoShape 10" descr="Image result for java composition"/>
+          <p:cNvSpPr>
+            <a:spLocks noChangeAspect="1" noChangeArrowheads="1"/>
+          </p:cNvSpPr>
+          <p:nvPr/>
+        </p:nvSpPr>
+        <p:spPr bwMode="auto">
+          <a:xfrm>
+            <a:off x="6248400" y="3581400"/>
+            <a:ext cx="304800" cy="304800"/>
+          </a:xfrm>
+          <a:prstGeom prst="rect">
+            <a:avLst/>
+          </a:prstGeom>
+          <a:noFill/>
+          <a:extLst>
+            <a:ext uri="{909E8E84-426E-40DD-AFC4-6F175D3DCCD1}">
+              <a14:hiddenFill xmlns:a14="http://schemas.microsoft.com/office/drawing/2010/main">
+                <a:solidFill>
+                  <a:srgbClr val="FFFFFF"/>
+                </a:solidFill>
+              </a14:hiddenFill>
+            </a:ext>
+          </a:extLst>
+        </p:spPr>
+        <p:txBody>
+          <a:bodyPr vert="horz" wrap="square" lIns="91440" tIns="45720" rIns="91440" bIns="45720" numCol="1" anchor="t" anchorCtr="0" compatLnSpc="1">
+            <a:prstTxWarp prst="textNoShape">
+              <a:avLst/>
+            </a:prstTxWarp>
+          </a:bodyPr>
+          <a:lstStyle/>
+          <a:p>
+            <a:endParaRPr lang="en-IN"/>
+          </a:p>
+        </p:txBody>
+      </p:sp>
+      <p:pic>
+        <p:nvPicPr>
+          <p:cNvPr id="14348" name="Picture 12" descr="Image result for java composition"/>
+          <p:cNvPicPr>
+            <a:picLocks noChangeAspect="1" noChangeArrowheads="1"/>
+          </p:cNvPicPr>
+          <p:nvPr/>
+        </p:nvPicPr>
+        <p:blipFill>
+          <a:blip r:embed="rId2">
+            <a:extLst>
+              <a:ext uri="{28A0092B-C50C-407E-A947-70E740481C1C}">
+                <a14:useLocalDpi xmlns:a14="http://schemas.microsoft.com/office/drawing/2010/main" val="0"/>
+              </a:ext>
+            </a:extLst>
+          </a:blip>
+          <a:srcRect/>
+          <a:stretch>
+            <a:fillRect/>
+          </a:stretch>
+        </p:blipFill>
+        <p:spPr bwMode="auto">
+          <a:xfrm>
+            <a:off x="1451579" y="1904554"/>
+            <a:ext cx="6929968" cy="3075660"/>
+          </a:xfrm>
+          <a:prstGeom prst="rect">
+            <a:avLst/>
+          </a:prstGeom>
+          <a:noFill/>
+          <a:extLst>
+            <a:ext uri="{909E8E84-426E-40DD-AFC4-6F175D3DCCD1}">
+              <a14:hiddenFill xmlns:a14="http://schemas.microsoft.com/office/drawing/2010/main">
+                <a:solidFill>
+                  <a:srgbClr val="FFFFFF"/>
+                </a:solidFill>
+              </a14:hiddenFill>
+            </a:ext>
+          </a:extLst>
+        </p:spPr>
+      </p:pic>
+    </p:spTree>
+    <p:extLst>
+      <p:ext uri="{BB962C8B-B14F-4D97-AF65-F5344CB8AC3E}">
+        <p14:creationId xmlns:p14="http://schemas.microsoft.com/office/powerpoint/2010/main" val="1082250123"/>
+      </p:ext>
+    </p:extLst>
+  </p:cSld>
+  <p:clrMapOvr>
+    <a:masterClrMapping/>
+  </p:clrMapOvr>
+</p:sld>
+</file>
+
+<file path=ppt/slides/slide17.xml><?xml version="1.0" encoding="utf-8"?>
+<p:sld xmlns:a="http://schemas.openxmlformats.org/drawingml/2006/main" xmlns:r="http://schemas.openxmlformats.org/officeDocument/2006/relationships" xmlns:p="http://schemas.openxmlformats.org/presentationml/2006/main">
+  <p:cSld>
+    <p:spTree>
+      <p:nvGrpSpPr>
+        <p:cNvPr id="1" name=""/>
+        <p:cNvGrpSpPr/>
+        <p:nvPr/>
+      </p:nvGrpSpPr>
+      <p:grpSpPr>
+        <a:xfrm>
+          <a:off x="0" y="0"/>
+          <a:ext cx="0" cy="0"/>
+          <a:chOff x="0" y="0"/>
+          <a:chExt cx="0" cy="0"/>
+        </a:xfrm>
+      </p:grpSpPr>
+      <p:sp>
+        <p:nvSpPr>
+          <p:cNvPr id="2" name="Title 1"/>
+          <p:cNvSpPr>
+            <a:spLocks noGrp="1"/>
+          </p:cNvSpPr>
+          <p:nvPr>
+            <p:ph type="title"/>
+          </p:nvPr>
+        </p:nvSpPr>
+        <p:spPr/>
+        <p:txBody>
+          <a:bodyPr/>
+          <a:lstStyle/>
+          <a:p>
+            <a:r>
+              <a:rPr lang="en-IN" dirty="0"/>
+              <a:t>Relationship:  Association</a:t>
+            </a:r>
+          </a:p>
+        </p:txBody>
+      </p:sp>
+      <p:sp>
+        <p:nvSpPr>
+          <p:cNvPr id="4" name="AutoShape 4" descr="Image result for java composition"/>
+          <p:cNvSpPr>
+            <a:spLocks noChangeAspect="1" noChangeArrowheads="1"/>
+          </p:cNvSpPr>
+          <p:nvPr/>
+        </p:nvSpPr>
+        <p:spPr bwMode="auto">
+          <a:xfrm>
+            <a:off x="5943600" y="3276600"/>
+            <a:ext cx="304800" cy="304800"/>
+          </a:xfrm>
+          <a:prstGeom prst="rect">
+            <a:avLst/>
+          </a:prstGeom>
+          <a:noFill/>
+          <a:extLst>
+            <a:ext uri="{909E8E84-426E-40DD-AFC4-6F175D3DCCD1}">
+              <a14:hiddenFill xmlns:a14="http://schemas.microsoft.com/office/drawing/2010/main">
+                <a:solidFill>
+                  <a:srgbClr val="FFFFFF"/>
+                </a:solidFill>
+              </a14:hiddenFill>
+            </a:ext>
+          </a:extLst>
+        </p:spPr>
+        <p:txBody>
+          <a:bodyPr vert="horz" wrap="square" lIns="91440" tIns="45720" rIns="91440" bIns="45720" numCol="1" anchor="t" anchorCtr="0" compatLnSpc="1">
+            <a:prstTxWarp prst="textNoShape">
+              <a:avLst/>
+            </a:prstTxWarp>
+          </a:bodyPr>
+          <a:lstStyle/>
+          <a:p>
+            <a:endParaRPr lang="en-IN"/>
+          </a:p>
+        </p:txBody>
+      </p:sp>
+      <p:sp>
+        <p:nvSpPr>
+          <p:cNvPr id="6" name="AutoShape 6" descr="Image result for java composition"/>
+          <p:cNvSpPr>
+            <a:spLocks noChangeAspect="1" noChangeArrowheads="1"/>
+          </p:cNvSpPr>
+          <p:nvPr/>
+        </p:nvSpPr>
+        <p:spPr bwMode="auto">
+          <a:xfrm>
+            <a:off x="6096000" y="3429000"/>
+            <a:ext cx="304800" cy="304800"/>
+          </a:xfrm>
+          <a:prstGeom prst="rect">
+            <a:avLst/>
+          </a:prstGeom>
+          <a:noFill/>
+          <a:extLst>
+            <a:ext uri="{909E8E84-426E-40DD-AFC4-6F175D3DCCD1}">
+              <a14:hiddenFill xmlns:a14="http://schemas.microsoft.com/office/drawing/2010/main">
+                <a:solidFill>
+                  <a:srgbClr val="FFFFFF"/>
+                </a:solidFill>
+              </a14:hiddenFill>
+            </a:ext>
+          </a:extLst>
+        </p:spPr>
+        <p:txBody>
+          <a:bodyPr vert="horz" wrap="square" lIns="91440" tIns="45720" rIns="91440" bIns="45720" numCol="1" anchor="t" anchorCtr="0" compatLnSpc="1">
+            <a:prstTxWarp prst="textNoShape">
+              <a:avLst/>
+            </a:prstTxWarp>
+          </a:bodyPr>
+          <a:lstStyle/>
+          <a:p>
+            <a:endParaRPr lang="en-IN"/>
+          </a:p>
+        </p:txBody>
+      </p:sp>
+      <p:sp>
+        <p:nvSpPr>
+          <p:cNvPr id="7" name="AutoShape 8" descr="Image result for java composition"/>
+          <p:cNvSpPr>
+            <a:spLocks noChangeAspect="1" noChangeArrowheads="1"/>
+          </p:cNvSpPr>
+          <p:nvPr/>
+        </p:nvSpPr>
+        <p:spPr bwMode="auto">
+          <a:xfrm>
+            <a:off x="6248400" y="3581400"/>
+            <a:ext cx="2184400" cy="2184400"/>
+          </a:xfrm>
+          <a:prstGeom prst="rect">
+            <a:avLst/>
+          </a:prstGeom>
+          <a:noFill/>
+          <a:extLst>
+            <a:ext uri="{909E8E84-426E-40DD-AFC4-6F175D3DCCD1}">
+              <a14:hiddenFill xmlns:a14="http://schemas.microsoft.com/office/drawing/2010/main">
+                <a:solidFill>
+                  <a:srgbClr val="FFFFFF"/>
+                </a:solidFill>
+              </a14:hiddenFill>
+            </a:ext>
+          </a:extLst>
+        </p:spPr>
+        <p:txBody>
+          <a:bodyPr vert="horz" wrap="square" lIns="91440" tIns="45720" rIns="91440" bIns="45720" numCol="1" anchor="t" anchorCtr="0" compatLnSpc="1">
+            <a:prstTxWarp prst="textNoShape">
+              <a:avLst/>
+            </a:prstTxWarp>
+          </a:bodyPr>
+          <a:lstStyle/>
+          <a:p>
+            <a:endParaRPr lang="en-IN"/>
+          </a:p>
+        </p:txBody>
+      </p:sp>
+      <p:sp>
+        <p:nvSpPr>
+          <p:cNvPr id="8" name="AutoShape 10" descr="Image result for java composition"/>
+          <p:cNvSpPr>
+            <a:spLocks noChangeAspect="1" noChangeArrowheads="1"/>
+          </p:cNvSpPr>
+          <p:nvPr/>
+        </p:nvSpPr>
+        <p:spPr bwMode="auto">
+          <a:xfrm>
+            <a:off x="6248400" y="3581400"/>
+            <a:ext cx="304800" cy="304800"/>
+          </a:xfrm>
+          <a:prstGeom prst="rect">
+            <a:avLst/>
+          </a:prstGeom>
+          <a:noFill/>
+          <a:extLst>
+            <a:ext uri="{909E8E84-426E-40DD-AFC4-6F175D3DCCD1}">
+              <a14:hiddenFill xmlns:a14="http://schemas.microsoft.com/office/drawing/2010/main">
+                <a:solidFill>
+                  <a:srgbClr val="FFFFFF"/>
+                </a:solidFill>
+              </a14:hiddenFill>
+            </a:ext>
+          </a:extLst>
+        </p:spPr>
+        <p:txBody>
+          <a:bodyPr vert="horz" wrap="square" lIns="91440" tIns="45720" rIns="91440" bIns="45720" numCol="1" anchor="t" anchorCtr="0" compatLnSpc="1">
+            <a:prstTxWarp prst="textNoShape">
+              <a:avLst/>
+            </a:prstTxWarp>
+          </a:bodyPr>
+          <a:lstStyle/>
+          <a:p>
+            <a:endParaRPr lang="en-IN"/>
+          </a:p>
+        </p:txBody>
+      </p:sp>
+      <p:pic>
+        <p:nvPicPr>
+          <p:cNvPr id="9" name="Picture 8"/>
+          <p:cNvPicPr>
+            <a:picLocks noChangeAspect="1"/>
+          </p:cNvPicPr>
+          <p:nvPr/>
+        </p:nvPicPr>
+        <p:blipFill>
+          <a:blip r:embed="rId2"/>
+          <a:stretch>
+            <a:fillRect/>
+          </a:stretch>
+        </p:blipFill>
+        <p:spPr>
+          <a:xfrm>
+            <a:off x="1451578" y="2006154"/>
+            <a:ext cx="8425893" cy="2794446"/>
+          </a:xfrm>
+          <a:prstGeom prst="rect">
+            <a:avLst/>
+          </a:prstGeom>
+        </p:spPr>
+      </p:pic>
+    </p:spTree>
+    <p:extLst>
+      <p:ext uri="{BB962C8B-B14F-4D97-AF65-F5344CB8AC3E}">
+        <p14:creationId xmlns:p14="http://schemas.microsoft.com/office/powerpoint/2010/main" val="1175337285"/>
+      </p:ext>
+    </p:extLst>
+  </p:cSld>
+  <p:clrMapOvr>
+    <a:masterClrMapping/>
+  </p:clrMapOvr>
+</p:sld>
+</file>
+
+<file path=ppt/slides/slide18.xml><?xml version="1.0" encoding="utf-8"?>
+<p:sld xmlns:a="http://schemas.openxmlformats.org/drawingml/2006/main" xmlns:r="http://schemas.openxmlformats.org/officeDocument/2006/relationships" xmlns:p="http://schemas.openxmlformats.org/presentationml/2006/main">
+  <p:cSld>
+    <p:spTree>
+      <p:nvGrpSpPr>
+        <p:cNvPr id="1" name=""/>
+        <p:cNvGrpSpPr/>
+        <p:nvPr/>
+      </p:nvGrpSpPr>
+      <p:grpSpPr>
+        <a:xfrm>
+          <a:off x="0" y="0"/>
+          <a:ext cx="0" cy="0"/>
+          <a:chOff x="0" y="0"/>
+          <a:chExt cx="0" cy="0"/>
+        </a:xfrm>
+      </p:grpSpPr>
+      <p:sp>
+        <p:nvSpPr>
+          <p:cNvPr id="2" name="Title 1"/>
+          <p:cNvSpPr>
+            <a:spLocks noGrp="1"/>
+          </p:cNvSpPr>
+          <p:nvPr>
+            <p:ph type="title"/>
+          </p:nvPr>
+        </p:nvSpPr>
+        <p:spPr/>
+        <p:txBody>
+          <a:bodyPr/>
+          <a:lstStyle/>
+          <a:p>
+            <a:r>
+              <a:rPr lang="en-IN" dirty="0"/>
+              <a:t>Relationship:  aggregation </a:t>
+            </a:r>
+          </a:p>
+        </p:txBody>
+      </p:sp>
+      <p:sp>
+        <p:nvSpPr>
+          <p:cNvPr id="4" name="AutoShape 4" descr="Image result for java composition"/>
+          <p:cNvSpPr>
+            <a:spLocks noChangeAspect="1" noChangeArrowheads="1"/>
+          </p:cNvSpPr>
+          <p:nvPr/>
+        </p:nvSpPr>
+        <p:spPr bwMode="auto">
+          <a:xfrm>
+            <a:off x="5943600" y="3276600"/>
+            <a:ext cx="304800" cy="304800"/>
+          </a:xfrm>
+          <a:prstGeom prst="rect">
+            <a:avLst/>
+          </a:prstGeom>
+          <a:noFill/>
+          <a:extLst>
+            <a:ext uri="{909E8E84-426E-40DD-AFC4-6F175D3DCCD1}">
+              <a14:hiddenFill xmlns:a14="http://schemas.microsoft.com/office/drawing/2010/main">
+                <a:solidFill>
+                  <a:srgbClr val="FFFFFF"/>
+                </a:solidFill>
+              </a14:hiddenFill>
+            </a:ext>
+          </a:extLst>
+        </p:spPr>
+        <p:txBody>
+          <a:bodyPr vert="horz" wrap="square" lIns="91440" tIns="45720" rIns="91440" bIns="45720" numCol="1" anchor="t" anchorCtr="0" compatLnSpc="1">
+            <a:prstTxWarp prst="textNoShape">
+              <a:avLst/>
+            </a:prstTxWarp>
+          </a:bodyPr>
+          <a:lstStyle/>
+          <a:p>
+            <a:endParaRPr lang="en-IN"/>
+          </a:p>
+        </p:txBody>
+      </p:sp>
+      <p:sp>
+        <p:nvSpPr>
+          <p:cNvPr id="6" name="AutoShape 6" descr="Image result for java composition"/>
+          <p:cNvSpPr>
+            <a:spLocks noChangeAspect="1" noChangeArrowheads="1"/>
+          </p:cNvSpPr>
+          <p:nvPr/>
+        </p:nvSpPr>
+        <p:spPr bwMode="auto">
+          <a:xfrm>
+            <a:off x="6096000" y="3429000"/>
+            <a:ext cx="304800" cy="304800"/>
+          </a:xfrm>
+          <a:prstGeom prst="rect">
+            <a:avLst/>
+          </a:prstGeom>
+          <a:noFill/>
+          <a:extLst>
+            <a:ext uri="{909E8E84-426E-40DD-AFC4-6F175D3DCCD1}">
+              <a14:hiddenFill xmlns:a14="http://schemas.microsoft.com/office/drawing/2010/main">
+                <a:solidFill>
+                  <a:srgbClr val="FFFFFF"/>
+                </a:solidFill>
+              </a14:hiddenFill>
+            </a:ext>
+          </a:extLst>
+        </p:spPr>
+        <p:txBody>
+          <a:bodyPr vert="horz" wrap="square" lIns="91440" tIns="45720" rIns="91440" bIns="45720" numCol="1" anchor="t" anchorCtr="0" compatLnSpc="1">
+            <a:prstTxWarp prst="textNoShape">
+              <a:avLst/>
+            </a:prstTxWarp>
+          </a:bodyPr>
+          <a:lstStyle/>
+          <a:p>
+            <a:endParaRPr lang="en-IN"/>
+          </a:p>
+        </p:txBody>
+      </p:sp>
+      <p:sp>
+        <p:nvSpPr>
+          <p:cNvPr id="7" name="AutoShape 8" descr="Image result for java composition"/>
+          <p:cNvSpPr>
+            <a:spLocks noChangeAspect="1" noChangeArrowheads="1"/>
+          </p:cNvSpPr>
+          <p:nvPr/>
+        </p:nvSpPr>
+        <p:spPr bwMode="auto">
+          <a:xfrm>
+            <a:off x="6248400" y="3581400"/>
+            <a:ext cx="2184400" cy="2184400"/>
+          </a:xfrm>
+          <a:prstGeom prst="rect">
+            <a:avLst/>
+          </a:prstGeom>
+          <a:noFill/>
+          <a:extLst>
+            <a:ext uri="{909E8E84-426E-40DD-AFC4-6F175D3DCCD1}">
+              <a14:hiddenFill xmlns:a14="http://schemas.microsoft.com/office/drawing/2010/main">
+                <a:solidFill>
+                  <a:srgbClr val="FFFFFF"/>
+                </a:solidFill>
+              </a14:hiddenFill>
+            </a:ext>
+          </a:extLst>
+        </p:spPr>
+        <p:txBody>
+          <a:bodyPr vert="horz" wrap="square" lIns="91440" tIns="45720" rIns="91440" bIns="45720" numCol="1" anchor="t" anchorCtr="0" compatLnSpc="1">
+            <a:prstTxWarp prst="textNoShape">
+              <a:avLst/>
+            </a:prstTxWarp>
+          </a:bodyPr>
+          <a:lstStyle/>
+          <a:p>
+            <a:endParaRPr lang="en-IN"/>
+          </a:p>
+        </p:txBody>
+      </p:sp>
+      <p:sp>
+        <p:nvSpPr>
+          <p:cNvPr id="8" name="AutoShape 10" descr="Image result for java composition"/>
+          <p:cNvSpPr>
+            <a:spLocks noChangeAspect="1" noChangeArrowheads="1"/>
+          </p:cNvSpPr>
+          <p:nvPr/>
+        </p:nvSpPr>
+        <p:spPr bwMode="auto">
+          <a:xfrm>
+            <a:off x="6248400" y="3581400"/>
+            <a:ext cx="304800" cy="304800"/>
+          </a:xfrm>
+          <a:prstGeom prst="rect">
+            <a:avLst/>
+          </a:prstGeom>
+          <a:noFill/>
+          <a:extLst>
+            <a:ext uri="{909E8E84-426E-40DD-AFC4-6F175D3DCCD1}">
+              <a14:hiddenFill xmlns:a14="http://schemas.microsoft.com/office/drawing/2010/main">
+                <a:solidFill>
+                  <a:srgbClr val="FFFFFF"/>
+                </a:solidFill>
+              </a14:hiddenFill>
+            </a:ext>
+          </a:extLst>
+        </p:spPr>
+        <p:txBody>
+          <a:bodyPr vert="horz" wrap="square" lIns="91440" tIns="45720" rIns="91440" bIns="45720" numCol="1" anchor="t" anchorCtr="0" compatLnSpc="1">
+            <a:prstTxWarp prst="textNoShape">
+              <a:avLst/>
+            </a:prstTxWarp>
+          </a:bodyPr>
+          <a:lstStyle/>
+          <a:p>
+            <a:endParaRPr lang="en-IN"/>
+          </a:p>
+        </p:txBody>
+      </p:sp>
+      <p:pic>
+        <p:nvPicPr>
+          <p:cNvPr id="16386" name="Picture 2" descr="Image result for java aggregation aggregate"/>
+          <p:cNvPicPr>
+            <a:picLocks noChangeAspect="1" noChangeArrowheads="1"/>
+          </p:cNvPicPr>
+          <p:nvPr/>
+        </p:nvPicPr>
+        <p:blipFill>
+          <a:blip r:embed="rId2">
+            <a:extLst>
+              <a:ext uri="{28A0092B-C50C-407E-A947-70E740481C1C}">
+                <a14:useLocalDpi xmlns:a14="http://schemas.microsoft.com/office/drawing/2010/main" val="0"/>
+              </a:ext>
+            </a:extLst>
+          </a:blip>
+          <a:srcRect/>
+          <a:stretch>
+            <a:fillRect/>
+          </a:stretch>
+        </p:blipFill>
+        <p:spPr bwMode="auto">
+          <a:xfrm>
+            <a:off x="1451578" y="1917477"/>
+            <a:ext cx="6614735" cy="2992380"/>
+          </a:xfrm>
+          <a:prstGeom prst="rect">
+            <a:avLst/>
+          </a:prstGeom>
+          <a:noFill/>
+          <a:extLst>
+            <a:ext uri="{909E8E84-426E-40DD-AFC4-6F175D3DCCD1}">
+              <a14:hiddenFill xmlns:a14="http://schemas.microsoft.com/office/drawing/2010/main">
+                <a:solidFill>
+                  <a:srgbClr val="FFFFFF"/>
+                </a:solidFill>
+              </a14:hiddenFill>
+            </a:ext>
+          </a:extLst>
+        </p:spPr>
+      </p:pic>
+    </p:spTree>
+    <p:extLst>
+      <p:ext uri="{BB962C8B-B14F-4D97-AF65-F5344CB8AC3E}">
+        <p14:creationId xmlns:p14="http://schemas.microsoft.com/office/powerpoint/2010/main" val="2256796327"/>
+      </p:ext>
+    </p:extLst>
+  </p:cSld>
+  <p:clrMapOvr>
+    <a:masterClrMapping/>
+  </p:clrMapOvr>
+</p:sld>
+</file>
+
+<file path=ppt/slides/slide19.xml><?xml version="1.0" encoding="utf-8"?>
+<p:sld xmlns:a="http://schemas.openxmlformats.org/drawingml/2006/main" xmlns:r="http://schemas.openxmlformats.org/officeDocument/2006/relationships" xmlns:p="http://schemas.openxmlformats.org/presentationml/2006/main">
+  <p:cSld>
+    <p:spTree>
+      <p:nvGrpSpPr>
+        <p:cNvPr id="1" name=""/>
+        <p:cNvGrpSpPr/>
+        <p:nvPr/>
+      </p:nvGrpSpPr>
+      <p:grpSpPr>
+        <a:xfrm>
+          <a:off x="0" y="0"/>
+          <a:ext cx="0" cy="0"/>
+          <a:chOff x="0" y="0"/>
+          <a:chExt cx="0" cy="0"/>
+        </a:xfrm>
+      </p:grpSpPr>
+      <p:sp>
+        <p:nvSpPr>
+          <p:cNvPr id="2" name="Title 1"/>
+          <p:cNvSpPr>
+            <a:spLocks noGrp="1"/>
+          </p:cNvSpPr>
+          <p:nvPr>
+            <p:ph type="title"/>
+          </p:nvPr>
+        </p:nvSpPr>
+        <p:spPr/>
+        <p:txBody>
+          <a:bodyPr/>
+          <a:lstStyle/>
+          <a:p>
+            <a:r>
+              <a:rPr lang="en-IN" dirty="0"/>
+              <a:t>Relationship:  aggregation Vs Composition</a:t>
+            </a:r>
+          </a:p>
+        </p:txBody>
+      </p:sp>
+      <p:sp>
+        <p:nvSpPr>
+          <p:cNvPr id="4" name="AutoShape 4" descr="Image result for java composition"/>
+          <p:cNvSpPr>
+            <a:spLocks noChangeAspect="1" noChangeArrowheads="1"/>
+          </p:cNvSpPr>
+          <p:nvPr/>
+        </p:nvSpPr>
+        <p:spPr bwMode="auto">
+          <a:xfrm>
+            <a:off x="5943600" y="3276600"/>
+            <a:ext cx="304800" cy="304800"/>
+          </a:xfrm>
+          <a:prstGeom prst="rect">
+            <a:avLst/>
+          </a:prstGeom>
+          <a:noFill/>
+          <a:extLst>
+            <a:ext uri="{909E8E84-426E-40DD-AFC4-6F175D3DCCD1}">
+              <a14:hiddenFill xmlns:a14="http://schemas.microsoft.com/office/drawing/2010/main">
+                <a:solidFill>
+                  <a:srgbClr val="FFFFFF"/>
+                </a:solidFill>
+              </a14:hiddenFill>
+            </a:ext>
+          </a:extLst>
+        </p:spPr>
+        <p:txBody>
+          <a:bodyPr vert="horz" wrap="square" lIns="91440" tIns="45720" rIns="91440" bIns="45720" numCol="1" anchor="t" anchorCtr="0" compatLnSpc="1">
+            <a:prstTxWarp prst="textNoShape">
+              <a:avLst/>
+            </a:prstTxWarp>
+          </a:bodyPr>
+          <a:lstStyle/>
+          <a:p>
+            <a:endParaRPr lang="en-IN"/>
+          </a:p>
+        </p:txBody>
+      </p:sp>
+      <p:sp>
+        <p:nvSpPr>
+          <p:cNvPr id="6" name="AutoShape 6" descr="Image result for java composition"/>
+          <p:cNvSpPr>
+            <a:spLocks noChangeAspect="1" noChangeArrowheads="1"/>
+          </p:cNvSpPr>
+          <p:nvPr/>
+        </p:nvSpPr>
+        <p:spPr bwMode="auto">
+          <a:xfrm>
+            <a:off x="6096000" y="3429000"/>
+            <a:ext cx="304800" cy="304800"/>
+          </a:xfrm>
+          <a:prstGeom prst="rect">
+            <a:avLst/>
+          </a:prstGeom>
+          <a:noFill/>
+          <a:extLst>
+            <a:ext uri="{909E8E84-426E-40DD-AFC4-6F175D3DCCD1}">
+              <a14:hiddenFill xmlns:a14="http://schemas.microsoft.com/office/drawing/2010/main">
+                <a:solidFill>
+                  <a:srgbClr val="FFFFFF"/>
+                </a:solidFill>
+              </a14:hiddenFill>
+            </a:ext>
+          </a:extLst>
+        </p:spPr>
+        <p:txBody>
+          <a:bodyPr vert="horz" wrap="square" lIns="91440" tIns="45720" rIns="91440" bIns="45720" numCol="1" anchor="t" anchorCtr="0" compatLnSpc="1">
+            <a:prstTxWarp prst="textNoShape">
+              <a:avLst/>
+            </a:prstTxWarp>
+          </a:bodyPr>
+          <a:lstStyle/>
+          <a:p>
+            <a:endParaRPr lang="en-IN"/>
+          </a:p>
+        </p:txBody>
+      </p:sp>
+      <p:sp>
+        <p:nvSpPr>
+          <p:cNvPr id="7" name="AutoShape 8" descr="Image result for java composition"/>
+          <p:cNvSpPr>
+            <a:spLocks noChangeAspect="1" noChangeArrowheads="1"/>
+          </p:cNvSpPr>
+          <p:nvPr/>
+        </p:nvSpPr>
+        <p:spPr bwMode="auto">
+          <a:xfrm>
+            <a:off x="6248400" y="3581400"/>
+            <a:ext cx="2184400" cy="2184400"/>
+          </a:xfrm>
+          <a:prstGeom prst="rect">
+            <a:avLst/>
+          </a:prstGeom>
+          <a:noFill/>
+          <a:extLst>
+            <a:ext uri="{909E8E84-426E-40DD-AFC4-6F175D3DCCD1}">
+              <a14:hiddenFill xmlns:a14="http://schemas.microsoft.com/office/drawing/2010/main">
+                <a:solidFill>
+                  <a:srgbClr val="FFFFFF"/>
+                </a:solidFill>
+              </a14:hiddenFill>
+            </a:ext>
+          </a:extLst>
+        </p:spPr>
+        <p:txBody>
+          <a:bodyPr vert="horz" wrap="square" lIns="91440" tIns="45720" rIns="91440" bIns="45720" numCol="1" anchor="t" anchorCtr="0" compatLnSpc="1">
+            <a:prstTxWarp prst="textNoShape">
+              <a:avLst/>
+            </a:prstTxWarp>
+          </a:bodyPr>
+          <a:lstStyle/>
+          <a:p>
+            <a:endParaRPr lang="en-IN"/>
+          </a:p>
+        </p:txBody>
+      </p:sp>
+      <p:sp>
+        <p:nvSpPr>
+          <p:cNvPr id="8" name="AutoShape 10" descr="Image result for java composition"/>
+          <p:cNvSpPr>
+            <a:spLocks noChangeAspect="1" noChangeArrowheads="1"/>
+          </p:cNvSpPr>
+          <p:nvPr/>
+        </p:nvSpPr>
+        <p:spPr bwMode="auto">
+          <a:xfrm>
+            <a:off x="6248400" y="3581400"/>
+            <a:ext cx="304800" cy="304800"/>
+          </a:xfrm>
+          <a:prstGeom prst="rect">
+            <a:avLst/>
+          </a:prstGeom>
+          <a:noFill/>
+          <a:extLst>
+            <a:ext uri="{909E8E84-426E-40DD-AFC4-6F175D3DCCD1}">
+              <a14:hiddenFill xmlns:a14="http://schemas.microsoft.com/office/drawing/2010/main">
+                <a:solidFill>
+                  <a:srgbClr val="FFFFFF"/>
+                </a:solidFill>
+              </a14:hiddenFill>
+            </a:ext>
+          </a:extLst>
+        </p:spPr>
+        <p:txBody>
+          <a:bodyPr vert="horz" wrap="square" lIns="91440" tIns="45720" rIns="91440" bIns="45720" numCol="1" anchor="t" anchorCtr="0" compatLnSpc="1">
+            <a:prstTxWarp prst="textNoShape">
+              <a:avLst/>
+            </a:prstTxWarp>
+          </a:bodyPr>
+          <a:lstStyle/>
+          <a:p>
+            <a:endParaRPr lang="en-IN"/>
+          </a:p>
+        </p:txBody>
+      </p:sp>
+      <p:pic>
+        <p:nvPicPr>
+          <p:cNvPr id="18434" name="Picture 2" descr="Image result for java aggregation aggregate"/>
+          <p:cNvPicPr>
+            <a:picLocks noChangeAspect="1" noChangeArrowheads="1"/>
+          </p:cNvPicPr>
+          <p:nvPr/>
+        </p:nvPicPr>
+        <p:blipFill>
+          <a:blip r:embed="rId2">
+            <a:extLst>
+              <a:ext uri="{28A0092B-C50C-407E-A947-70E740481C1C}">
+                <a14:useLocalDpi xmlns:a14="http://schemas.microsoft.com/office/drawing/2010/main" val="0"/>
+              </a:ext>
+            </a:extLst>
+          </a:blip>
+          <a:srcRect/>
+          <a:stretch>
+            <a:fillRect/>
+          </a:stretch>
+        </p:blipFill>
+        <p:spPr bwMode="auto">
+          <a:xfrm>
+            <a:off x="1451579" y="1853754"/>
+            <a:ext cx="5455407" cy="4095831"/>
+          </a:xfrm>
+          <a:prstGeom prst="rect">
+            <a:avLst/>
+          </a:prstGeom>
+          <a:noFill/>
+          <a:extLst>
+            <a:ext uri="{909E8E84-426E-40DD-AFC4-6F175D3DCCD1}">
+              <a14:hiddenFill xmlns:a14="http://schemas.microsoft.com/office/drawing/2010/main">
+                <a:solidFill>
+                  <a:srgbClr val="FFFFFF"/>
+                </a:solidFill>
+              </a14:hiddenFill>
+            </a:ext>
+          </a:extLst>
+        </p:spPr>
+      </p:pic>
+      <p:sp>
+        <p:nvSpPr>
+          <p:cNvPr id="3" name="Rectangle 2"/>
+          <p:cNvSpPr/>
+          <p:nvPr/>
+        </p:nvSpPr>
+        <p:spPr>
+          <a:xfrm>
+            <a:off x="1110343" y="5670727"/>
+            <a:ext cx="6106886" cy="373743"/>
+          </a:xfrm>
+          <a:prstGeom prst="rect">
+            <a:avLst/>
+          </a:prstGeom>
+          <a:solidFill>
+            <a:srgbClr val="00B0F0"/>
+          </a:solidFill>
+        </p:spPr>
+        <p:style>
+          <a:lnRef idx="2">
+            <a:schemeClr val="accent1">
+              <a:shade val="50000"/>
+            </a:schemeClr>
+          </a:lnRef>
+          <a:fillRef idx="1">
+            <a:schemeClr val="accent1"/>
+          </a:fillRef>
+          <a:effectRef idx="0">
+            <a:schemeClr val="accent1"/>
+          </a:effectRef>
+          <a:fontRef idx="minor">
+            <a:schemeClr val="lt1"/>
+          </a:fontRef>
+        </p:style>
+        <p:txBody>
+          <a:bodyPr rtlCol="0" anchor="ctr"/>
+          <a:lstStyle/>
+          <a:p>
+            <a:pPr algn="ctr"/>
+            <a:endParaRPr lang="en-IN"/>
+          </a:p>
+        </p:txBody>
+      </p:sp>
+      <p:sp>
+        <p:nvSpPr>
+          <p:cNvPr id="10" name="Rectangle 9"/>
+          <p:cNvSpPr/>
+          <p:nvPr/>
+        </p:nvSpPr>
+        <p:spPr>
+          <a:xfrm>
+            <a:off x="1110343" y="1726295"/>
+            <a:ext cx="6106886" cy="373743"/>
+          </a:xfrm>
+          <a:prstGeom prst="rect">
+            <a:avLst/>
+          </a:prstGeom>
+          <a:solidFill>
+            <a:srgbClr val="00B0F0"/>
+          </a:solidFill>
+        </p:spPr>
+        <p:style>
+          <a:lnRef idx="2">
+            <a:schemeClr val="accent1">
+              <a:shade val="50000"/>
+            </a:schemeClr>
+          </a:lnRef>
+          <a:fillRef idx="1">
+            <a:schemeClr val="accent1"/>
+          </a:fillRef>
+          <a:effectRef idx="0">
+            <a:schemeClr val="accent1"/>
+          </a:effectRef>
+          <a:fontRef idx="minor">
+            <a:schemeClr val="lt1"/>
+          </a:fontRef>
+        </p:style>
+        <p:txBody>
+          <a:bodyPr rtlCol="0" anchor="ctr"/>
+          <a:lstStyle/>
+          <a:p>
+            <a:pPr algn="ctr"/>
+            <a:endParaRPr lang="en-IN"/>
+          </a:p>
+        </p:txBody>
+      </p:sp>
+    </p:spTree>
+    <p:extLst>
+      <p:ext uri="{BB962C8B-B14F-4D97-AF65-F5344CB8AC3E}">
+        <p14:creationId xmlns:p14="http://schemas.microsoft.com/office/powerpoint/2010/main" val="3089005503"/>
+      </p:ext>
+    </p:extLst>
+  </p:cSld>
+  <p:clrMapOvr>
+    <a:masterClrMapping/>
+  </p:clrMapOvr>
+</p:sld>
+</file>
+
+<file path=ppt/slides/slide2.xml><?xml version="1.0" encoding="utf-8"?>
+<p:sld xmlns:a="http://schemas.openxmlformats.org/drawingml/2006/main" xmlns:r="http://schemas.openxmlformats.org/officeDocument/2006/relationships" xmlns:p="http://schemas.openxmlformats.org/presentationml/2006/main">
+  <p:cSld>
+    <p:spTree>
+      <p:nvGrpSpPr>
+        <p:cNvPr id="1" name=""/>
+        <p:cNvGrpSpPr/>
+        <p:nvPr/>
+      </p:nvGrpSpPr>
+      <p:grpSpPr>
+        <a:xfrm>
+          <a:off x="0" y="0"/>
+          <a:ext cx="0" cy="0"/>
+          <a:chOff x="0" y="0"/>
+          <a:chExt cx="0" cy="0"/>
+        </a:xfrm>
+      </p:grpSpPr>
+      <p:sp>
+        <p:nvSpPr>
+          <p:cNvPr id="10" name="Title 1"/>
+          <p:cNvSpPr>
+            <a:spLocks noGrp="1"/>
+          </p:cNvSpPr>
+          <p:nvPr>
+            <p:ph type="ctrTitle"/>
+          </p:nvPr>
+        </p:nvSpPr>
+        <p:spPr>
+          <a:xfrm>
+            <a:off x="2463800" y="2407172"/>
+            <a:ext cx="6032500" cy="983119"/>
+          </a:xfrm>
+        </p:spPr>
+        <p:txBody>
+          <a:bodyPr>
+            <a:normAutofit/>
+          </a:bodyPr>
+          <a:lstStyle/>
+          <a:p>
+            <a:r>
+              <a:rPr lang="en-IN" b="1" dirty="0"/>
+              <a:t>JAVA CLASS</a:t>
+            </a:r>
+            <a:endParaRPr lang="en-IN" dirty="0"/>
+          </a:p>
+        </p:txBody>
+      </p:sp>
+      <p:pic>
+        <p:nvPicPr>
+          <p:cNvPr id="12290" name="Picture 2" descr="Related image"/>
+          <p:cNvPicPr>
+            <a:picLocks noChangeAspect="1" noChangeArrowheads="1"/>
+          </p:cNvPicPr>
+          <p:nvPr/>
+        </p:nvPicPr>
+        <p:blipFill>
+          <a:blip r:embed="rId3">
+            <a:extLst>
+              <a:ext uri="{28A0092B-C50C-407E-A947-70E740481C1C}">
+                <a14:useLocalDpi xmlns:a14="http://schemas.microsoft.com/office/drawing/2010/main" val="0"/>
+              </a:ext>
+            </a:extLst>
+          </a:blip>
+          <a:srcRect/>
+          <a:stretch>
+            <a:fillRect/>
+          </a:stretch>
+        </p:blipFill>
+        <p:spPr bwMode="auto">
+          <a:xfrm>
+            <a:off x="7924801" y="0"/>
+            <a:ext cx="4267200" cy="3320414"/>
+          </a:xfrm>
+          <a:prstGeom prst="rect">
+            <a:avLst/>
+          </a:prstGeom>
+          <a:noFill/>
+          <a:extLst>
+            <a:ext uri="{909E8E84-426E-40DD-AFC4-6F175D3DCCD1}">
+              <a14:hiddenFill xmlns:a14="http://schemas.microsoft.com/office/drawing/2010/main">
+                <a:solidFill>
+                  <a:srgbClr val="FFFFFF"/>
+                </a:solidFill>
+              </a14:hiddenFill>
+            </a:ext>
+          </a:extLst>
+        </p:spPr>
+      </p:pic>
+    </p:spTree>
+    <p:extLst>
+      <p:ext uri="{BB962C8B-B14F-4D97-AF65-F5344CB8AC3E}">
+        <p14:creationId xmlns:p14="http://schemas.microsoft.com/office/powerpoint/2010/main" val="2281076151"/>
+      </p:ext>
+    </p:extLst>
+  </p:cSld>
+  <p:clrMapOvr>
+    <a:masterClrMapping/>
+  </p:clrMapOvr>
+</p:sld>
+</file>
+
+<file path=ppt/slides/slide20.xml><?xml version="1.0" encoding="utf-8"?>
+<p:sld xmlns:a="http://schemas.openxmlformats.org/drawingml/2006/main" xmlns:r="http://schemas.openxmlformats.org/officeDocument/2006/relationships" xmlns:p="http://schemas.openxmlformats.org/presentationml/2006/main">
+  <p:cSld>
+    <p:spTree>
+      <p:nvGrpSpPr>
+        <p:cNvPr id="1" name=""/>
+        <p:cNvGrpSpPr/>
+        <p:nvPr/>
+      </p:nvGrpSpPr>
+      <p:grpSpPr>
+        <a:xfrm>
+          <a:off x="0" y="0"/>
+          <a:ext cx="0" cy="0"/>
+          <a:chOff x="0" y="0"/>
+          <a:chExt cx="0" cy="0"/>
+        </a:xfrm>
+      </p:grpSpPr>
+      <p:sp>
+        <p:nvSpPr>
+          <p:cNvPr id="2" name="Title 1"/>
+          <p:cNvSpPr>
+            <a:spLocks noGrp="1"/>
+          </p:cNvSpPr>
+          <p:nvPr>
+            <p:ph type="title"/>
+          </p:nvPr>
+        </p:nvSpPr>
+        <p:spPr/>
+        <p:txBody>
+          <a:bodyPr/>
+          <a:lstStyle/>
+          <a:p>
+            <a:r>
+              <a:rPr lang="en-IN" dirty="0"/>
+              <a:t>Relationship:  UML diagram </a:t>
+            </a:r>
+          </a:p>
+        </p:txBody>
+      </p:sp>
+      <p:sp>
+        <p:nvSpPr>
+          <p:cNvPr id="4" name="AutoShape 4" descr="Image result for java composition"/>
+          <p:cNvSpPr>
+            <a:spLocks noChangeAspect="1" noChangeArrowheads="1"/>
+          </p:cNvSpPr>
+          <p:nvPr/>
+        </p:nvSpPr>
+        <p:spPr bwMode="auto">
+          <a:xfrm>
+            <a:off x="5943600" y="3276600"/>
+            <a:ext cx="304800" cy="304800"/>
+          </a:xfrm>
+          <a:prstGeom prst="rect">
+            <a:avLst/>
+          </a:prstGeom>
+          <a:noFill/>
+          <a:extLst>
+            <a:ext uri="{909E8E84-426E-40DD-AFC4-6F175D3DCCD1}">
+              <a14:hiddenFill xmlns:a14="http://schemas.microsoft.com/office/drawing/2010/main">
+                <a:solidFill>
+                  <a:srgbClr val="FFFFFF"/>
+                </a:solidFill>
+              </a14:hiddenFill>
+            </a:ext>
+          </a:extLst>
+        </p:spPr>
+        <p:txBody>
+          <a:bodyPr vert="horz" wrap="square" lIns="91440" tIns="45720" rIns="91440" bIns="45720" numCol="1" anchor="t" anchorCtr="0" compatLnSpc="1">
+            <a:prstTxWarp prst="textNoShape">
+              <a:avLst/>
+            </a:prstTxWarp>
+          </a:bodyPr>
+          <a:lstStyle/>
+          <a:p>
+            <a:endParaRPr lang="en-IN"/>
+          </a:p>
+        </p:txBody>
+      </p:sp>
+      <p:sp>
+        <p:nvSpPr>
+          <p:cNvPr id="6" name="AutoShape 6" descr="Image result for java composition"/>
+          <p:cNvSpPr>
+            <a:spLocks noChangeAspect="1" noChangeArrowheads="1"/>
+          </p:cNvSpPr>
+          <p:nvPr/>
+        </p:nvSpPr>
+        <p:spPr bwMode="auto">
+          <a:xfrm>
+            <a:off x="6096000" y="3429000"/>
+            <a:ext cx="304800" cy="304800"/>
+          </a:xfrm>
+          <a:prstGeom prst="rect">
+            <a:avLst/>
+          </a:prstGeom>
+          <a:noFill/>
+          <a:extLst>
+            <a:ext uri="{909E8E84-426E-40DD-AFC4-6F175D3DCCD1}">
+              <a14:hiddenFill xmlns:a14="http://schemas.microsoft.com/office/drawing/2010/main">
+                <a:solidFill>
+                  <a:srgbClr val="FFFFFF"/>
+                </a:solidFill>
+              </a14:hiddenFill>
+            </a:ext>
+          </a:extLst>
+        </p:spPr>
+        <p:txBody>
+          <a:bodyPr vert="horz" wrap="square" lIns="91440" tIns="45720" rIns="91440" bIns="45720" numCol="1" anchor="t" anchorCtr="0" compatLnSpc="1">
+            <a:prstTxWarp prst="textNoShape">
+              <a:avLst/>
+            </a:prstTxWarp>
+          </a:bodyPr>
+          <a:lstStyle/>
+          <a:p>
+            <a:endParaRPr lang="en-IN"/>
+          </a:p>
+        </p:txBody>
+      </p:sp>
+      <p:sp>
+        <p:nvSpPr>
+          <p:cNvPr id="7" name="AutoShape 8" descr="Image result for java composition"/>
+          <p:cNvSpPr>
+            <a:spLocks noChangeAspect="1" noChangeArrowheads="1"/>
+          </p:cNvSpPr>
+          <p:nvPr/>
+        </p:nvSpPr>
+        <p:spPr bwMode="auto">
+          <a:xfrm>
+            <a:off x="6248400" y="3581400"/>
+            <a:ext cx="2184400" cy="2184400"/>
+          </a:xfrm>
+          <a:prstGeom prst="rect">
+            <a:avLst/>
+          </a:prstGeom>
+          <a:noFill/>
+          <a:extLst>
+            <a:ext uri="{909E8E84-426E-40DD-AFC4-6F175D3DCCD1}">
+              <a14:hiddenFill xmlns:a14="http://schemas.microsoft.com/office/drawing/2010/main">
+                <a:solidFill>
+                  <a:srgbClr val="FFFFFF"/>
+                </a:solidFill>
+              </a14:hiddenFill>
+            </a:ext>
+          </a:extLst>
+        </p:spPr>
+        <p:txBody>
+          <a:bodyPr vert="horz" wrap="square" lIns="91440" tIns="45720" rIns="91440" bIns="45720" numCol="1" anchor="t" anchorCtr="0" compatLnSpc="1">
+            <a:prstTxWarp prst="textNoShape">
+              <a:avLst/>
+            </a:prstTxWarp>
+          </a:bodyPr>
+          <a:lstStyle/>
+          <a:p>
+            <a:endParaRPr lang="en-IN"/>
+          </a:p>
+        </p:txBody>
+      </p:sp>
+      <p:sp>
+        <p:nvSpPr>
+          <p:cNvPr id="8" name="AutoShape 10" descr="Image result for java composition"/>
+          <p:cNvSpPr>
+            <a:spLocks noChangeAspect="1" noChangeArrowheads="1"/>
+          </p:cNvSpPr>
+          <p:nvPr/>
+        </p:nvSpPr>
+        <p:spPr bwMode="auto">
+          <a:xfrm>
+            <a:off x="6248400" y="3581400"/>
+            <a:ext cx="304800" cy="304800"/>
+          </a:xfrm>
+          <a:prstGeom prst="rect">
+            <a:avLst/>
+          </a:prstGeom>
+          <a:noFill/>
+          <a:extLst>
+            <a:ext uri="{909E8E84-426E-40DD-AFC4-6F175D3DCCD1}">
+              <a14:hiddenFill xmlns:a14="http://schemas.microsoft.com/office/drawing/2010/main">
+                <a:solidFill>
+                  <a:srgbClr val="FFFFFF"/>
+                </a:solidFill>
+              </a14:hiddenFill>
+            </a:ext>
+          </a:extLst>
+        </p:spPr>
+        <p:txBody>
+          <a:bodyPr vert="horz" wrap="square" lIns="91440" tIns="45720" rIns="91440" bIns="45720" numCol="1" anchor="t" anchorCtr="0" compatLnSpc="1">
+            <a:prstTxWarp prst="textNoShape">
+              <a:avLst/>
+            </a:prstTxWarp>
+          </a:bodyPr>
+          <a:lstStyle/>
+          <a:p>
+            <a:endParaRPr lang="en-IN"/>
+          </a:p>
+        </p:txBody>
+      </p:sp>
+      <p:pic>
+        <p:nvPicPr>
+          <p:cNvPr id="17410" name="Picture 2" descr="Image result for java aggregation aggregate"/>
+          <p:cNvPicPr>
+            <a:picLocks noChangeAspect="1" noChangeArrowheads="1"/>
+          </p:cNvPicPr>
+          <p:nvPr/>
+        </p:nvPicPr>
+        <p:blipFill>
+          <a:blip r:embed="rId2">
+            <a:extLst>
+              <a:ext uri="{28A0092B-C50C-407E-A947-70E740481C1C}">
+                <a14:useLocalDpi xmlns:a14="http://schemas.microsoft.com/office/drawing/2010/main" val="0"/>
+              </a:ext>
+            </a:extLst>
+          </a:blip>
+          <a:srcRect/>
+          <a:stretch>
+            <a:fillRect/>
+          </a:stretch>
+        </p:blipFill>
+        <p:spPr bwMode="auto">
+          <a:xfrm>
+            <a:off x="1451578" y="1853753"/>
+            <a:ext cx="3806221" cy="4184617"/>
+          </a:xfrm>
+          <a:prstGeom prst="rect">
+            <a:avLst/>
+          </a:prstGeom>
+          <a:noFill/>
+          <a:extLst>
+            <a:ext uri="{909E8E84-426E-40DD-AFC4-6F175D3DCCD1}">
+              <a14:hiddenFill xmlns:a14="http://schemas.microsoft.com/office/drawing/2010/main">
+                <a:solidFill>
+                  <a:srgbClr val="FFFFFF"/>
+                </a:solidFill>
+              </a14:hiddenFill>
+            </a:ext>
+          </a:extLst>
+        </p:spPr>
+      </p:pic>
+    </p:spTree>
+    <p:extLst>
+      <p:ext uri="{BB962C8B-B14F-4D97-AF65-F5344CB8AC3E}">
+        <p14:creationId xmlns:p14="http://schemas.microsoft.com/office/powerpoint/2010/main" val="340466569"/>
+      </p:ext>
+    </p:extLst>
+  </p:cSld>
+  <p:clrMapOvr>
+    <a:masterClrMapping/>
+  </p:clrMapOvr>
+</p:sld>
+</file>
+
+<file path=ppt/slides/slide21.xml><?xml version="1.0" encoding="utf-8"?>
+<p:sld xmlns:a="http://schemas.openxmlformats.org/drawingml/2006/main" xmlns:r="http://schemas.openxmlformats.org/officeDocument/2006/relationships" xmlns:p="http://schemas.openxmlformats.org/presentationml/2006/main">
+  <p:cSld>
+    <p:spTree>
+      <p:nvGrpSpPr>
+        <p:cNvPr id="1" name=""/>
+        <p:cNvGrpSpPr/>
+        <p:nvPr/>
+      </p:nvGrpSpPr>
+      <p:grpSpPr>
+        <a:xfrm>
+          <a:off x="0" y="0"/>
+          <a:ext cx="0" cy="0"/>
+          <a:chOff x="0" y="0"/>
+          <a:chExt cx="0" cy="0"/>
+        </a:xfrm>
+      </p:grpSpPr>
+      <p:sp>
+        <p:nvSpPr>
+          <p:cNvPr id="2" name="Title 1"/>
+          <p:cNvSpPr>
+            <a:spLocks noGrp="1"/>
+          </p:cNvSpPr>
+          <p:nvPr>
+            <p:ph type="title"/>
+          </p:nvPr>
+        </p:nvSpPr>
+        <p:spPr/>
+        <p:txBody>
+          <a:bodyPr/>
+          <a:lstStyle/>
+          <a:p>
+            <a:r>
+              <a:rPr lang="en-IN" u="sng" dirty="0">
+                <a:hlinkClick r:id="rId2"/>
+              </a:rPr>
+              <a:t>Interface in</a:t>
+            </a:r>
+            <a:r>
+              <a:rPr lang="en-IN" u="sng" dirty="0"/>
+              <a:t> java</a:t>
+            </a:r>
+            <a:endParaRPr lang="en-IN" dirty="0"/>
+          </a:p>
+        </p:txBody>
+      </p:sp>
+      <p:pic>
+        <p:nvPicPr>
+          <p:cNvPr id="5122" name="Picture 2" descr="Related image"/>
+          <p:cNvPicPr>
+            <a:picLocks noGrp="1" noChangeAspect="1" noChangeArrowheads="1"/>
+          </p:cNvPicPr>
+          <p:nvPr>
+            <p:ph idx="1"/>
+          </p:nvPr>
+        </p:nvPicPr>
+        <p:blipFill>
+          <a:blip r:embed="rId3">
+            <a:extLst>
+              <a:ext uri="{28A0092B-C50C-407E-A947-70E740481C1C}">
+                <a14:useLocalDpi xmlns:a14="http://schemas.microsoft.com/office/drawing/2010/main" val="0"/>
+              </a:ext>
+            </a:extLst>
+          </a:blip>
+          <a:srcRect/>
+          <a:stretch>
+            <a:fillRect/>
+          </a:stretch>
+        </p:blipFill>
+        <p:spPr bwMode="auto">
+          <a:xfrm>
+            <a:off x="1451578" y="1951831"/>
+            <a:ext cx="6843335" cy="3305679"/>
+          </a:xfrm>
+          <a:prstGeom prst="rect">
+            <a:avLst/>
+          </a:prstGeom>
+          <a:noFill/>
+          <a:extLst>
+            <a:ext uri="{909E8E84-426E-40DD-AFC4-6F175D3DCCD1}">
+              <a14:hiddenFill xmlns:a14="http://schemas.microsoft.com/office/drawing/2010/main">
+                <a:solidFill>
+                  <a:srgbClr val="FFFFFF"/>
+                </a:solidFill>
+              </a14:hiddenFill>
+            </a:ext>
+          </a:extLst>
+        </p:spPr>
+      </p:pic>
+    </p:spTree>
+    <p:extLst>
+      <p:ext uri="{BB962C8B-B14F-4D97-AF65-F5344CB8AC3E}">
+        <p14:creationId xmlns:p14="http://schemas.microsoft.com/office/powerpoint/2010/main" val="3428561391"/>
+      </p:ext>
+    </p:extLst>
+  </p:cSld>
+  <p:clrMapOvr>
+    <a:masterClrMapping/>
+  </p:clrMapOvr>
+</p:sld>
+</file>
+
+<file path=ppt/slides/slide22.xml><?xml version="1.0" encoding="utf-8"?>
+<p:sld xmlns:a="http://schemas.openxmlformats.org/drawingml/2006/main" xmlns:r="http://schemas.openxmlformats.org/officeDocument/2006/relationships" xmlns:p="http://schemas.openxmlformats.org/presentationml/2006/main">
+  <p:cSld>
+    <p:spTree>
+      <p:nvGrpSpPr>
+        <p:cNvPr id="1" name=""/>
+        <p:cNvGrpSpPr/>
+        <p:nvPr/>
+      </p:nvGrpSpPr>
+      <p:grpSpPr>
+        <a:xfrm>
+          <a:off x="0" y="0"/>
+          <a:ext cx="0" cy="0"/>
+          <a:chOff x="0" y="0"/>
+          <a:chExt cx="0" cy="0"/>
+        </a:xfrm>
+      </p:grpSpPr>
+      <p:sp>
+        <p:nvSpPr>
+          <p:cNvPr id="4" name="Rectangle 3"/>
+          <p:cNvSpPr/>
+          <p:nvPr/>
+        </p:nvSpPr>
+        <p:spPr>
+          <a:xfrm>
+            <a:off x="2971800" y="2015732"/>
+            <a:ext cx="6299200" cy="3709990"/>
+          </a:xfrm>
+          <a:prstGeom prst="rect">
+            <a:avLst/>
+          </a:prstGeom>
+          <a:solidFill>
+            <a:schemeClr val="bg1"/>
+          </a:solidFill>
+        </p:spPr>
+        <p:style>
+          <a:lnRef idx="2">
+            <a:schemeClr val="accent1">
+              <a:shade val="50000"/>
+            </a:schemeClr>
+          </a:lnRef>
+          <a:fillRef idx="1">
+            <a:schemeClr val="accent1"/>
+          </a:fillRef>
+          <a:effectRef idx="0">
+            <a:schemeClr val="accent1"/>
+          </a:effectRef>
+          <a:fontRef idx="minor">
+            <a:schemeClr val="lt1"/>
+          </a:fontRef>
+        </p:style>
+        <p:txBody>
+          <a:bodyPr rtlCol="0" anchor="ctr"/>
+          <a:lstStyle/>
+          <a:p>
+            <a:pPr algn="ctr"/>
+            <a:endParaRPr lang="en-IN"/>
+          </a:p>
+        </p:txBody>
+      </p:sp>
+      <p:sp>
+        <p:nvSpPr>
+          <p:cNvPr id="2" name="Title 1"/>
+          <p:cNvSpPr>
+            <a:spLocks noGrp="1"/>
+          </p:cNvSpPr>
+          <p:nvPr>
+            <p:ph type="title"/>
+          </p:nvPr>
+        </p:nvSpPr>
+        <p:spPr/>
+        <p:txBody>
+          <a:bodyPr/>
+          <a:lstStyle/>
+          <a:p>
+            <a:r>
+              <a:rPr lang="en-IN" u="sng" dirty="0">
+                <a:hlinkClick r:id="rId2"/>
+              </a:rPr>
+              <a:t>Interface in</a:t>
+            </a:r>
+            <a:r>
+              <a:rPr lang="en-IN" u="sng" dirty="0"/>
+              <a:t> java</a:t>
+            </a:r>
+            <a:endParaRPr lang="en-IN" dirty="0"/>
+          </a:p>
+        </p:txBody>
+      </p:sp>
+      <p:pic>
+        <p:nvPicPr>
+          <p:cNvPr id="7170" name="Picture 2" descr="Related image"/>
+          <p:cNvPicPr>
+            <a:picLocks noChangeAspect="1" noChangeArrowheads="1"/>
+          </p:cNvPicPr>
+          <p:nvPr/>
+        </p:nvPicPr>
+        <p:blipFill>
+          <a:blip r:embed="rId3">
+            <a:extLst>
+              <a:ext uri="{28A0092B-C50C-407E-A947-70E740481C1C}">
+                <a14:useLocalDpi xmlns:a14="http://schemas.microsoft.com/office/drawing/2010/main" val="0"/>
+              </a:ext>
+            </a:extLst>
+          </a:blip>
+          <a:srcRect/>
+          <a:stretch>
+            <a:fillRect/>
+          </a:stretch>
+        </p:blipFill>
+        <p:spPr bwMode="auto">
+          <a:xfrm>
+            <a:off x="4196610" y="2015732"/>
+            <a:ext cx="4113212" cy="3871968"/>
+          </a:xfrm>
+          <a:prstGeom prst="rect">
+            <a:avLst/>
+          </a:prstGeom>
+          <a:noFill/>
+          <a:extLst>
+            <a:ext uri="{909E8E84-426E-40DD-AFC4-6F175D3DCCD1}">
+              <a14:hiddenFill xmlns:a14="http://schemas.microsoft.com/office/drawing/2010/main">
+                <a:solidFill>
+                  <a:srgbClr val="FFFFFF"/>
+                </a:solidFill>
+              </a14:hiddenFill>
+            </a:ext>
+          </a:extLst>
+        </p:spPr>
+      </p:pic>
+    </p:spTree>
+    <p:extLst>
+      <p:ext uri="{BB962C8B-B14F-4D97-AF65-F5344CB8AC3E}">
+        <p14:creationId xmlns:p14="http://schemas.microsoft.com/office/powerpoint/2010/main" val="772456402"/>
+      </p:ext>
+    </p:extLst>
+  </p:cSld>
+  <p:clrMapOvr>
+    <a:masterClrMapping/>
+  </p:clrMapOvr>
+</p:sld>
+</file>
+
+<file path=ppt/slides/slide23.xml><?xml version="1.0" encoding="utf-8"?>
+<p:sld xmlns:a="http://schemas.openxmlformats.org/drawingml/2006/main" xmlns:r="http://schemas.openxmlformats.org/officeDocument/2006/relationships" xmlns:p="http://schemas.openxmlformats.org/presentationml/2006/main">
+  <p:cSld>
+    <p:spTree>
+      <p:nvGrpSpPr>
+        <p:cNvPr id="1" name=""/>
+        <p:cNvGrpSpPr/>
+        <p:nvPr/>
+      </p:nvGrpSpPr>
+      <p:grpSpPr>
+        <a:xfrm>
+          <a:off x="0" y="0"/>
+          <a:ext cx="0" cy="0"/>
+          <a:chOff x="0" y="0"/>
+          <a:chExt cx="0" cy="0"/>
+        </a:xfrm>
+      </p:grpSpPr>
+      <p:sp>
+        <p:nvSpPr>
+          <p:cNvPr id="2" name="Title 1"/>
+          <p:cNvSpPr>
+            <a:spLocks noGrp="1"/>
+          </p:cNvSpPr>
+          <p:nvPr>
+            <p:ph type="title"/>
+          </p:nvPr>
+        </p:nvSpPr>
+        <p:spPr/>
+        <p:txBody>
+          <a:bodyPr/>
+          <a:lstStyle/>
+          <a:p>
+            <a:r>
+              <a:rPr lang="en-IN" u="sng" dirty="0">
+                <a:hlinkClick r:id="rId2"/>
+              </a:rPr>
+              <a:t>Interface in</a:t>
+            </a:r>
+            <a:r>
+              <a:rPr lang="en-IN" u="sng" dirty="0"/>
+              <a:t> java</a:t>
+            </a:r>
+            <a:endParaRPr lang="en-IN" dirty="0"/>
+          </a:p>
+        </p:txBody>
+      </p:sp>
+      <p:pic>
+        <p:nvPicPr>
+          <p:cNvPr id="8196" name="Picture 4" descr="Related image"/>
+          <p:cNvPicPr>
+            <a:picLocks noChangeAspect="1" noChangeArrowheads="1"/>
+          </p:cNvPicPr>
+          <p:nvPr/>
+        </p:nvPicPr>
+        <p:blipFill>
+          <a:blip r:embed="rId3">
+            <a:extLst>
+              <a:ext uri="{28A0092B-C50C-407E-A947-70E740481C1C}">
+                <a14:useLocalDpi xmlns:a14="http://schemas.microsoft.com/office/drawing/2010/main" val="0"/>
+              </a:ext>
+            </a:extLst>
+          </a:blip>
+          <a:srcRect/>
+          <a:stretch>
+            <a:fillRect/>
+          </a:stretch>
+        </p:blipFill>
+        <p:spPr bwMode="auto">
+          <a:xfrm>
+            <a:off x="2647950" y="2057400"/>
+            <a:ext cx="6896100" cy="2743200"/>
+          </a:xfrm>
+          <a:prstGeom prst="rect">
+            <a:avLst/>
+          </a:prstGeom>
+          <a:noFill/>
+          <a:extLst>
+            <a:ext uri="{909E8E84-426E-40DD-AFC4-6F175D3DCCD1}">
+              <a14:hiddenFill xmlns:a14="http://schemas.microsoft.com/office/drawing/2010/main">
+                <a:solidFill>
+                  <a:srgbClr val="FFFFFF"/>
+                </a:solidFill>
+              </a14:hiddenFill>
+            </a:ext>
+          </a:extLst>
+        </p:spPr>
+      </p:pic>
+    </p:spTree>
+    <p:extLst>
+      <p:ext uri="{BB962C8B-B14F-4D97-AF65-F5344CB8AC3E}">
+        <p14:creationId xmlns:p14="http://schemas.microsoft.com/office/powerpoint/2010/main" val="2372563533"/>
+      </p:ext>
+    </p:extLst>
+  </p:cSld>
+  <p:clrMapOvr>
+    <a:masterClrMapping/>
+  </p:clrMapOvr>
+</p:sld>
+</file>
+
+<file path=ppt/slides/slide24.xml><?xml version="1.0" encoding="utf-8"?>
+<p:sld xmlns:a="http://schemas.openxmlformats.org/drawingml/2006/main" xmlns:r="http://schemas.openxmlformats.org/officeDocument/2006/relationships" xmlns:p="http://schemas.openxmlformats.org/presentationml/2006/main">
+  <p:cSld>
+    <p:spTree>
+      <p:nvGrpSpPr>
+        <p:cNvPr id="1" name=""/>
+        <p:cNvGrpSpPr/>
+        <p:nvPr/>
+      </p:nvGrpSpPr>
+      <p:grpSpPr>
+        <a:xfrm>
+          <a:off x="0" y="0"/>
+          <a:ext cx="0" cy="0"/>
+          <a:chOff x="0" y="0"/>
+          <a:chExt cx="0" cy="0"/>
+        </a:xfrm>
+      </p:grpSpPr>
+      <p:sp>
+        <p:nvSpPr>
+          <p:cNvPr id="2" name="Title 1"/>
+          <p:cNvSpPr>
+            <a:spLocks noGrp="1"/>
+          </p:cNvSpPr>
+          <p:nvPr>
+            <p:ph type="title"/>
+          </p:nvPr>
+        </p:nvSpPr>
+        <p:spPr/>
+        <p:txBody>
+          <a:bodyPr/>
+          <a:lstStyle/>
+          <a:p>
+            <a:r>
+              <a:rPr lang="en-IN" u="sng" dirty="0">
+                <a:hlinkClick r:id="rId2"/>
+              </a:rPr>
+              <a:t>Interface in</a:t>
+            </a:r>
+            <a:r>
+              <a:rPr lang="en-IN" u="sng" dirty="0"/>
+              <a:t> java</a:t>
+            </a:r>
+            <a:endParaRPr lang="en-IN" dirty="0"/>
+          </a:p>
+        </p:txBody>
+      </p:sp>
+      <p:pic>
+        <p:nvPicPr>
+          <p:cNvPr id="10242" name="Picture 2" descr="Image result for java interface"/>
+          <p:cNvPicPr>
+            <a:picLocks noChangeAspect="1" noChangeArrowheads="1"/>
+          </p:cNvPicPr>
+          <p:nvPr/>
+        </p:nvPicPr>
+        <p:blipFill>
+          <a:blip r:embed="rId3">
+            <a:extLst>
+              <a:ext uri="{28A0092B-C50C-407E-A947-70E740481C1C}">
+                <a14:useLocalDpi xmlns:a14="http://schemas.microsoft.com/office/drawing/2010/main" val="0"/>
+              </a:ext>
+            </a:extLst>
+          </a:blip>
+          <a:srcRect/>
+          <a:stretch>
+            <a:fillRect/>
+          </a:stretch>
+        </p:blipFill>
+        <p:spPr bwMode="auto">
+          <a:xfrm>
+            <a:off x="2478867" y="2024742"/>
+            <a:ext cx="7548698" cy="3004457"/>
+          </a:xfrm>
+          <a:prstGeom prst="rect">
+            <a:avLst/>
+          </a:prstGeom>
+          <a:noFill/>
+          <a:extLst>
+            <a:ext uri="{909E8E84-426E-40DD-AFC4-6F175D3DCCD1}">
+              <a14:hiddenFill xmlns:a14="http://schemas.microsoft.com/office/drawing/2010/main">
+                <a:solidFill>
+                  <a:srgbClr val="FFFFFF"/>
+                </a:solidFill>
+              </a14:hiddenFill>
+            </a:ext>
+          </a:extLst>
+        </p:spPr>
+      </p:pic>
+    </p:spTree>
+    <p:extLst>
+      <p:ext uri="{BB962C8B-B14F-4D97-AF65-F5344CB8AC3E}">
+        <p14:creationId xmlns:p14="http://schemas.microsoft.com/office/powerpoint/2010/main" val="3292574840"/>
+      </p:ext>
+    </p:extLst>
+  </p:cSld>
+  <p:clrMapOvr>
+    <a:masterClrMapping/>
+  </p:clrMapOvr>
+</p:sld>
+</file>
+
+<file path=ppt/slides/slide25.xml><?xml version="1.0" encoding="utf-8"?>
+<p:sld xmlns:a="http://schemas.openxmlformats.org/drawingml/2006/main" xmlns:r="http://schemas.openxmlformats.org/officeDocument/2006/relationships" xmlns:p="http://schemas.openxmlformats.org/presentationml/2006/main">
+  <p:cSld>
+    <p:spTree>
+      <p:nvGrpSpPr>
+        <p:cNvPr id="1" name=""/>
+        <p:cNvGrpSpPr/>
+        <p:nvPr/>
+      </p:nvGrpSpPr>
+      <p:grpSpPr>
+        <a:xfrm>
+          <a:off x="0" y="0"/>
+          <a:ext cx="0" cy="0"/>
+          <a:chOff x="0" y="0"/>
+          <a:chExt cx="0" cy="0"/>
+        </a:xfrm>
+      </p:grpSpPr>
+      <p:sp>
+        <p:nvSpPr>
+          <p:cNvPr id="2" name="Title 1"/>
+          <p:cNvSpPr>
+            <a:spLocks noGrp="1"/>
+          </p:cNvSpPr>
+          <p:nvPr>
+            <p:ph type="title"/>
+          </p:nvPr>
+        </p:nvSpPr>
+        <p:spPr/>
+        <p:txBody>
+          <a:bodyPr/>
+          <a:lstStyle/>
+          <a:p>
+            <a:r>
+              <a:rPr lang="en-IN" u="sng" dirty="0">
+                <a:hlinkClick r:id="rId2"/>
+              </a:rPr>
+              <a:t>Interface in</a:t>
+            </a:r>
+            <a:r>
+              <a:rPr lang="en-IN" u="sng" dirty="0"/>
+              <a:t> java</a:t>
+            </a:r>
+            <a:endParaRPr lang="en-IN" dirty="0"/>
+          </a:p>
+        </p:txBody>
+      </p:sp>
+      <p:pic>
+        <p:nvPicPr>
+          <p:cNvPr id="11266" name="Picture 2" descr="Image result for java interface"/>
+          <p:cNvPicPr>
+            <a:picLocks noChangeAspect="1" noChangeArrowheads="1"/>
+          </p:cNvPicPr>
+          <p:nvPr/>
+        </p:nvPicPr>
+        <p:blipFill>
+          <a:blip r:embed="rId3">
+            <a:extLst>
+              <a:ext uri="{28A0092B-C50C-407E-A947-70E740481C1C}">
+                <a14:useLocalDpi xmlns:a14="http://schemas.microsoft.com/office/drawing/2010/main" val="0"/>
+              </a:ext>
+            </a:extLst>
+          </a:blip>
+          <a:srcRect/>
+          <a:stretch>
+            <a:fillRect/>
+          </a:stretch>
+        </p:blipFill>
+        <p:spPr bwMode="auto">
+          <a:xfrm>
+            <a:off x="2799216" y="1853754"/>
+            <a:ext cx="6148841" cy="3820536"/>
+          </a:xfrm>
+          <a:prstGeom prst="rect">
+            <a:avLst/>
+          </a:prstGeom>
+          <a:noFill/>
+          <a:extLst>
+            <a:ext uri="{909E8E84-426E-40DD-AFC4-6F175D3DCCD1}">
+              <a14:hiddenFill xmlns:a14="http://schemas.microsoft.com/office/drawing/2010/main">
+                <a:solidFill>
+                  <a:srgbClr val="FFFFFF"/>
+                </a:solidFill>
+              </a14:hiddenFill>
+            </a:ext>
+          </a:extLst>
+        </p:spPr>
+      </p:pic>
+    </p:spTree>
+    <p:extLst>
+      <p:ext uri="{BB962C8B-B14F-4D97-AF65-F5344CB8AC3E}">
+        <p14:creationId xmlns:p14="http://schemas.microsoft.com/office/powerpoint/2010/main" val="1201381962"/>
+      </p:ext>
+    </p:extLst>
+  </p:cSld>
+  <p:clrMapOvr>
+    <a:masterClrMapping/>
+  </p:clrMapOvr>
+</p:sld>
+</file>
+
+<file path=ppt/slides/slide26.xml><?xml version="1.0" encoding="utf-8"?>
+<p:sld xmlns:a="http://schemas.openxmlformats.org/drawingml/2006/main" xmlns:r="http://schemas.openxmlformats.org/officeDocument/2006/relationships" xmlns:p="http://schemas.openxmlformats.org/presentationml/2006/main">
+  <p:cSld>
+    <p:spTree>
+      <p:nvGrpSpPr>
+        <p:cNvPr id="1" name=""/>
+        <p:cNvGrpSpPr/>
+        <p:nvPr/>
+      </p:nvGrpSpPr>
+      <p:grpSpPr>
+        <a:xfrm>
+          <a:off x="0" y="0"/>
+          <a:ext cx="0" cy="0"/>
+          <a:chOff x="0" y="0"/>
+          <a:chExt cx="0" cy="0"/>
+        </a:xfrm>
+      </p:grpSpPr>
+      <p:sp>
+        <p:nvSpPr>
+          <p:cNvPr id="2" name="Title 1"/>
+          <p:cNvSpPr>
+            <a:spLocks noGrp="1"/>
+          </p:cNvSpPr>
+          <p:nvPr>
+            <p:ph type="title"/>
+          </p:nvPr>
+        </p:nvSpPr>
+        <p:spPr>
+          <a:xfrm>
+            <a:off x="1451579" y="804519"/>
+            <a:ext cx="9603275" cy="1049235"/>
+          </a:xfrm>
+        </p:spPr>
+        <p:txBody>
+          <a:bodyPr/>
+          <a:lstStyle/>
+          <a:p>
+            <a:r>
+              <a:rPr lang="en-IN" u="sng">
+                <a:hlinkClick r:id="rId2"/>
+              </a:rPr>
+              <a:t>Interface in</a:t>
+            </a:r>
+            <a:r>
+              <a:rPr lang="en-IN" u="sng"/>
+              <a:t> java</a:t>
+            </a:r>
+            <a:endParaRPr lang="en-IN" dirty="0"/>
+          </a:p>
+        </p:txBody>
+      </p:sp>
+      <p:pic>
+        <p:nvPicPr>
+          <p:cNvPr id="13314" name="Picture 2" descr="Image result for java interface"/>
+          <p:cNvPicPr>
+            <a:picLocks noChangeAspect="1" noChangeArrowheads="1"/>
+          </p:cNvPicPr>
+          <p:nvPr/>
+        </p:nvPicPr>
+        <p:blipFill>
+          <a:blip r:embed="rId3">
+            <a:extLst>
+              <a:ext uri="{28A0092B-C50C-407E-A947-70E740481C1C}">
+                <a14:useLocalDpi xmlns:a14="http://schemas.microsoft.com/office/drawing/2010/main" val="0"/>
+              </a:ext>
+            </a:extLst>
+          </a:blip>
+          <a:srcRect/>
+          <a:stretch>
+            <a:fillRect/>
+          </a:stretch>
+        </p:blipFill>
+        <p:spPr bwMode="auto">
+          <a:xfrm>
+            <a:off x="2511425" y="1853754"/>
+            <a:ext cx="7143750" cy="3333750"/>
+          </a:xfrm>
+          <a:prstGeom prst="rect">
+            <a:avLst/>
+          </a:prstGeom>
+          <a:noFill/>
+          <a:extLst>
+            <a:ext uri="{909E8E84-426E-40DD-AFC4-6F175D3DCCD1}">
+              <a14:hiddenFill xmlns:a14="http://schemas.microsoft.com/office/drawing/2010/main">
+                <a:solidFill>
+                  <a:srgbClr val="FFFFFF"/>
+                </a:solidFill>
+              </a14:hiddenFill>
+            </a:ext>
+          </a:extLst>
+        </p:spPr>
+      </p:pic>
+    </p:spTree>
+    <p:extLst>
+      <p:ext uri="{BB962C8B-B14F-4D97-AF65-F5344CB8AC3E}">
+        <p14:creationId xmlns:p14="http://schemas.microsoft.com/office/powerpoint/2010/main" val="2207867978"/>
       </p:ext>
     </p:extLst>
   </p:cSld>
@@ -4398,7 +7141,7 @@
           <a:p>
             <a:r>
               <a:rPr lang="en-IN" b="1" dirty="0"/>
-              <a:t>Encapsulation</a:t>
+              <a:t>Abstraction</a:t>
             </a:r>
             <a:endParaRPr lang="en-IN" dirty="0"/>
           </a:p>
@@ -4421,14 +7164,14 @@
           <a:p>
             <a:r>
               <a:rPr lang="en-IN" dirty="0"/>
-              <a:t>This is the practice of keeping fields within a class private, then providing access to them via public methods</a:t>
+              <a:t>Abstraction means using simple things to represent complexity. </a:t>
             </a:r>
           </a:p>
         </p:txBody>
       </p:sp>
       <p:pic>
         <p:nvPicPr>
-          <p:cNvPr id="5122" name="Picture 2" descr="Image result for encapsulation in java"/>
+          <p:cNvPr id="4098" name="Picture 2" descr="Image result for abstraction in java"/>
           <p:cNvPicPr>
             <a:picLocks noChangeAspect="1" noChangeArrowheads="1"/>
           </p:cNvPicPr>
@@ -4449,8 +7192,8 @@
         </p:blipFill>
         <p:spPr bwMode="auto">
           <a:xfrm>
-            <a:off x="9563100" y="0"/>
-            <a:ext cx="2628900" cy="1733550"/>
+            <a:off x="8839200" y="0"/>
+            <a:ext cx="3352800" cy="2361825"/>
           </a:xfrm>
           <a:prstGeom prst="rect">
             <a:avLst/>
@@ -4467,10 +7210,92 @@
           </a:extLst>
         </p:spPr>
       </p:pic>
+      <p:pic>
+        <p:nvPicPr>
+          <p:cNvPr id="4100" name="Picture 4" descr="Related image"/>
+          <p:cNvPicPr>
+            <a:picLocks noChangeAspect="1" noChangeArrowheads="1"/>
+          </p:cNvPicPr>
+          <p:nvPr/>
+        </p:nvPicPr>
+        <p:blipFill>
+          <a:blip r:embed="rId3">
+            <a:extLst>
+              <a:ext uri="{28A0092B-C50C-407E-A947-70E740481C1C}">
+                <a14:useLocalDpi xmlns:a14="http://schemas.microsoft.com/office/drawing/2010/main" val="0"/>
+              </a:ext>
+            </a:extLst>
+          </a:blip>
+          <a:srcRect/>
+          <a:stretch>
+            <a:fillRect/>
+          </a:stretch>
+        </p:blipFill>
+        <p:spPr bwMode="auto">
+          <a:xfrm>
+            <a:off x="256950" y="4146027"/>
+            <a:ext cx="3114675" cy="1724025"/>
+          </a:xfrm>
+          <a:prstGeom prst="rect">
+            <a:avLst/>
+          </a:prstGeom>
+          <a:noFill/>
+          <a:extLst>
+            <a:ext uri="{909E8E84-426E-40DD-AFC4-6F175D3DCCD1}">
+              <a14:hiddenFill xmlns:a14="http://schemas.microsoft.com/office/drawing/2010/main">
+                <a:solidFill>
+                  <a:srgbClr val="FFFFFF"/>
+                </a:solidFill>
+              </a14:hiddenFill>
+            </a:ext>
+          </a:extLst>
+        </p:spPr>
+      </p:pic>
+      <p:pic>
+        <p:nvPicPr>
+          <p:cNvPr id="4102" name="Picture 6" descr="Related image"/>
+          <p:cNvPicPr>
+            <a:picLocks noChangeAspect="1" noChangeArrowheads="1"/>
+          </p:cNvPicPr>
+          <p:nvPr/>
+        </p:nvPicPr>
+        <p:blipFill>
+          <a:blip r:embed="rId4">
+            <a:extLst>
+              <a:ext uri="{28A0092B-C50C-407E-A947-70E740481C1C}">
+                <a14:useLocalDpi xmlns:a14="http://schemas.microsoft.com/office/drawing/2010/main" val="0"/>
+              </a:ext>
+            </a:extLst>
+          </a:blip>
+          <a:srcRect/>
+          <a:stretch>
+            <a:fillRect/>
+          </a:stretch>
+        </p:blipFill>
+        <p:spPr bwMode="auto">
+          <a:xfrm>
+            <a:off x="-344162" y="-204460"/>
+            <a:ext cx="4969185" cy="2846544"/>
+          </a:xfrm>
+          <a:prstGeom prst="rect">
+            <a:avLst/>
+          </a:prstGeom>
+          <a:noFill/>
+          <a:extLst>
+            <a:ext uri="{909E8E84-426E-40DD-AFC4-6F175D3DCCD1}">
+              <a14:hiddenFill xmlns:a14="http://schemas.microsoft.com/office/drawing/2010/main">
+                <a:solidFill>
+                  <a:srgbClr val="FFFFFF"/>
+                </a:solidFill>
+              </a14:hiddenFill>
+            </a:ext>
+          </a:extLst>
+        </p:spPr>
+      </p:pic>
     </p:spTree>
     <p:extLst>
       <p:ext uri="{BB962C8B-B14F-4D97-AF65-F5344CB8AC3E}">
-        <p14:creationId xmlns:p14="http://schemas.microsoft.com/office/powerpoint/2010/main" val="3770150053"/>
+        <p14:creationId xmlns:p14="http://schemas.microsoft.com/office/powerpoint/2010/main" val="2868716413"/>
       </p:ext>
     </p:extLst>
   </p:cSld>
@@ -4514,7 +7339,7 @@
           <a:p>
             <a:r>
               <a:rPr lang="en-IN" b="1" dirty="0"/>
-              <a:t>Inheritance</a:t>
+              <a:t>Encapsulation</a:t>
             </a:r>
             <a:endParaRPr lang="en-IN" dirty="0"/>
           </a:p>
@@ -4537,14 +7362,14 @@
           <a:p>
             <a:r>
               <a:rPr lang="en-IN" dirty="0"/>
-              <a:t>It lets programmers create new classes that share some of the attributes of existing classes.</a:t>
+              <a:t>This is the practice of keeping fields within a class private, then providing access to them via public methods</a:t>
             </a:r>
           </a:p>
         </p:txBody>
       </p:sp>
       <p:pic>
         <p:nvPicPr>
-          <p:cNvPr id="4" name="Picture 2" descr="Image result for method overriding in java"/>
+          <p:cNvPr id="5122" name="Picture 2" descr="Image result for encapsulation in java"/>
           <p:cNvPicPr>
             <a:picLocks noChangeAspect="1" noChangeArrowheads="1"/>
           </p:cNvPicPr>
@@ -4565,8 +7390,8 @@
         </p:blipFill>
         <p:spPr bwMode="auto">
           <a:xfrm>
-            <a:off x="8763000" y="0"/>
-            <a:ext cx="3429000" cy="3429000"/>
+            <a:off x="9563100" y="0"/>
+            <a:ext cx="2628900" cy="1733550"/>
           </a:xfrm>
           <a:prstGeom prst="rect">
             <a:avLst/>
@@ -4586,7 +7411,7 @@
     </p:spTree>
     <p:extLst>
       <p:ext uri="{BB962C8B-B14F-4D97-AF65-F5344CB8AC3E}">
-        <p14:creationId xmlns:p14="http://schemas.microsoft.com/office/powerpoint/2010/main" val="116293179"/>
+        <p14:creationId xmlns:p14="http://schemas.microsoft.com/office/powerpoint/2010/main" val="3770150053"/>
       </p:ext>
     </p:extLst>
   </p:cSld>
@@ -4630,6 +7455,238 @@
           <a:p>
             <a:r>
               <a:rPr lang="en-IN" b="1" dirty="0"/>
+              <a:t>Inheritance</a:t>
+            </a:r>
+            <a:endParaRPr lang="en-IN" dirty="0"/>
+          </a:p>
+        </p:txBody>
+      </p:sp>
+      <p:sp>
+        <p:nvSpPr>
+          <p:cNvPr id="3" name="Subtitle 2"/>
+          <p:cNvSpPr>
+            <a:spLocks noGrp="1"/>
+          </p:cNvSpPr>
+          <p:nvPr>
+            <p:ph type="subTitle" idx="1"/>
+          </p:nvPr>
+        </p:nvSpPr>
+        <p:spPr/>
+        <p:txBody>
+          <a:bodyPr/>
+          <a:lstStyle/>
+          <a:p>
+            <a:r>
+              <a:rPr lang="en-IN" dirty="0"/>
+              <a:t>It lets programmers create new classes that share some of the attributes of existing classes.</a:t>
+            </a:r>
+          </a:p>
+        </p:txBody>
+      </p:sp>
+      <p:pic>
+        <p:nvPicPr>
+          <p:cNvPr id="4" name="Picture 2" descr="Image result for method overriding in java"/>
+          <p:cNvPicPr>
+            <a:picLocks noChangeAspect="1" noChangeArrowheads="1"/>
+          </p:cNvPicPr>
+          <p:nvPr/>
+        </p:nvPicPr>
+        <p:blipFill>
+          <a:blip r:embed="rId2">
+            <a:extLst>
+              <a:ext uri="{28A0092B-C50C-407E-A947-70E740481C1C}">
+                <a14:useLocalDpi xmlns:a14="http://schemas.microsoft.com/office/drawing/2010/main" val="0"/>
+              </a:ext>
+            </a:extLst>
+          </a:blip>
+          <a:srcRect/>
+          <a:stretch>
+            <a:fillRect/>
+          </a:stretch>
+        </p:blipFill>
+        <p:spPr bwMode="auto">
+          <a:xfrm>
+            <a:off x="8763000" y="0"/>
+            <a:ext cx="3429000" cy="3429000"/>
+          </a:xfrm>
+          <a:prstGeom prst="rect">
+            <a:avLst/>
+          </a:prstGeom>
+          <a:noFill/>
+          <a:extLst>
+            <a:ext uri="{909E8E84-426E-40DD-AFC4-6F175D3DCCD1}">
+              <a14:hiddenFill xmlns:a14="http://schemas.microsoft.com/office/drawing/2010/main">
+                <a:solidFill>
+                  <a:srgbClr val="FFFFFF"/>
+                </a:solidFill>
+              </a14:hiddenFill>
+            </a:ext>
+          </a:extLst>
+        </p:spPr>
+      </p:pic>
+    </p:spTree>
+    <p:extLst>
+      <p:ext uri="{BB962C8B-B14F-4D97-AF65-F5344CB8AC3E}">
+        <p14:creationId xmlns:p14="http://schemas.microsoft.com/office/powerpoint/2010/main" val="116293179"/>
+      </p:ext>
+    </p:extLst>
+  </p:cSld>
+  <p:clrMapOvr>
+    <a:masterClrMapping/>
+  </p:clrMapOvr>
+</p:sld>
+</file>
+
+<file path=ppt/slides/slide6.xml><?xml version="1.0" encoding="utf-8"?>
+<p:sld xmlns:a="http://schemas.openxmlformats.org/drawingml/2006/main" xmlns:r="http://schemas.openxmlformats.org/officeDocument/2006/relationships" xmlns:p="http://schemas.openxmlformats.org/presentationml/2006/main">
+  <p:cSld>
+    <p:spTree>
+      <p:nvGrpSpPr>
+        <p:cNvPr id="1" name=""/>
+        <p:cNvGrpSpPr/>
+        <p:nvPr/>
+      </p:nvGrpSpPr>
+      <p:grpSpPr>
+        <a:xfrm>
+          <a:off x="0" y="0"/>
+          <a:ext cx="0" cy="0"/>
+          <a:chOff x="0" y="0"/>
+          <a:chExt cx="0" cy="0"/>
+        </a:xfrm>
+      </p:grpSpPr>
+      <p:sp>
+        <p:nvSpPr>
+          <p:cNvPr id="2" name="Title 1"/>
+          <p:cNvSpPr>
+            <a:spLocks noGrp="1"/>
+          </p:cNvSpPr>
+          <p:nvPr>
+            <p:ph type="ctrTitle"/>
+          </p:nvPr>
+        </p:nvSpPr>
+        <p:spPr/>
+        <p:txBody>
+          <a:bodyPr/>
+          <a:lstStyle/>
+          <a:p>
+            <a:r>
+              <a:rPr lang="en-IN" b="1" dirty="0"/>
+              <a:t>Inheritance</a:t>
+            </a:r>
+            <a:endParaRPr lang="en-IN" dirty="0"/>
+          </a:p>
+        </p:txBody>
+      </p:sp>
+      <p:sp>
+        <p:nvSpPr>
+          <p:cNvPr id="3" name="Subtitle 2"/>
+          <p:cNvSpPr>
+            <a:spLocks noGrp="1"/>
+          </p:cNvSpPr>
+          <p:nvPr>
+            <p:ph type="subTitle" idx="1"/>
+          </p:nvPr>
+        </p:nvSpPr>
+        <p:spPr/>
+        <p:txBody>
+          <a:bodyPr/>
+          <a:lstStyle/>
+          <a:p>
+            <a:r>
+              <a:rPr lang="en-IN" dirty="0"/>
+              <a:t>It lets programmers create new classes that share some of the attributes of existing classes.</a:t>
+            </a:r>
+          </a:p>
+        </p:txBody>
+      </p:sp>
+      <p:pic>
+        <p:nvPicPr>
+          <p:cNvPr id="1026" name="Picture 2" descr="Related image"/>
+          <p:cNvPicPr>
+            <a:picLocks noChangeAspect="1" noChangeArrowheads="1"/>
+          </p:cNvPicPr>
+          <p:nvPr/>
+        </p:nvPicPr>
+        <p:blipFill>
+          <a:blip r:embed="rId2">
+            <a:extLst>
+              <a:ext uri="{28A0092B-C50C-407E-A947-70E740481C1C}">
+                <a14:useLocalDpi xmlns:a14="http://schemas.microsoft.com/office/drawing/2010/main" val="0"/>
+              </a:ext>
+            </a:extLst>
+          </a:blip>
+          <a:srcRect/>
+          <a:stretch>
+            <a:fillRect/>
+          </a:stretch>
+        </p:blipFill>
+        <p:spPr bwMode="auto">
+          <a:xfrm>
+            <a:off x="2971800" y="475727"/>
+            <a:ext cx="5715000" cy="4743450"/>
+          </a:xfrm>
+          <a:prstGeom prst="rect">
+            <a:avLst/>
+          </a:prstGeom>
+          <a:noFill/>
+          <a:extLst>
+            <a:ext uri="{909E8E84-426E-40DD-AFC4-6F175D3DCCD1}">
+              <a14:hiddenFill xmlns:a14="http://schemas.microsoft.com/office/drawing/2010/main">
+                <a:solidFill>
+                  <a:srgbClr val="FFFFFF"/>
+                </a:solidFill>
+              </a14:hiddenFill>
+            </a:ext>
+          </a:extLst>
+        </p:spPr>
+      </p:pic>
+    </p:spTree>
+    <p:extLst>
+      <p:ext uri="{BB962C8B-B14F-4D97-AF65-F5344CB8AC3E}">
+        <p14:creationId xmlns:p14="http://schemas.microsoft.com/office/powerpoint/2010/main" val="827440333"/>
+      </p:ext>
+    </p:extLst>
+  </p:cSld>
+  <p:clrMapOvr>
+    <a:masterClrMapping/>
+  </p:clrMapOvr>
+</p:sld>
+</file>
+
+<file path=ppt/slides/slide7.xml><?xml version="1.0" encoding="utf-8"?>
+<p:sld xmlns:a="http://schemas.openxmlformats.org/drawingml/2006/main" xmlns:r="http://schemas.openxmlformats.org/officeDocument/2006/relationships" xmlns:p="http://schemas.openxmlformats.org/presentationml/2006/main">
+  <p:cSld>
+    <p:spTree>
+      <p:nvGrpSpPr>
+        <p:cNvPr id="1" name=""/>
+        <p:cNvGrpSpPr/>
+        <p:nvPr/>
+      </p:nvGrpSpPr>
+      <p:grpSpPr>
+        <a:xfrm>
+          <a:off x="0" y="0"/>
+          <a:ext cx="0" cy="0"/>
+          <a:chOff x="0" y="0"/>
+          <a:chExt cx="0" cy="0"/>
+        </a:xfrm>
+      </p:grpSpPr>
+      <p:sp>
+        <p:nvSpPr>
+          <p:cNvPr id="2" name="Title 1"/>
+          <p:cNvSpPr>
+            <a:spLocks noGrp="1"/>
+          </p:cNvSpPr>
+          <p:nvPr>
+            <p:ph type="ctrTitle"/>
+          </p:nvPr>
+        </p:nvSpPr>
+        <p:spPr/>
+        <p:txBody>
+          <a:bodyPr/>
+          <a:lstStyle/>
+          <a:p>
+            <a:r>
+              <a:rPr lang="en-IN" b="1" dirty="0"/>
               <a:t>Polymorphism</a:t>
             </a:r>
             <a:endParaRPr lang="en-IN" dirty="0"/>
@@ -4712,7 +7769,7 @@
 </p:sld>
 </file>
 
-<file path=ppt/slides/slide6.xml><?xml version="1.0" encoding="utf-8"?>
+<file path=ppt/slides/slide8.xml><?xml version="1.0" encoding="utf-8"?>
 <p:sld xmlns:a="http://schemas.openxmlformats.org/drawingml/2006/main" xmlns:r="http://schemas.openxmlformats.org/officeDocument/2006/relationships" xmlns:p="http://schemas.openxmlformats.org/presentationml/2006/main">
   <p:cSld>
     <p:bg>
@@ -4964,7 +8021,7 @@
 </p:sld>
 </file>
 
-<file path=ppt/slides/slide7.xml><?xml version="1.0" encoding="utf-8"?>
+<file path=ppt/slides/slide9.xml><?xml version="1.0" encoding="utf-8"?>
 <p:sld xmlns:a="http://schemas.openxmlformats.org/drawingml/2006/main" xmlns:r="http://schemas.openxmlformats.org/officeDocument/2006/relationships" xmlns:p="http://schemas.openxmlformats.org/presentationml/2006/main">
   <p:cSld>
     <p:spTree>
@@ -5072,123 +8129,6 @@
     <p:extLst>
       <p:ext uri="{BB962C8B-B14F-4D97-AF65-F5344CB8AC3E}">
         <p14:creationId xmlns:p14="http://schemas.microsoft.com/office/powerpoint/2010/main" val="3911029985"/>
-      </p:ext>
-    </p:extLst>
-  </p:cSld>
-  <p:clrMapOvr>
-    <a:masterClrMapping/>
-  </p:clrMapOvr>
-</p:sld>
-</file>
-
-<file path=ppt/slides/slide8.xml><?xml version="1.0" encoding="utf-8"?>
-<p:sld xmlns:a="http://schemas.openxmlformats.org/drawingml/2006/main" xmlns:r="http://schemas.openxmlformats.org/officeDocument/2006/relationships" xmlns:p="http://schemas.openxmlformats.org/presentationml/2006/main">
-  <p:cSld>
-    <p:spTree>
-      <p:nvGrpSpPr>
-        <p:cNvPr id="1" name=""/>
-        <p:cNvGrpSpPr/>
-        <p:nvPr/>
-      </p:nvGrpSpPr>
-      <p:grpSpPr>
-        <a:xfrm>
-          <a:off x="0" y="0"/>
-          <a:ext cx="0" cy="0"/>
-          <a:chOff x="0" y="0"/>
-          <a:chExt cx="0" cy="0"/>
-        </a:xfrm>
-      </p:grpSpPr>
-      <p:sp>
-        <p:nvSpPr>
-          <p:cNvPr id="2" name="Title 1"/>
-          <p:cNvSpPr>
-            <a:spLocks noGrp="1"/>
-          </p:cNvSpPr>
-          <p:nvPr>
-            <p:ph type="ctrTitle"/>
-          </p:nvPr>
-        </p:nvSpPr>
-        <p:spPr/>
-        <p:txBody>
-          <a:bodyPr/>
-          <a:lstStyle/>
-          <a:p>
-            <a:r>
-              <a:rPr lang="en-IN" dirty="0"/>
-              <a:t>method overriding</a:t>
-            </a:r>
-          </a:p>
-        </p:txBody>
-      </p:sp>
-      <p:sp>
-        <p:nvSpPr>
-          <p:cNvPr id="3" name="Subtitle 2"/>
-          <p:cNvSpPr>
-            <a:spLocks noGrp="1"/>
-          </p:cNvSpPr>
-          <p:nvPr>
-            <p:ph type="subTitle" idx="1"/>
-          </p:nvPr>
-        </p:nvSpPr>
-        <p:spPr/>
-        <p:txBody>
-          <a:bodyPr>
-            <a:normAutofit/>
-          </a:bodyPr>
-          <a:lstStyle/>
-          <a:p>
-            <a:r>
-              <a:rPr lang="en-IN" dirty="0"/>
-              <a:t>the child class can use the OOP polymorphism concept to override a method of its parent class.</a:t>
-            </a:r>
-          </a:p>
-        </p:txBody>
-      </p:sp>
-      <p:pic>
-        <p:nvPicPr>
-          <p:cNvPr id="5" name="Picture 2" descr="Image result for method overriding in java"/>
-          <p:cNvPicPr>
-            <a:picLocks noChangeAspect="1" noChangeArrowheads="1"/>
-          </p:cNvPicPr>
-          <p:nvPr/>
-        </p:nvPicPr>
-        <p:blipFill>
-          <a:blip r:embed="rId2">
-            <a:extLst>
-              <a:ext uri="{28A0092B-C50C-407E-A947-70E740481C1C}">
-                <a14:useLocalDpi xmlns:a14="http://schemas.microsoft.com/office/drawing/2010/main" val="0"/>
-              </a:ext>
-            </a:extLst>
-          </a:blip>
-          <a:srcRect/>
-          <a:stretch>
-            <a:fillRect/>
-          </a:stretch>
-        </p:blipFill>
-        <p:spPr bwMode="auto">
-          <a:xfrm>
-            <a:off x="8763000" y="0"/>
-            <a:ext cx="3429000" cy="3429000"/>
-          </a:xfrm>
-          <a:prstGeom prst="rect">
-            <a:avLst/>
-          </a:prstGeom>
-          <a:noFill/>
-          <a:extLst>
-            <a:ext uri="{909E8E84-426E-40DD-AFC4-6F175D3DCCD1}">
-              <a14:hiddenFill xmlns:a14="http://schemas.microsoft.com/office/drawing/2010/main">
-                <a:solidFill>
-                  <a:srgbClr val="FFFFFF"/>
-                </a:solidFill>
-              </a14:hiddenFill>
-            </a:ext>
-          </a:extLst>
-        </p:spPr>
-      </p:pic>
-    </p:spTree>
-    <p:extLst>
-      <p:ext uri="{BB962C8B-B14F-4D97-AF65-F5344CB8AC3E}">
-        <p14:creationId xmlns:p14="http://schemas.microsoft.com/office/powerpoint/2010/main" val="54837112"/>
       </p:ext>
     </p:extLst>
   </p:cSld>

--- a/Manuals/Java OOPS.pptx
+++ b/Manuals/Java OOPS.pptx
@@ -5,7 +5,7 @@
     <p:sldMasterId id="2147483648" r:id="rId1"/>
   </p:sldMasterIdLst>
   <p:notesMasterIdLst>
-    <p:notesMasterId r:id="rId28"/>
+    <p:notesMasterId r:id="rId31"/>
   </p:notesMasterIdLst>
   <p:sldIdLst>
     <p:sldId id="263" r:id="rId2"/>
@@ -23,17 +23,20 @@
     <p:sldId id="267" r:id="rId14"/>
     <p:sldId id="269" r:id="rId15"/>
     <p:sldId id="272" r:id="rId16"/>
-    <p:sldId id="277" r:id="rId17"/>
-    <p:sldId id="278" r:id="rId18"/>
+    <p:sldId id="278" r:id="rId17"/>
+    <p:sldId id="277" r:id="rId18"/>
     <p:sldId id="279" r:id="rId19"/>
     <p:sldId id="281" r:id="rId20"/>
-    <p:sldId id="280" r:id="rId21"/>
-    <p:sldId id="268" r:id="rId22"/>
-    <p:sldId id="270" r:id="rId23"/>
-    <p:sldId id="271" r:id="rId24"/>
-    <p:sldId id="273" r:id="rId25"/>
-    <p:sldId id="274" r:id="rId26"/>
-    <p:sldId id="276" r:id="rId27"/>
+    <p:sldId id="282" r:id="rId21"/>
+    <p:sldId id="283" r:id="rId22"/>
+    <p:sldId id="284" r:id="rId23"/>
+    <p:sldId id="280" r:id="rId24"/>
+    <p:sldId id="268" r:id="rId25"/>
+    <p:sldId id="270" r:id="rId26"/>
+    <p:sldId id="271" r:id="rId27"/>
+    <p:sldId id="273" r:id="rId28"/>
+    <p:sldId id="274" r:id="rId29"/>
+    <p:sldId id="276" r:id="rId30"/>
   </p:sldIdLst>
   <p:sldSz cx="12192000" cy="6858000"/>
   <p:notesSz cx="6858000" cy="9144000"/>
@@ -176,10 +179,13 @@
             <p14:sldId id="267"/>
             <p14:sldId id="269"/>
             <p14:sldId id="272"/>
+            <p14:sldId id="278"/>
             <p14:sldId id="277"/>
-            <p14:sldId id="278"/>
             <p14:sldId id="279"/>
             <p14:sldId id="281"/>
+            <p14:sldId id="282"/>
+            <p14:sldId id="283"/>
+            <p14:sldId id="284"/>
             <p14:sldId id="280"/>
           </p14:sldIdLst>
         </p14:section>
@@ -776,6 +782,93 @@
           <a:p>
             <a:r>
               <a:rPr lang="en-IN" dirty="0"/>
+              <a:t>http://www.javaguides.net/2018/08/polymorphism-in-java-with-example.html</a:t>
+            </a:r>
+          </a:p>
+        </p:txBody>
+      </p:sp>
+      <p:sp>
+        <p:nvSpPr>
+          <p:cNvPr id="4" name="Slide Number Placeholder 3"/>
+          <p:cNvSpPr>
+            <a:spLocks noGrp="1"/>
+          </p:cNvSpPr>
+          <p:nvPr>
+            <p:ph type="sldNum" sz="quarter" idx="10"/>
+          </p:nvPr>
+        </p:nvSpPr>
+        <p:spPr/>
+        <p:txBody>
+          <a:bodyPr/>
+          <a:lstStyle/>
+          <a:p>
+            <a:fld id="{B2DD4EAC-2E5D-4BB6-8320-4CD6D7014950}" type="slidenum">
+              <a:rPr lang="en-IN" smtClean="0"/>
+              <a:t>7</a:t>
+            </a:fld>
+            <a:endParaRPr lang="en-IN"/>
+          </a:p>
+        </p:txBody>
+      </p:sp>
+    </p:spTree>
+    <p:extLst>
+      <p:ext uri="{BB962C8B-B14F-4D97-AF65-F5344CB8AC3E}">
+        <p14:creationId xmlns:p14="http://schemas.microsoft.com/office/powerpoint/2010/main" val="1842966438"/>
+      </p:ext>
+    </p:extLst>
+  </p:cSld>
+  <p:clrMapOvr>
+    <a:masterClrMapping/>
+  </p:clrMapOvr>
+</p:notes>
+</file>
+
+<file path=ppt/notesSlides/notesSlide4.xml><?xml version="1.0" encoding="utf-8"?>
+<p:notes xmlns:a="http://schemas.openxmlformats.org/drawingml/2006/main" xmlns:r="http://schemas.openxmlformats.org/officeDocument/2006/relationships" xmlns:p="http://schemas.openxmlformats.org/presentationml/2006/main">
+  <p:cSld>
+    <p:spTree>
+      <p:nvGrpSpPr>
+        <p:cNvPr id="1" name=""/>
+        <p:cNvGrpSpPr/>
+        <p:nvPr/>
+      </p:nvGrpSpPr>
+      <p:grpSpPr>
+        <a:xfrm>
+          <a:off x="0" y="0"/>
+          <a:ext cx="0" cy="0"/>
+          <a:chOff x="0" y="0"/>
+          <a:chExt cx="0" cy="0"/>
+        </a:xfrm>
+      </p:grpSpPr>
+      <p:sp>
+        <p:nvSpPr>
+          <p:cNvPr id="2" name="Slide Image Placeholder 1"/>
+          <p:cNvSpPr>
+            <a:spLocks noGrp="1" noRot="1" noChangeAspect="1"/>
+          </p:cNvSpPr>
+          <p:nvPr>
+            <p:ph type="sldImg"/>
+          </p:nvPr>
+        </p:nvSpPr>
+        <p:spPr/>
+      </p:sp>
+      <p:sp>
+        <p:nvSpPr>
+          <p:cNvPr id="3" name="Notes Placeholder 2"/>
+          <p:cNvSpPr>
+            <a:spLocks noGrp="1"/>
+          </p:cNvSpPr>
+          <p:nvPr>
+            <p:ph type="body" idx="1"/>
+          </p:nvPr>
+        </p:nvSpPr>
+        <p:spPr/>
+        <p:txBody>
+          <a:bodyPr/>
+          <a:lstStyle/>
+          <a:p>
+            <a:r>
+              <a:rPr lang="en-IN" dirty="0"/>
               <a:t>https://www.slideshare.net/AdilAslam4/class-diagram-in-uml</a:t>
             </a:r>
           </a:p>
@@ -808,6 +901,708 @@
     <p:extLst>
       <p:ext uri="{BB962C8B-B14F-4D97-AF65-F5344CB8AC3E}">
         <p14:creationId xmlns:p14="http://schemas.microsoft.com/office/powerpoint/2010/main" val="1211952842"/>
+      </p:ext>
+    </p:extLst>
+  </p:cSld>
+  <p:clrMapOvr>
+    <a:masterClrMapping/>
+  </p:clrMapOvr>
+</p:notes>
+</file>
+
+<file path=ppt/notesSlides/notesSlide5.xml><?xml version="1.0" encoding="utf-8"?>
+<p:notes xmlns:a="http://schemas.openxmlformats.org/drawingml/2006/main" xmlns:r="http://schemas.openxmlformats.org/officeDocument/2006/relationships" xmlns:p="http://schemas.openxmlformats.org/presentationml/2006/main">
+  <p:cSld>
+    <p:spTree>
+      <p:nvGrpSpPr>
+        <p:cNvPr id="1" name=""/>
+        <p:cNvGrpSpPr/>
+        <p:nvPr/>
+      </p:nvGrpSpPr>
+      <p:grpSpPr>
+        <a:xfrm>
+          <a:off x="0" y="0"/>
+          <a:ext cx="0" cy="0"/>
+          <a:chOff x="0" y="0"/>
+          <a:chExt cx="0" cy="0"/>
+        </a:xfrm>
+      </p:grpSpPr>
+      <p:sp>
+        <p:nvSpPr>
+          <p:cNvPr id="2" name="Slide Image Placeholder 1"/>
+          <p:cNvSpPr>
+            <a:spLocks noGrp="1" noRot="1" noChangeAspect="1"/>
+          </p:cNvSpPr>
+          <p:nvPr>
+            <p:ph type="sldImg"/>
+          </p:nvPr>
+        </p:nvSpPr>
+        <p:spPr/>
+      </p:sp>
+      <p:sp>
+        <p:nvSpPr>
+          <p:cNvPr id="3" name="Notes Placeholder 2"/>
+          <p:cNvSpPr>
+            <a:spLocks noGrp="1"/>
+          </p:cNvSpPr>
+          <p:nvPr>
+            <p:ph type="body" idx="1"/>
+          </p:nvPr>
+        </p:nvSpPr>
+        <p:spPr/>
+        <p:txBody>
+          <a:bodyPr/>
+          <a:lstStyle/>
+          <a:p>
+            <a:r>
+              <a:rPr lang="en-IN" sz="1200" b="1" i="0" kern="1200" dirty="0">
+                <a:solidFill>
+                  <a:schemeClr val="tx1"/>
+                </a:solidFill>
+                <a:effectLst/>
+                <a:latin typeface="+mn-lt"/>
+                <a:ea typeface="+mn-ea"/>
+                <a:cs typeface="+mn-cs"/>
+              </a:rPr>
+              <a:t>Coupling</a:t>
+            </a:r>
+          </a:p>
+          <a:p>
+            <a:r>
+              <a:rPr lang="en-IN" sz="1200" b="1" i="0" kern="1200" dirty="0">
+                <a:solidFill>
+                  <a:schemeClr val="tx1"/>
+                </a:solidFill>
+                <a:effectLst/>
+                <a:latin typeface="+mn-lt"/>
+                <a:ea typeface="+mn-ea"/>
+                <a:cs typeface="+mn-cs"/>
+              </a:rPr>
+              <a:t>Intent</a:t>
+            </a:r>
+          </a:p>
+          <a:p>
+            <a:r>
+              <a:rPr lang="en-IN" sz="1200" b="0" i="0" kern="1200" dirty="0">
+                <a:solidFill>
+                  <a:schemeClr val="tx1"/>
+                </a:solidFill>
+                <a:effectLst/>
+                <a:latin typeface="+mn-lt"/>
+                <a:ea typeface="+mn-ea"/>
+                <a:cs typeface="+mn-cs"/>
+              </a:rPr>
+              <a:t>Coupling refers to the degree in which one class knows about another class. If one class uses another class, that is coupling. This includes low dependencies between “</a:t>
+            </a:r>
+            <a:r>
+              <a:rPr lang="en-IN" sz="1200" b="0" i="0" kern="1200" dirty="0" err="1">
+                <a:solidFill>
+                  <a:schemeClr val="tx1"/>
+                </a:solidFill>
+                <a:effectLst/>
+                <a:latin typeface="+mn-lt"/>
+                <a:ea typeface="+mn-ea"/>
+                <a:cs typeface="+mn-cs"/>
+              </a:rPr>
+              <a:t>artifacts</a:t>
+            </a:r>
+            <a:r>
+              <a:rPr lang="en-IN" sz="1200" b="0" i="0" kern="1200" dirty="0">
+                <a:solidFill>
+                  <a:schemeClr val="tx1"/>
+                </a:solidFill>
+                <a:effectLst/>
+                <a:latin typeface="+mn-lt"/>
+                <a:ea typeface="+mn-ea"/>
+                <a:cs typeface="+mn-cs"/>
+              </a:rPr>
+              <a:t>” (classes, modules, components).There shouldn’t be too much of a dependency between the modules; even if there is a dependency, it should be via the interfaces and should be minimal.</a:t>
+            </a:r>
+          </a:p>
+          <a:p>
+            <a:r>
+              <a:rPr lang="en-IN" sz="1200" b="1" i="0" kern="1200" dirty="0">
+                <a:solidFill>
+                  <a:schemeClr val="tx1"/>
+                </a:solidFill>
+                <a:effectLst/>
+                <a:latin typeface="+mn-lt"/>
+                <a:ea typeface="+mn-ea"/>
+                <a:cs typeface="+mn-cs"/>
+              </a:rPr>
+              <a:t>Key Points</a:t>
+            </a:r>
+          </a:p>
+          <a:p>
+            <a:r>
+              <a:rPr lang="en-IN" sz="1200" b="0" i="0" kern="1200" dirty="0">
+                <a:solidFill>
+                  <a:schemeClr val="tx1"/>
+                </a:solidFill>
+                <a:effectLst/>
+                <a:latin typeface="+mn-lt"/>
+                <a:ea typeface="+mn-ea"/>
+                <a:cs typeface="+mn-cs"/>
+              </a:rPr>
+              <a:t>While creating a complex application in Java, the logic of one class will call the logic of another class to provide the same service to the clients.</a:t>
+            </a:r>
+          </a:p>
+          <a:p>
+            <a:r>
+              <a:rPr lang="en-IN" sz="1200" b="0" i="0" kern="1200" dirty="0">
+                <a:solidFill>
+                  <a:schemeClr val="tx1"/>
+                </a:solidFill>
+                <a:effectLst/>
+                <a:latin typeface="+mn-lt"/>
+                <a:ea typeface="+mn-ea"/>
+                <a:cs typeface="+mn-cs"/>
+              </a:rPr>
+              <a:t>If one class is calling another class logic, then it is called collaboration.</a:t>
+            </a:r>
+          </a:p>
+          <a:p>
+            <a:r>
+              <a:rPr lang="en-IN" sz="1200" b="0" i="0" kern="1200" dirty="0">
+                <a:solidFill>
+                  <a:schemeClr val="tx1"/>
+                </a:solidFill>
+                <a:effectLst/>
+                <a:latin typeface="+mn-lt"/>
+                <a:ea typeface="+mn-ea"/>
+                <a:cs typeface="+mn-cs"/>
+              </a:rPr>
+              <a:t>When one class is collaborating with another class, then there exists a tight-coupling between the two classes.</a:t>
+            </a:r>
+          </a:p>
+          <a:p>
+            <a:r>
+              <a:rPr lang="en-IN" sz="1200" b="0" i="0" kern="1200" dirty="0">
+                <a:solidFill>
+                  <a:schemeClr val="tx1"/>
+                </a:solidFill>
+                <a:effectLst/>
+                <a:latin typeface="+mn-lt"/>
+                <a:ea typeface="+mn-ea"/>
+                <a:cs typeface="+mn-cs"/>
+              </a:rPr>
+              <a:t>If one class wants to call the logic of a second class, then the first class needs an object of a second class. It means the first class creates an object of a second class.</a:t>
+            </a:r>
+          </a:p>
+          <a:p>
+            <a:endParaRPr lang="en-IN" dirty="0"/>
+          </a:p>
+          <a:p>
+            <a:r>
+              <a:rPr lang="en-IN" sz="1200" b="1" i="0" kern="1200" dirty="0">
+                <a:solidFill>
+                  <a:schemeClr val="tx1"/>
+                </a:solidFill>
+                <a:effectLst/>
+                <a:latin typeface="+mn-lt"/>
+                <a:ea typeface="+mn-ea"/>
+                <a:cs typeface="+mn-cs"/>
+              </a:rPr>
+              <a:t>Cohesion</a:t>
+            </a:r>
+          </a:p>
+          <a:p>
+            <a:r>
+              <a:rPr lang="en-IN" sz="1200" b="1" i="0" kern="1200" dirty="0">
+                <a:solidFill>
+                  <a:schemeClr val="tx1"/>
+                </a:solidFill>
+                <a:effectLst/>
+                <a:latin typeface="+mn-lt"/>
+                <a:ea typeface="+mn-ea"/>
+                <a:cs typeface="+mn-cs"/>
+              </a:rPr>
+              <a:t>Intent</a:t>
+            </a:r>
+          </a:p>
+          <a:p>
+            <a:r>
+              <a:rPr lang="en-IN" sz="1200" b="0" i="0" kern="1200" dirty="0">
+                <a:solidFill>
+                  <a:schemeClr val="tx1"/>
+                </a:solidFill>
+                <a:effectLst/>
+                <a:latin typeface="+mn-lt"/>
+                <a:ea typeface="+mn-ea"/>
+                <a:cs typeface="+mn-cs"/>
+              </a:rPr>
+              <a:t>The term cohesion is used to indicate the degree in which a class has a single, well-focused responsibility. Cohesion is a measure of how the methods of a class or a module are meaningfully and strongly related and how focused they are in providing a well-defined purpose to the system.</a:t>
+            </a:r>
+          </a:p>
+          <a:p>
+            <a:r>
+              <a:rPr lang="en-IN" sz="1200" b="1" i="0" kern="1200" dirty="0">
+                <a:solidFill>
+                  <a:schemeClr val="tx1"/>
+                </a:solidFill>
+                <a:effectLst/>
+                <a:latin typeface="+mn-lt"/>
+                <a:ea typeface="+mn-ea"/>
+                <a:cs typeface="+mn-cs"/>
+              </a:rPr>
+              <a:t>Explanation</a:t>
+            </a:r>
+          </a:p>
+          <a:p>
+            <a:r>
+              <a:rPr lang="en-IN" sz="1200" b="0" i="0" kern="1200" dirty="0">
+                <a:solidFill>
+                  <a:schemeClr val="tx1"/>
+                </a:solidFill>
+                <a:effectLst/>
+                <a:latin typeface="+mn-lt"/>
+                <a:ea typeface="+mn-ea"/>
+                <a:cs typeface="+mn-cs"/>
+              </a:rPr>
+              <a:t>In object-oriented design, cohesion refers all about how a single class is designed. Cohesion is the Object Oriented principle most closely associated with making sure that a class is designed with a single, well-focused purpose.</a:t>
+            </a:r>
+          </a:p>
+          <a:p>
+            <a:r>
+              <a:rPr lang="en-IN" sz="1200" b="0" i="0" kern="1200" dirty="0">
+                <a:solidFill>
+                  <a:schemeClr val="tx1"/>
+                </a:solidFill>
+                <a:effectLst/>
+                <a:latin typeface="+mn-lt"/>
+                <a:ea typeface="+mn-ea"/>
+                <a:cs typeface="+mn-cs"/>
+              </a:rPr>
+              <a:t>The more focused a class is, the cohesiveness of that class is more.</a:t>
+            </a:r>
+          </a:p>
+          <a:p>
+            <a:r>
+              <a:rPr lang="en-IN" sz="1200" b="0" i="0" kern="1200" dirty="0">
+                <a:solidFill>
+                  <a:schemeClr val="tx1"/>
+                </a:solidFill>
+                <a:effectLst/>
+                <a:latin typeface="+mn-lt"/>
+                <a:ea typeface="+mn-ea"/>
+                <a:cs typeface="+mn-cs"/>
+              </a:rPr>
+              <a:t>The advantages of high cohesion are that such classes are much easier to maintain (and less frequently changed) than classes with low cohesion. Another benefit of high cohesion is that classes with a well-focused purpose tend to be more reusable than other classes.</a:t>
+            </a:r>
+          </a:p>
+          <a:p>
+            <a:endParaRPr lang="en-IN" dirty="0"/>
+          </a:p>
+        </p:txBody>
+      </p:sp>
+      <p:sp>
+        <p:nvSpPr>
+          <p:cNvPr id="4" name="Slide Number Placeholder 3"/>
+          <p:cNvSpPr>
+            <a:spLocks noGrp="1"/>
+          </p:cNvSpPr>
+          <p:nvPr>
+            <p:ph type="sldNum" sz="quarter" idx="10"/>
+          </p:nvPr>
+        </p:nvSpPr>
+        <p:spPr/>
+        <p:txBody>
+          <a:bodyPr/>
+          <a:lstStyle/>
+          <a:p>
+            <a:fld id="{B2DD4EAC-2E5D-4BB6-8320-4CD6D7014950}" type="slidenum">
+              <a:rPr lang="en-IN" smtClean="0"/>
+              <a:t>20</a:t>
+            </a:fld>
+            <a:endParaRPr lang="en-IN"/>
+          </a:p>
+        </p:txBody>
+      </p:sp>
+    </p:spTree>
+    <p:extLst>
+      <p:ext uri="{BB962C8B-B14F-4D97-AF65-F5344CB8AC3E}">
+        <p14:creationId xmlns:p14="http://schemas.microsoft.com/office/powerpoint/2010/main" val="446435242"/>
+      </p:ext>
+    </p:extLst>
+  </p:cSld>
+  <p:clrMapOvr>
+    <a:masterClrMapping/>
+  </p:clrMapOvr>
+</p:notes>
+</file>
+
+<file path=ppt/notesSlides/notesSlide6.xml><?xml version="1.0" encoding="utf-8"?>
+<p:notes xmlns:a="http://schemas.openxmlformats.org/drawingml/2006/main" xmlns:r="http://schemas.openxmlformats.org/officeDocument/2006/relationships" xmlns:p="http://schemas.openxmlformats.org/presentationml/2006/main">
+  <p:cSld>
+    <p:spTree>
+      <p:nvGrpSpPr>
+        <p:cNvPr id="1" name=""/>
+        <p:cNvGrpSpPr/>
+        <p:nvPr/>
+      </p:nvGrpSpPr>
+      <p:grpSpPr>
+        <a:xfrm>
+          <a:off x="0" y="0"/>
+          <a:ext cx="0" cy="0"/>
+          <a:chOff x="0" y="0"/>
+          <a:chExt cx="0" cy="0"/>
+        </a:xfrm>
+      </p:grpSpPr>
+      <p:sp>
+        <p:nvSpPr>
+          <p:cNvPr id="2" name="Slide Image Placeholder 1"/>
+          <p:cNvSpPr>
+            <a:spLocks noGrp="1" noRot="1" noChangeAspect="1"/>
+          </p:cNvSpPr>
+          <p:nvPr>
+            <p:ph type="sldImg"/>
+          </p:nvPr>
+        </p:nvSpPr>
+        <p:spPr/>
+      </p:sp>
+      <p:sp>
+        <p:nvSpPr>
+          <p:cNvPr id="3" name="Notes Placeholder 2"/>
+          <p:cNvSpPr>
+            <a:spLocks noGrp="1"/>
+          </p:cNvSpPr>
+          <p:nvPr>
+            <p:ph type="body" idx="1"/>
+          </p:nvPr>
+        </p:nvSpPr>
+        <p:spPr/>
+        <p:txBody>
+          <a:bodyPr/>
+          <a:lstStyle/>
+          <a:p>
+            <a:r>
+              <a:rPr lang="en-IN" sz="1200" b="0" i="0" kern="1200" dirty="0">
+                <a:solidFill>
+                  <a:schemeClr val="tx1"/>
+                </a:solidFill>
+                <a:effectLst/>
+                <a:latin typeface="+mn-lt"/>
+                <a:ea typeface="+mn-ea"/>
+                <a:cs typeface="+mn-cs"/>
+              </a:rPr>
+              <a:t>In this example, the purpose of </a:t>
+            </a:r>
+            <a:r>
+              <a:rPr lang="en-IN" sz="1200" b="0" i="1" kern="1200" dirty="0" err="1">
+                <a:solidFill>
+                  <a:schemeClr val="tx1"/>
+                </a:solidFill>
+                <a:effectLst/>
+                <a:latin typeface="+mn-lt"/>
+                <a:ea typeface="+mn-ea"/>
+                <a:cs typeface="+mn-cs"/>
+              </a:rPr>
+              <a:t>MyReader</a:t>
+            </a:r>
+            <a:r>
+              <a:rPr lang="en-IN" sz="1200" b="0" i="0" kern="1200" dirty="0">
+                <a:solidFill>
+                  <a:schemeClr val="tx1"/>
+                </a:solidFill>
+                <a:effectLst/>
+                <a:latin typeface="+mn-lt"/>
+                <a:ea typeface="+mn-ea"/>
+                <a:cs typeface="+mn-cs"/>
+              </a:rPr>
+              <a:t> class is to read the resource. But it contains some unrelated functions such as </a:t>
+            </a:r>
+            <a:r>
+              <a:rPr lang="en-IN" sz="1200" b="0" i="1" kern="1200" dirty="0" err="1">
+                <a:solidFill>
+                  <a:schemeClr val="tx1"/>
+                </a:solidFill>
+                <a:effectLst/>
+                <a:latin typeface="+mn-lt"/>
+                <a:ea typeface="+mn-ea"/>
+                <a:cs typeface="+mn-cs"/>
+              </a:rPr>
+              <a:t>validateLocation</a:t>
+            </a:r>
+            <a:r>
+              <a:rPr lang="en-IN" sz="1200" b="0" i="1" kern="1200" dirty="0">
+                <a:solidFill>
+                  <a:schemeClr val="tx1"/>
+                </a:solidFill>
+                <a:effectLst/>
+                <a:latin typeface="+mn-lt"/>
+                <a:ea typeface="+mn-ea"/>
+                <a:cs typeface="+mn-cs"/>
+              </a:rPr>
+              <a:t>(), </a:t>
+            </a:r>
+            <a:r>
+              <a:rPr lang="en-IN" sz="1200" b="0" i="1" kern="1200" dirty="0" err="1">
+                <a:solidFill>
+                  <a:schemeClr val="tx1"/>
+                </a:solidFill>
+                <a:effectLst/>
+                <a:latin typeface="+mn-lt"/>
+                <a:ea typeface="+mn-ea"/>
+                <a:cs typeface="+mn-cs"/>
+              </a:rPr>
+              <a:t>checkFTP</a:t>
+            </a:r>
+            <a:r>
+              <a:rPr lang="en-IN" sz="1200" b="0" i="1" kern="1200" dirty="0">
+                <a:solidFill>
+                  <a:schemeClr val="tx1"/>
+                </a:solidFill>
+                <a:effectLst/>
+                <a:latin typeface="+mn-lt"/>
+                <a:ea typeface="+mn-ea"/>
+                <a:cs typeface="+mn-cs"/>
+              </a:rPr>
+              <a:t>(), ping(</a:t>
+            </a:r>
+            <a:r>
+              <a:rPr lang="en-IN" sz="1200" b="0" i="0" kern="1200" dirty="0">
+                <a:solidFill>
+                  <a:schemeClr val="tx1"/>
+                </a:solidFill>
+                <a:effectLst/>
+                <a:latin typeface="+mn-lt"/>
+                <a:ea typeface="+mn-ea"/>
+                <a:cs typeface="+mn-cs"/>
+              </a:rPr>
+              <a:t>). Hence it is low cohesive.</a:t>
+            </a:r>
+          </a:p>
+          <a:p>
+            <a:endParaRPr lang="en-IN" sz="1200" b="0" i="0" kern="1200" dirty="0">
+              <a:solidFill>
+                <a:schemeClr val="tx1"/>
+              </a:solidFill>
+              <a:effectLst/>
+              <a:latin typeface="+mn-lt"/>
+              <a:ea typeface="+mn-ea"/>
+              <a:cs typeface="+mn-cs"/>
+            </a:endParaRPr>
+          </a:p>
+          <a:p>
+            <a:r>
+              <a:rPr lang="en-IN" sz="1200" b="0" i="0" kern="1200" dirty="0">
+                <a:solidFill>
+                  <a:schemeClr val="tx1"/>
+                </a:solidFill>
+                <a:effectLst/>
+                <a:latin typeface="+mn-lt"/>
+                <a:ea typeface="+mn-ea"/>
+                <a:cs typeface="+mn-cs"/>
+              </a:rPr>
+              <a:t>A class is identified as a low cohesive class when it contains many unrelated functions within it. And that what we need to avoid because big classes with unrelated functions hamper their maintaining. Always make your class small and with precise purpose and highly related functions.</a:t>
+            </a:r>
+          </a:p>
+          <a:p>
+            <a:endParaRPr lang="en-IN" sz="1200" b="0" i="0" kern="1200" dirty="0">
+              <a:solidFill>
+                <a:schemeClr val="tx1"/>
+              </a:solidFill>
+              <a:effectLst/>
+              <a:latin typeface="+mn-lt"/>
+              <a:ea typeface="+mn-ea"/>
+              <a:cs typeface="+mn-cs"/>
+            </a:endParaRPr>
+          </a:p>
+          <a:p>
+            <a:r>
+              <a:rPr lang="en-IN" dirty="0"/>
+              <a:t>http://www.javaguides.net/2018/08/cohesion-in-java-with-example.html</a:t>
+            </a:r>
+          </a:p>
+        </p:txBody>
+      </p:sp>
+      <p:sp>
+        <p:nvSpPr>
+          <p:cNvPr id="4" name="Slide Number Placeholder 3"/>
+          <p:cNvSpPr>
+            <a:spLocks noGrp="1"/>
+          </p:cNvSpPr>
+          <p:nvPr>
+            <p:ph type="sldNum" sz="quarter" idx="10"/>
+          </p:nvPr>
+        </p:nvSpPr>
+        <p:spPr/>
+        <p:txBody>
+          <a:bodyPr/>
+          <a:lstStyle/>
+          <a:p>
+            <a:fld id="{B2DD4EAC-2E5D-4BB6-8320-4CD6D7014950}" type="slidenum">
+              <a:rPr lang="en-IN" smtClean="0"/>
+              <a:t>21</a:t>
+            </a:fld>
+            <a:endParaRPr lang="en-IN"/>
+          </a:p>
+        </p:txBody>
+      </p:sp>
+    </p:spTree>
+    <p:extLst>
+      <p:ext uri="{BB962C8B-B14F-4D97-AF65-F5344CB8AC3E}">
+        <p14:creationId xmlns:p14="http://schemas.microsoft.com/office/powerpoint/2010/main" val="1554626156"/>
+      </p:ext>
+    </p:extLst>
+  </p:cSld>
+  <p:clrMapOvr>
+    <a:masterClrMapping/>
+  </p:clrMapOvr>
+</p:notes>
+</file>
+
+<file path=ppt/notesSlides/notesSlide7.xml><?xml version="1.0" encoding="utf-8"?>
+<p:notes xmlns:a="http://schemas.openxmlformats.org/drawingml/2006/main" xmlns:r="http://schemas.openxmlformats.org/officeDocument/2006/relationships" xmlns:p="http://schemas.openxmlformats.org/presentationml/2006/main">
+  <p:cSld>
+    <p:spTree>
+      <p:nvGrpSpPr>
+        <p:cNvPr id="1" name=""/>
+        <p:cNvGrpSpPr/>
+        <p:nvPr/>
+      </p:nvGrpSpPr>
+      <p:grpSpPr>
+        <a:xfrm>
+          <a:off x="0" y="0"/>
+          <a:ext cx="0" cy="0"/>
+          <a:chOff x="0" y="0"/>
+          <a:chExt cx="0" cy="0"/>
+        </a:xfrm>
+      </p:grpSpPr>
+      <p:sp>
+        <p:nvSpPr>
+          <p:cNvPr id="2" name="Slide Image Placeholder 1"/>
+          <p:cNvSpPr>
+            <a:spLocks noGrp="1" noRot="1" noChangeAspect="1"/>
+          </p:cNvSpPr>
+          <p:nvPr>
+            <p:ph type="sldImg"/>
+          </p:nvPr>
+        </p:nvSpPr>
+        <p:spPr/>
+      </p:sp>
+      <p:sp>
+        <p:nvSpPr>
+          <p:cNvPr id="3" name="Notes Placeholder 2"/>
+          <p:cNvSpPr>
+            <a:spLocks noGrp="1"/>
+          </p:cNvSpPr>
+          <p:nvPr>
+            <p:ph type="body" idx="1"/>
+          </p:nvPr>
+        </p:nvSpPr>
+        <p:spPr/>
+        <p:txBody>
+          <a:bodyPr/>
+          <a:lstStyle/>
+          <a:p>
+            <a:r>
+              <a:rPr lang="en-IN" sz="1200" b="0" i="0" kern="1200" dirty="0">
+                <a:solidFill>
+                  <a:schemeClr val="tx1"/>
+                </a:solidFill>
+                <a:effectLst/>
+                <a:latin typeface="+mn-lt"/>
+                <a:ea typeface="+mn-ea"/>
+                <a:cs typeface="+mn-cs"/>
+              </a:rPr>
+              <a:t>This is an example of loose coupling. In this class, </a:t>
+            </a:r>
+            <a:r>
+              <a:rPr lang="en-IN" sz="1200" b="0" i="1" kern="1200" dirty="0" err="1">
+                <a:solidFill>
+                  <a:schemeClr val="tx1"/>
+                </a:solidFill>
+                <a:effectLst/>
+                <a:latin typeface="+mn-lt"/>
+                <a:ea typeface="+mn-ea"/>
+                <a:cs typeface="+mn-cs"/>
+              </a:rPr>
+              <a:t>Traveler</a:t>
+            </a:r>
+            <a:r>
+              <a:rPr lang="en-IN" sz="1200" b="0" i="0" kern="1200" dirty="0">
+                <a:solidFill>
+                  <a:schemeClr val="tx1"/>
+                </a:solidFill>
+                <a:effectLst/>
+                <a:latin typeface="+mn-lt"/>
+                <a:ea typeface="+mn-ea"/>
+                <a:cs typeface="+mn-cs"/>
+              </a:rPr>
+              <a:t> class is not tightly coupled with </a:t>
+            </a:r>
+            <a:r>
+              <a:rPr lang="en-IN" sz="1200" b="0" i="1" kern="1200" dirty="0">
+                <a:solidFill>
+                  <a:schemeClr val="tx1"/>
+                </a:solidFill>
+                <a:effectLst/>
+                <a:latin typeface="+mn-lt"/>
+                <a:ea typeface="+mn-ea"/>
+                <a:cs typeface="+mn-cs"/>
+              </a:rPr>
+              <a:t>Car or Bike</a:t>
+            </a:r>
+            <a:r>
+              <a:rPr lang="en-IN" sz="1200" b="0" i="0" kern="1200" dirty="0">
+                <a:solidFill>
+                  <a:schemeClr val="tx1"/>
+                </a:solidFill>
+                <a:effectLst/>
+                <a:latin typeface="+mn-lt"/>
+                <a:ea typeface="+mn-ea"/>
+                <a:cs typeface="+mn-cs"/>
+              </a:rPr>
+              <a:t> implementation. Instead by applying dependency injection mechanism, the loose coupling implementation is achieved to allow start journey with any class which has implemented Vehicle interface.</a:t>
+            </a:r>
+          </a:p>
+          <a:p>
+            <a:endParaRPr lang="en-IN" sz="1200" b="0" i="0" kern="1200" dirty="0">
+              <a:solidFill>
+                <a:schemeClr val="tx1"/>
+              </a:solidFill>
+              <a:effectLst/>
+              <a:latin typeface="+mn-lt"/>
+              <a:ea typeface="+mn-ea"/>
+              <a:cs typeface="+mn-cs"/>
+            </a:endParaRPr>
+          </a:p>
+          <a:p>
+            <a:r>
+              <a:rPr lang="en-IN" dirty="0"/>
+              <a:t>http://www.javaguides.net/2018/08/coupling-in-java-with-example.html</a:t>
+            </a:r>
+          </a:p>
+        </p:txBody>
+      </p:sp>
+      <p:sp>
+        <p:nvSpPr>
+          <p:cNvPr id="4" name="Slide Number Placeholder 3"/>
+          <p:cNvSpPr>
+            <a:spLocks noGrp="1"/>
+          </p:cNvSpPr>
+          <p:nvPr>
+            <p:ph type="sldNum" sz="quarter" idx="10"/>
+          </p:nvPr>
+        </p:nvSpPr>
+        <p:spPr/>
+        <p:txBody>
+          <a:bodyPr/>
+          <a:lstStyle/>
+          <a:p>
+            <a:fld id="{B2DD4EAC-2E5D-4BB6-8320-4CD6D7014950}" type="slidenum">
+              <a:rPr lang="en-IN" smtClean="0"/>
+              <a:t>22</a:t>
+            </a:fld>
+            <a:endParaRPr lang="en-IN"/>
+          </a:p>
+        </p:txBody>
+      </p:sp>
+    </p:spTree>
+    <p:extLst>
+      <p:ext uri="{BB962C8B-B14F-4D97-AF65-F5344CB8AC3E}">
+        <p14:creationId xmlns:p14="http://schemas.microsoft.com/office/powerpoint/2010/main" val="953001644"/>
       </p:ext>
     </p:extLst>
   </p:cSld>
@@ -5076,7 +5871,7 @@
           <a:p>
             <a:r>
               <a:rPr lang="en-IN" dirty="0"/>
-              <a:t>Relationship: Composition</a:t>
+              <a:t>Relationship:  Association</a:t>
             </a:r>
           </a:p>
         </p:txBody>
@@ -5239,49 +6034,32 @@
       </p:sp>
       <p:pic>
         <p:nvPicPr>
-          <p:cNvPr id="14348" name="Picture 12" descr="Image result for java composition"/>
+          <p:cNvPr id="9" name="Picture 8"/>
           <p:cNvPicPr>
-            <a:picLocks noChangeAspect="1" noChangeArrowheads="1"/>
+            <a:picLocks noChangeAspect="1"/>
           </p:cNvPicPr>
           <p:nvPr/>
         </p:nvPicPr>
         <p:blipFill>
-          <a:blip r:embed="rId2">
-            <a:extLst>
-              <a:ext uri="{28A0092B-C50C-407E-A947-70E740481C1C}">
-                <a14:useLocalDpi xmlns:a14="http://schemas.microsoft.com/office/drawing/2010/main" val="0"/>
-              </a:ext>
-            </a:extLst>
-          </a:blip>
-          <a:srcRect/>
+          <a:blip r:embed="rId2"/>
           <a:stretch>
             <a:fillRect/>
           </a:stretch>
         </p:blipFill>
-        <p:spPr bwMode="auto">
-          <a:xfrm>
-            <a:off x="1451579" y="1904554"/>
-            <a:ext cx="6929968" cy="3075660"/>
+        <p:spPr>
+          <a:xfrm>
+            <a:off x="1451578" y="2006154"/>
+            <a:ext cx="8425893" cy="2794446"/>
           </a:xfrm>
           <a:prstGeom prst="rect">
             <a:avLst/>
           </a:prstGeom>
-          <a:noFill/>
-          <a:extLst>
-            <a:ext uri="{909E8E84-426E-40DD-AFC4-6F175D3DCCD1}">
-              <a14:hiddenFill xmlns:a14="http://schemas.microsoft.com/office/drawing/2010/main">
-                <a:solidFill>
-                  <a:srgbClr val="FFFFFF"/>
-                </a:solidFill>
-              </a14:hiddenFill>
-            </a:ext>
-          </a:extLst>
         </p:spPr>
       </p:pic>
     </p:spTree>
     <p:extLst>
       <p:ext uri="{BB962C8B-B14F-4D97-AF65-F5344CB8AC3E}">
-        <p14:creationId xmlns:p14="http://schemas.microsoft.com/office/powerpoint/2010/main" val="1082250123"/>
+        <p14:creationId xmlns:p14="http://schemas.microsoft.com/office/powerpoint/2010/main" val="1175337285"/>
       </p:ext>
     </p:extLst>
   </p:cSld>
@@ -5325,7 +6103,7 @@
           <a:p>
             <a:r>
               <a:rPr lang="en-IN" dirty="0"/>
-              <a:t>Relationship:  Association</a:t>
+              <a:t>Relationship: Composition</a:t>
             </a:r>
           </a:p>
         </p:txBody>
@@ -5488,32 +6266,49 @@
       </p:sp>
       <p:pic>
         <p:nvPicPr>
-          <p:cNvPr id="9" name="Picture 8"/>
+          <p:cNvPr id="14348" name="Picture 12" descr="Image result for java composition"/>
           <p:cNvPicPr>
-            <a:picLocks noChangeAspect="1"/>
+            <a:picLocks noChangeAspect="1" noChangeArrowheads="1"/>
           </p:cNvPicPr>
           <p:nvPr/>
         </p:nvPicPr>
         <p:blipFill>
-          <a:blip r:embed="rId2"/>
+          <a:blip r:embed="rId2">
+            <a:extLst>
+              <a:ext uri="{28A0092B-C50C-407E-A947-70E740481C1C}">
+                <a14:useLocalDpi xmlns:a14="http://schemas.microsoft.com/office/drawing/2010/main" val="0"/>
+              </a:ext>
+            </a:extLst>
+          </a:blip>
+          <a:srcRect/>
           <a:stretch>
             <a:fillRect/>
           </a:stretch>
         </p:blipFill>
-        <p:spPr>
-          <a:xfrm>
-            <a:off x="1451578" y="2006154"/>
-            <a:ext cx="8425893" cy="2794446"/>
+        <p:spPr bwMode="auto">
+          <a:xfrm>
+            <a:off x="1451579" y="1904554"/>
+            <a:ext cx="6929968" cy="3075660"/>
           </a:xfrm>
           <a:prstGeom prst="rect">
             <a:avLst/>
           </a:prstGeom>
+          <a:noFill/>
+          <a:extLst>
+            <a:ext uri="{909E8E84-426E-40DD-AFC4-6F175D3DCCD1}">
+              <a14:hiddenFill xmlns:a14="http://schemas.microsoft.com/office/drawing/2010/main">
+                <a:solidFill>
+                  <a:srgbClr val="FFFFFF"/>
+                </a:solidFill>
+              </a14:hiddenFill>
+            </a:ext>
+          </a:extLst>
         </p:spPr>
       </p:pic>
     </p:spTree>
     <p:extLst>
       <p:ext uri="{BB962C8B-B14F-4D97-AF65-F5344CB8AC3E}">
-        <p14:creationId xmlns:p14="http://schemas.microsoft.com/office/powerpoint/2010/main" val="1175337285"/>
+        <p14:creationId xmlns:p14="http://schemas.microsoft.com/office/powerpoint/2010/main" val="1082250123"/>
       </p:ext>
     </p:extLst>
   </p:cSld>
@@ -6094,6 +6889,30 @@
           </a:p>
         </p:txBody>
       </p:sp>
+      <p:pic>
+        <p:nvPicPr>
+          <p:cNvPr id="9" name="Picture 8"/>
+          <p:cNvPicPr>
+            <a:picLocks noChangeAspect="1"/>
+          </p:cNvPicPr>
+          <p:nvPr/>
+        </p:nvPicPr>
+        <p:blipFill>
+          <a:blip r:embed="rId3"/>
+          <a:stretch>
+            <a:fillRect/>
+          </a:stretch>
+        </p:blipFill>
+        <p:spPr>
+          <a:xfrm>
+            <a:off x="8082946" y="1904554"/>
+            <a:ext cx="4121222" cy="2146746"/>
+          </a:xfrm>
+          <a:prstGeom prst="rect">
+            <a:avLst/>
+          </a:prstGeom>
+        </p:spPr>
+      </p:pic>
     </p:spTree>
     <p:extLst>
       <p:ext uri="{BB962C8B-B14F-4D97-AF65-F5344CB8AC3E}">
@@ -6242,7 +7061,7 @@
           <a:p>
             <a:r>
               <a:rPr lang="en-IN" dirty="0"/>
-              <a:t>Relationship:  UML diagram </a:t>
+              <a:t>Relationship: coupling and cohesion</a:t>
             </a:r>
           </a:p>
         </p:txBody>
@@ -6403,16 +7222,102 @@
           </a:p>
         </p:txBody>
       </p:sp>
+      <p:sp>
+        <p:nvSpPr>
+          <p:cNvPr id="3" name="Rectangle 2"/>
+          <p:cNvSpPr/>
+          <p:nvPr/>
+        </p:nvSpPr>
+        <p:spPr>
+          <a:xfrm>
+            <a:off x="1110343" y="5670727"/>
+            <a:ext cx="6106886" cy="373743"/>
+          </a:xfrm>
+          <a:prstGeom prst="rect">
+            <a:avLst/>
+          </a:prstGeom>
+          <a:solidFill>
+            <a:srgbClr val="00B0F0"/>
+          </a:solidFill>
+        </p:spPr>
+        <p:style>
+          <a:lnRef idx="2">
+            <a:schemeClr val="accent1">
+              <a:shade val="50000"/>
+            </a:schemeClr>
+          </a:lnRef>
+          <a:fillRef idx="1">
+            <a:schemeClr val="accent1"/>
+          </a:fillRef>
+          <a:effectRef idx="0">
+            <a:schemeClr val="accent1"/>
+          </a:effectRef>
+          <a:fontRef idx="minor">
+            <a:schemeClr val="lt1"/>
+          </a:fontRef>
+        </p:style>
+        <p:txBody>
+          <a:bodyPr rtlCol="0" anchor="ctr"/>
+          <a:lstStyle/>
+          <a:p>
+            <a:pPr algn="ctr"/>
+            <a:endParaRPr lang="en-IN"/>
+          </a:p>
+        </p:txBody>
+      </p:sp>
+      <p:sp>
+        <p:nvSpPr>
+          <p:cNvPr id="10" name="Rectangle 9"/>
+          <p:cNvSpPr/>
+          <p:nvPr/>
+        </p:nvSpPr>
+        <p:spPr>
+          <a:xfrm>
+            <a:off x="1110343" y="1726295"/>
+            <a:ext cx="6106886" cy="373743"/>
+          </a:xfrm>
+          <a:prstGeom prst="rect">
+            <a:avLst/>
+          </a:prstGeom>
+          <a:solidFill>
+            <a:srgbClr val="00B0F0"/>
+          </a:solidFill>
+        </p:spPr>
+        <p:style>
+          <a:lnRef idx="2">
+            <a:schemeClr val="accent1">
+              <a:shade val="50000"/>
+            </a:schemeClr>
+          </a:lnRef>
+          <a:fillRef idx="1">
+            <a:schemeClr val="accent1"/>
+          </a:fillRef>
+          <a:effectRef idx="0">
+            <a:schemeClr val="accent1"/>
+          </a:effectRef>
+          <a:fontRef idx="minor">
+            <a:schemeClr val="lt1"/>
+          </a:fontRef>
+        </p:style>
+        <p:txBody>
+          <a:bodyPr rtlCol="0" anchor="ctr"/>
+          <a:lstStyle/>
+          <a:p>
+            <a:pPr algn="ctr"/>
+            <a:endParaRPr lang="en-IN"/>
+          </a:p>
+        </p:txBody>
+      </p:sp>
       <p:pic>
         <p:nvPicPr>
-          <p:cNvPr id="17410" name="Picture 2" descr="Image result for java aggregation aggregate"/>
+          <p:cNvPr id="2050" name="Picture 2" descr="Image result for java coupling and cohesion"/>
           <p:cNvPicPr>
             <a:picLocks noChangeAspect="1" noChangeArrowheads="1"/>
           </p:cNvPicPr>
           <p:nvPr/>
         </p:nvPicPr>
         <p:blipFill>
-          <a:blip r:embed="rId2">
+          <a:blip r:embed="rId3">
             <a:extLst>
               <a:ext uri="{28A0092B-C50C-407E-A947-70E740481C1C}">
                 <a14:useLocalDpi xmlns:a14="http://schemas.microsoft.com/office/drawing/2010/main" val="0"/>
@@ -6426,8 +7331,8 @@
         </p:blipFill>
         <p:spPr bwMode="auto">
           <a:xfrm>
-            <a:off x="1451578" y="1853753"/>
-            <a:ext cx="3806221" cy="4184617"/>
+            <a:off x="1451579" y="2246825"/>
+            <a:ext cx="5159829" cy="3275480"/>
           </a:xfrm>
           <a:prstGeom prst="rect">
             <a:avLst/>
@@ -6444,10 +7349,92 @@
           </a:extLst>
         </p:spPr>
       </p:pic>
+      <p:pic>
+        <p:nvPicPr>
+          <p:cNvPr id="2052" name="Picture 4" descr="https://2.bp.blogspot.com/-yywp-mxa4Ic/W2aVlgrYFzI/AAAAAAAAC_c/IomDRMX-g_cKsdKvxIX5BmLC5L0jKDzNQCLcBGAs/s1600/Cohesion.png"/>
+          <p:cNvPicPr>
+            <a:picLocks noChangeAspect="1" noChangeArrowheads="1"/>
+          </p:cNvPicPr>
+          <p:nvPr/>
+        </p:nvPicPr>
+        <p:blipFill>
+          <a:blip r:embed="rId4">
+            <a:extLst>
+              <a:ext uri="{28A0092B-C50C-407E-A947-70E740481C1C}">
+                <a14:useLocalDpi xmlns:a14="http://schemas.microsoft.com/office/drawing/2010/main" val="0"/>
+              </a:ext>
+            </a:extLst>
+          </a:blip>
+          <a:srcRect/>
+          <a:stretch>
+            <a:fillRect/>
+          </a:stretch>
+        </p:blipFill>
+        <p:spPr bwMode="auto">
+          <a:xfrm>
+            <a:off x="7340600" y="1976666"/>
+            <a:ext cx="4183097" cy="1963648"/>
+          </a:xfrm>
+          <a:prstGeom prst="rect">
+            <a:avLst/>
+          </a:prstGeom>
+          <a:noFill/>
+          <a:extLst>
+            <a:ext uri="{909E8E84-426E-40DD-AFC4-6F175D3DCCD1}">
+              <a14:hiddenFill xmlns:a14="http://schemas.microsoft.com/office/drawing/2010/main">
+                <a:solidFill>
+                  <a:srgbClr val="FFFFFF"/>
+                </a:solidFill>
+              </a14:hiddenFill>
+            </a:ext>
+          </a:extLst>
+        </p:spPr>
+      </p:pic>
+      <p:pic>
+        <p:nvPicPr>
+          <p:cNvPr id="2054" name="Picture 6" descr="https://1.bp.blogspot.com/-9hwNZEx-nS0/W2aVIMTcjcI/AAAAAAAAC_Q/blir2pNokKcbjPUKUl7o6ZeBs5efhwr5gCLcBGAs/s1600/coupling.png"/>
+          <p:cNvPicPr>
+            <a:picLocks noChangeAspect="1" noChangeArrowheads="1"/>
+          </p:cNvPicPr>
+          <p:nvPr/>
+        </p:nvPicPr>
+        <p:blipFill>
+          <a:blip r:embed="rId5">
+            <a:extLst>
+              <a:ext uri="{28A0092B-C50C-407E-A947-70E740481C1C}">
+                <a14:useLocalDpi xmlns:a14="http://schemas.microsoft.com/office/drawing/2010/main" val="0"/>
+              </a:ext>
+            </a:extLst>
+          </a:blip>
+          <a:srcRect/>
+          <a:stretch>
+            <a:fillRect/>
+          </a:stretch>
+        </p:blipFill>
+        <p:spPr bwMode="auto">
+          <a:xfrm>
+            <a:off x="6829425" y="4084998"/>
+            <a:ext cx="5362575" cy="2314575"/>
+          </a:xfrm>
+          <a:prstGeom prst="rect">
+            <a:avLst/>
+          </a:prstGeom>
+          <a:noFill/>
+          <a:extLst>
+            <a:ext uri="{909E8E84-426E-40DD-AFC4-6F175D3DCCD1}">
+              <a14:hiddenFill xmlns:a14="http://schemas.microsoft.com/office/drawing/2010/main">
+                <a:solidFill>
+                  <a:srgbClr val="FFFFFF"/>
+                </a:solidFill>
+              </a14:hiddenFill>
+            </a:ext>
+          </a:extLst>
+        </p:spPr>
+      </p:pic>
     </p:spTree>
     <p:extLst>
       <p:ext uri="{BB962C8B-B14F-4D97-AF65-F5344CB8AC3E}">
-        <p14:creationId xmlns:p14="http://schemas.microsoft.com/office/powerpoint/2010/main" val="340466569"/>
+        <p14:creationId xmlns:p14="http://schemas.microsoft.com/office/powerpoint/2010/main" val="3075478978"/>
       </p:ext>
     </p:extLst>
   </p:cSld>
@@ -6490,28 +7477,261 @@
           <a:lstStyle/>
           <a:p>
             <a:r>
-              <a:rPr lang="en-IN" u="sng" dirty="0">
-                <a:hlinkClick r:id="rId2"/>
-              </a:rPr>
-              <a:t>Interface in</a:t>
-            </a:r>
-            <a:r>
-              <a:rPr lang="en-IN" u="sng" dirty="0"/>
-              <a:t> java</a:t>
-            </a:r>
-            <a:endParaRPr lang="en-IN" dirty="0"/>
+              <a:rPr lang="en-IN" dirty="0"/>
+              <a:t>Relationship: coupling and cohesion</a:t>
+            </a:r>
+          </a:p>
+        </p:txBody>
+      </p:sp>
+      <p:sp>
+        <p:nvSpPr>
+          <p:cNvPr id="4" name="AutoShape 4" descr="Image result for java composition"/>
+          <p:cNvSpPr>
+            <a:spLocks noChangeAspect="1" noChangeArrowheads="1"/>
+          </p:cNvSpPr>
+          <p:nvPr/>
+        </p:nvSpPr>
+        <p:spPr bwMode="auto">
+          <a:xfrm>
+            <a:off x="5943600" y="3276600"/>
+            <a:ext cx="304800" cy="304800"/>
+          </a:xfrm>
+          <a:prstGeom prst="rect">
+            <a:avLst/>
+          </a:prstGeom>
+          <a:noFill/>
+          <a:extLst>
+            <a:ext uri="{909E8E84-426E-40DD-AFC4-6F175D3DCCD1}">
+              <a14:hiddenFill xmlns:a14="http://schemas.microsoft.com/office/drawing/2010/main">
+                <a:solidFill>
+                  <a:srgbClr val="FFFFFF"/>
+                </a:solidFill>
+              </a14:hiddenFill>
+            </a:ext>
+          </a:extLst>
+        </p:spPr>
+        <p:txBody>
+          <a:bodyPr vert="horz" wrap="square" lIns="91440" tIns="45720" rIns="91440" bIns="45720" numCol="1" anchor="t" anchorCtr="0" compatLnSpc="1">
+            <a:prstTxWarp prst="textNoShape">
+              <a:avLst/>
+            </a:prstTxWarp>
+          </a:bodyPr>
+          <a:lstStyle/>
+          <a:p>
+            <a:endParaRPr lang="en-IN"/>
+          </a:p>
+        </p:txBody>
+      </p:sp>
+      <p:sp>
+        <p:nvSpPr>
+          <p:cNvPr id="6" name="AutoShape 6" descr="Image result for java composition"/>
+          <p:cNvSpPr>
+            <a:spLocks noChangeAspect="1" noChangeArrowheads="1"/>
+          </p:cNvSpPr>
+          <p:nvPr/>
+        </p:nvSpPr>
+        <p:spPr bwMode="auto">
+          <a:xfrm>
+            <a:off x="6096000" y="3429000"/>
+            <a:ext cx="304800" cy="304800"/>
+          </a:xfrm>
+          <a:prstGeom prst="rect">
+            <a:avLst/>
+          </a:prstGeom>
+          <a:noFill/>
+          <a:extLst>
+            <a:ext uri="{909E8E84-426E-40DD-AFC4-6F175D3DCCD1}">
+              <a14:hiddenFill xmlns:a14="http://schemas.microsoft.com/office/drawing/2010/main">
+                <a:solidFill>
+                  <a:srgbClr val="FFFFFF"/>
+                </a:solidFill>
+              </a14:hiddenFill>
+            </a:ext>
+          </a:extLst>
+        </p:spPr>
+        <p:txBody>
+          <a:bodyPr vert="horz" wrap="square" lIns="91440" tIns="45720" rIns="91440" bIns="45720" numCol="1" anchor="t" anchorCtr="0" compatLnSpc="1">
+            <a:prstTxWarp prst="textNoShape">
+              <a:avLst/>
+            </a:prstTxWarp>
+          </a:bodyPr>
+          <a:lstStyle/>
+          <a:p>
+            <a:endParaRPr lang="en-IN"/>
+          </a:p>
+        </p:txBody>
+      </p:sp>
+      <p:sp>
+        <p:nvSpPr>
+          <p:cNvPr id="7" name="AutoShape 8" descr="Image result for java composition"/>
+          <p:cNvSpPr>
+            <a:spLocks noChangeAspect="1" noChangeArrowheads="1"/>
+          </p:cNvSpPr>
+          <p:nvPr/>
+        </p:nvSpPr>
+        <p:spPr bwMode="auto">
+          <a:xfrm>
+            <a:off x="6248400" y="3581400"/>
+            <a:ext cx="2184400" cy="2184400"/>
+          </a:xfrm>
+          <a:prstGeom prst="rect">
+            <a:avLst/>
+          </a:prstGeom>
+          <a:noFill/>
+          <a:extLst>
+            <a:ext uri="{909E8E84-426E-40DD-AFC4-6F175D3DCCD1}">
+              <a14:hiddenFill xmlns:a14="http://schemas.microsoft.com/office/drawing/2010/main">
+                <a:solidFill>
+                  <a:srgbClr val="FFFFFF"/>
+                </a:solidFill>
+              </a14:hiddenFill>
+            </a:ext>
+          </a:extLst>
+        </p:spPr>
+        <p:txBody>
+          <a:bodyPr vert="horz" wrap="square" lIns="91440" tIns="45720" rIns="91440" bIns="45720" numCol="1" anchor="t" anchorCtr="0" compatLnSpc="1">
+            <a:prstTxWarp prst="textNoShape">
+              <a:avLst/>
+            </a:prstTxWarp>
+          </a:bodyPr>
+          <a:lstStyle/>
+          <a:p>
+            <a:endParaRPr lang="en-IN"/>
+          </a:p>
+        </p:txBody>
+      </p:sp>
+      <p:sp>
+        <p:nvSpPr>
+          <p:cNvPr id="8" name="AutoShape 10" descr="Image result for java composition"/>
+          <p:cNvSpPr>
+            <a:spLocks noChangeAspect="1" noChangeArrowheads="1"/>
+          </p:cNvSpPr>
+          <p:nvPr/>
+        </p:nvSpPr>
+        <p:spPr bwMode="auto">
+          <a:xfrm>
+            <a:off x="6248400" y="3581400"/>
+            <a:ext cx="304800" cy="304800"/>
+          </a:xfrm>
+          <a:prstGeom prst="rect">
+            <a:avLst/>
+          </a:prstGeom>
+          <a:noFill/>
+          <a:extLst>
+            <a:ext uri="{909E8E84-426E-40DD-AFC4-6F175D3DCCD1}">
+              <a14:hiddenFill xmlns:a14="http://schemas.microsoft.com/office/drawing/2010/main">
+                <a:solidFill>
+                  <a:srgbClr val="FFFFFF"/>
+                </a:solidFill>
+              </a14:hiddenFill>
+            </a:ext>
+          </a:extLst>
+        </p:spPr>
+        <p:txBody>
+          <a:bodyPr vert="horz" wrap="square" lIns="91440" tIns="45720" rIns="91440" bIns="45720" numCol="1" anchor="t" anchorCtr="0" compatLnSpc="1">
+            <a:prstTxWarp prst="textNoShape">
+              <a:avLst/>
+            </a:prstTxWarp>
+          </a:bodyPr>
+          <a:lstStyle/>
+          <a:p>
+            <a:endParaRPr lang="en-IN"/>
+          </a:p>
+        </p:txBody>
+      </p:sp>
+      <p:sp>
+        <p:nvSpPr>
+          <p:cNvPr id="3" name="Rectangle 2"/>
+          <p:cNvSpPr/>
+          <p:nvPr/>
+        </p:nvSpPr>
+        <p:spPr>
+          <a:xfrm>
+            <a:off x="1110343" y="5670727"/>
+            <a:ext cx="6106886" cy="373743"/>
+          </a:xfrm>
+          <a:prstGeom prst="rect">
+            <a:avLst/>
+          </a:prstGeom>
+          <a:solidFill>
+            <a:srgbClr val="00B0F0"/>
+          </a:solidFill>
+        </p:spPr>
+        <p:style>
+          <a:lnRef idx="2">
+            <a:schemeClr val="accent1">
+              <a:shade val="50000"/>
+            </a:schemeClr>
+          </a:lnRef>
+          <a:fillRef idx="1">
+            <a:schemeClr val="accent1"/>
+          </a:fillRef>
+          <a:effectRef idx="0">
+            <a:schemeClr val="accent1"/>
+          </a:effectRef>
+          <a:fontRef idx="minor">
+            <a:schemeClr val="lt1"/>
+          </a:fontRef>
+        </p:style>
+        <p:txBody>
+          <a:bodyPr rtlCol="0" anchor="ctr"/>
+          <a:lstStyle/>
+          <a:p>
+            <a:pPr algn="ctr"/>
+            <a:endParaRPr lang="en-IN"/>
+          </a:p>
+        </p:txBody>
+      </p:sp>
+      <p:sp>
+        <p:nvSpPr>
+          <p:cNvPr id="10" name="Rectangle 9"/>
+          <p:cNvSpPr/>
+          <p:nvPr/>
+        </p:nvSpPr>
+        <p:spPr>
+          <a:xfrm>
+            <a:off x="1110343" y="1726295"/>
+            <a:ext cx="6106886" cy="373743"/>
+          </a:xfrm>
+          <a:prstGeom prst="rect">
+            <a:avLst/>
+          </a:prstGeom>
+          <a:solidFill>
+            <a:srgbClr val="00B0F0"/>
+          </a:solidFill>
+        </p:spPr>
+        <p:style>
+          <a:lnRef idx="2">
+            <a:schemeClr val="accent1">
+              <a:shade val="50000"/>
+            </a:schemeClr>
+          </a:lnRef>
+          <a:fillRef idx="1">
+            <a:schemeClr val="accent1"/>
+          </a:fillRef>
+          <a:effectRef idx="0">
+            <a:schemeClr val="accent1"/>
+          </a:effectRef>
+          <a:fontRef idx="minor">
+            <a:schemeClr val="lt1"/>
+          </a:fontRef>
+        </p:style>
+        <p:txBody>
+          <a:bodyPr rtlCol="0" anchor="ctr"/>
+          <a:lstStyle/>
+          <a:p>
+            <a:pPr algn="ctr"/>
+            <a:endParaRPr lang="en-IN"/>
           </a:p>
         </p:txBody>
       </p:sp>
       <p:pic>
         <p:nvPicPr>
-          <p:cNvPr id="5122" name="Picture 2" descr="Related image"/>
+          <p:cNvPr id="2052" name="Picture 4" descr="https://2.bp.blogspot.com/-yywp-mxa4Ic/W2aVlgrYFzI/AAAAAAAAC_c/IomDRMX-g_cKsdKvxIX5BmLC5L0jKDzNQCLcBGAs/s1600/Cohesion.png"/>
           <p:cNvPicPr>
-            <a:picLocks noGrp="1" noChangeAspect="1" noChangeArrowheads="1"/>
+            <a:picLocks noChangeAspect="1" noChangeArrowheads="1"/>
           </p:cNvPicPr>
-          <p:nvPr>
-            <p:ph idx="1"/>
-          </p:nvPr>
+          <p:nvPr/>
         </p:nvPicPr>
         <p:blipFill>
           <a:blip r:embed="rId3">
@@ -6528,8 +7748,8 @@
         </p:blipFill>
         <p:spPr bwMode="auto">
           <a:xfrm>
-            <a:off x="1451578" y="1951831"/>
-            <a:ext cx="6843335" cy="3305679"/>
+            <a:off x="1110343" y="2504387"/>
+            <a:ext cx="6151512" cy="2887670"/>
           </a:xfrm>
           <a:prstGeom prst="rect">
             <a:avLst/>
@@ -6549,7 +7769,7 @@
     </p:spTree>
     <p:extLst>
       <p:ext uri="{BB962C8B-B14F-4D97-AF65-F5344CB8AC3E}">
-        <p14:creationId xmlns:p14="http://schemas.microsoft.com/office/powerpoint/2010/main" val="3428561391"/>
+        <p14:creationId xmlns:p14="http://schemas.microsoft.com/office/powerpoint/2010/main" val="3959448306"/>
       </p:ext>
     </p:extLst>
   </p:cSld>
@@ -6578,20 +7798,198 @@
       </p:grpSpPr>
       <p:sp>
         <p:nvSpPr>
-          <p:cNvPr id="4" name="Rectangle 3"/>
+          <p:cNvPr id="2" name="Title 1"/>
+          <p:cNvSpPr>
+            <a:spLocks noGrp="1"/>
+          </p:cNvSpPr>
+          <p:nvPr>
+            <p:ph type="title"/>
+          </p:nvPr>
+        </p:nvSpPr>
+        <p:spPr/>
+        <p:txBody>
+          <a:bodyPr/>
+          <a:lstStyle/>
+          <a:p>
+            <a:r>
+              <a:rPr lang="en-IN" dirty="0"/>
+              <a:t>Relationship: coupling and cohesion</a:t>
+            </a:r>
+          </a:p>
+        </p:txBody>
+      </p:sp>
+      <p:sp>
+        <p:nvSpPr>
+          <p:cNvPr id="4" name="AutoShape 4" descr="Image result for java composition"/>
+          <p:cNvSpPr>
+            <a:spLocks noChangeAspect="1" noChangeArrowheads="1"/>
+          </p:cNvSpPr>
+          <p:nvPr/>
+        </p:nvSpPr>
+        <p:spPr bwMode="auto">
+          <a:xfrm>
+            <a:off x="5943600" y="3276600"/>
+            <a:ext cx="304800" cy="304800"/>
+          </a:xfrm>
+          <a:prstGeom prst="rect">
+            <a:avLst/>
+          </a:prstGeom>
+          <a:noFill/>
+          <a:extLst>
+            <a:ext uri="{909E8E84-426E-40DD-AFC4-6F175D3DCCD1}">
+              <a14:hiddenFill xmlns:a14="http://schemas.microsoft.com/office/drawing/2010/main">
+                <a:solidFill>
+                  <a:srgbClr val="FFFFFF"/>
+                </a:solidFill>
+              </a14:hiddenFill>
+            </a:ext>
+          </a:extLst>
+        </p:spPr>
+        <p:txBody>
+          <a:bodyPr vert="horz" wrap="square" lIns="91440" tIns="45720" rIns="91440" bIns="45720" numCol="1" anchor="t" anchorCtr="0" compatLnSpc="1">
+            <a:prstTxWarp prst="textNoShape">
+              <a:avLst/>
+            </a:prstTxWarp>
+          </a:bodyPr>
+          <a:lstStyle/>
+          <a:p>
+            <a:endParaRPr lang="en-IN"/>
+          </a:p>
+        </p:txBody>
+      </p:sp>
+      <p:sp>
+        <p:nvSpPr>
+          <p:cNvPr id="6" name="AutoShape 6" descr="Image result for java composition"/>
+          <p:cNvSpPr>
+            <a:spLocks noChangeAspect="1" noChangeArrowheads="1"/>
+          </p:cNvSpPr>
+          <p:nvPr/>
+        </p:nvSpPr>
+        <p:spPr bwMode="auto">
+          <a:xfrm>
+            <a:off x="6096000" y="3429000"/>
+            <a:ext cx="304800" cy="304800"/>
+          </a:xfrm>
+          <a:prstGeom prst="rect">
+            <a:avLst/>
+          </a:prstGeom>
+          <a:noFill/>
+          <a:extLst>
+            <a:ext uri="{909E8E84-426E-40DD-AFC4-6F175D3DCCD1}">
+              <a14:hiddenFill xmlns:a14="http://schemas.microsoft.com/office/drawing/2010/main">
+                <a:solidFill>
+                  <a:srgbClr val="FFFFFF"/>
+                </a:solidFill>
+              </a14:hiddenFill>
+            </a:ext>
+          </a:extLst>
+        </p:spPr>
+        <p:txBody>
+          <a:bodyPr vert="horz" wrap="square" lIns="91440" tIns="45720" rIns="91440" bIns="45720" numCol="1" anchor="t" anchorCtr="0" compatLnSpc="1">
+            <a:prstTxWarp prst="textNoShape">
+              <a:avLst/>
+            </a:prstTxWarp>
+          </a:bodyPr>
+          <a:lstStyle/>
+          <a:p>
+            <a:endParaRPr lang="en-IN"/>
+          </a:p>
+        </p:txBody>
+      </p:sp>
+      <p:sp>
+        <p:nvSpPr>
+          <p:cNvPr id="7" name="AutoShape 8" descr="Image result for java composition"/>
+          <p:cNvSpPr>
+            <a:spLocks noChangeAspect="1" noChangeArrowheads="1"/>
+          </p:cNvSpPr>
+          <p:nvPr/>
+        </p:nvSpPr>
+        <p:spPr bwMode="auto">
+          <a:xfrm>
+            <a:off x="6248400" y="3581400"/>
+            <a:ext cx="2184400" cy="2184400"/>
+          </a:xfrm>
+          <a:prstGeom prst="rect">
+            <a:avLst/>
+          </a:prstGeom>
+          <a:noFill/>
+          <a:extLst>
+            <a:ext uri="{909E8E84-426E-40DD-AFC4-6F175D3DCCD1}">
+              <a14:hiddenFill xmlns:a14="http://schemas.microsoft.com/office/drawing/2010/main">
+                <a:solidFill>
+                  <a:srgbClr val="FFFFFF"/>
+                </a:solidFill>
+              </a14:hiddenFill>
+            </a:ext>
+          </a:extLst>
+        </p:spPr>
+        <p:txBody>
+          <a:bodyPr vert="horz" wrap="square" lIns="91440" tIns="45720" rIns="91440" bIns="45720" numCol="1" anchor="t" anchorCtr="0" compatLnSpc="1">
+            <a:prstTxWarp prst="textNoShape">
+              <a:avLst/>
+            </a:prstTxWarp>
+          </a:bodyPr>
+          <a:lstStyle/>
+          <a:p>
+            <a:endParaRPr lang="en-IN"/>
+          </a:p>
+        </p:txBody>
+      </p:sp>
+      <p:sp>
+        <p:nvSpPr>
+          <p:cNvPr id="8" name="AutoShape 10" descr="Image result for java composition"/>
+          <p:cNvSpPr>
+            <a:spLocks noChangeAspect="1" noChangeArrowheads="1"/>
+          </p:cNvSpPr>
+          <p:nvPr/>
+        </p:nvSpPr>
+        <p:spPr bwMode="auto">
+          <a:xfrm>
+            <a:off x="6248400" y="3581400"/>
+            <a:ext cx="304800" cy="304800"/>
+          </a:xfrm>
+          <a:prstGeom prst="rect">
+            <a:avLst/>
+          </a:prstGeom>
+          <a:noFill/>
+          <a:extLst>
+            <a:ext uri="{909E8E84-426E-40DD-AFC4-6F175D3DCCD1}">
+              <a14:hiddenFill xmlns:a14="http://schemas.microsoft.com/office/drawing/2010/main">
+                <a:solidFill>
+                  <a:srgbClr val="FFFFFF"/>
+                </a:solidFill>
+              </a14:hiddenFill>
+            </a:ext>
+          </a:extLst>
+        </p:spPr>
+        <p:txBody>
+          <a:bodyPr vert="horz" wrap="square" lIns="91440" tIns="45720" rIns="91440" bIns="45720" numCol="1" anchor="t" anchorCtr="0" compatLnSpc="1">
+            <a:prstTxWarp prst="textNoShape">
+              <a:avLst/>
+            </a:prstTxWarp>
+          </a:bodyPr>
+          <a:lstStyle/>
+          <a:p>
+            <a:endParaRPr lang="en-IN"/>
+          </a:p>
+        </p:txBody>
+      </p:sp>
+      <p:sp>
+        <p:nvSpPr>
+          <p:cNvPr id="3" name="Rectangle 2"/>
           <p:cNvSpPr/>
           <p:nvPr/>
         </p:nvSpPr>
         <p:spPr>
           <a:xfrm>
-            <a:off x="2971800" y="2015732"/>
-            <a:ext cx="6299200" cy="3709990"/>
+            <a:off x="1110343" y="5670727"/>
+            <a:ext cx="6106886" cy="373743"/>
           </a:xfrm>
           <a:prstGeom prst="rect">
             <a:avLst/>
           </a:prstGeom>
           <a:solidFill>
-            <a:schemeClr val="bg1"/>
+            <a:srgbClr val="00B0F0"/>
           </a:solidFill>
         </p:spPr>
         <p:style>
@@ -6621,36 +8019,50 @@
       </p:sp>
       <p:sp>
         <p:nvSpPr>
-          <p:cNvPr id="2" name="Title 1"/>
-          <p:cNvSpPr>
-            <a:spLocks noGrp="1"/>
-          </p:cNvSpPr>
-          <p:nvPr>
-            <p:ph type="title"/>
-          </p:nvPr>
-        </p:nvSpPr>
-        <p:spPr/>
-        <p:txBody>
-          <a:bodyPr/>
-          <a:lstStyle/>
-          <a:p>
-            <a:r>
-              <a:rPr lang="en-IN" u="sng" dirty="0">
-                <a:hlinkClick r:id="rId2"/>
-              </a:rPr>
-              <a:t>Interface in</a:t>
-            </a:r>
-            <a:r>
-              <a:rPr lang="en-IN" u="sng" dirty="0"/>
-              <a:t> java</a:t>
-            </a:r>
-            <a:endParaRPr lang="en-IN" dirty="0"/>
+          <p:cNvPr id="10" name="Rectangle 9"/>
+          <p:cNvSpPr/>
+          <p:nvPr/>
+        </p:nvSpPr>
+        <p:spPr>
+          <a:xfrm>
+            <a:off x="1110343" y="1726295"/>
+            <a:ext cx="6106886" cy="373743"/>
+          </a:xfrm>
+          <a:prstGeom prst="rect">
+            <a:avLst/>
+          </a:prstGeom>
+          <a:solidFill>
+            <a:srgbClr val="00B0F0"/>
+          </a:solidFill>
+        </p:spPr>
+        <p:style>
+          <a:lnRef idx="2">
+            <a:schemeClr val="accent1">
+              <a:shade val="50000"/>
+            </a:schemeClr>
+          </a:lnRef>
+          <a:fillRef idx="1">
+            <a:schemeClr val="accent1"/>
+          </a:fillRef>
+          <a:effectRef idx="0">
+            <a:schemeClr val="accent1"/>
+          </a:effectRef>
+          <a:fontRef idx="minor">
+            <a:schemeClr val="lt1"/>
+          </a:fontRef>
+        </p:style>
+        <p:txBody>
+          <a:bodyPr rtlCol="0" anchor="ctr"/>
+          <a:lstStyle/>
+          <a:p>
+            <a:pPr algn="ctr"/>
+            <a:endParaRPr lang="en-IN"/>
           </a:p>
         </p:txBody>
       </p:sp>
       <p:pic>
         <p:nvPicPr>
-          <p:cNvPr id="7170" name="Picture 2" descr="Related image"/>
+          <p:cNvPr id="2054" name="Picture 6" descr="https://1.bp.blogspot.com/-9hwNZEx-nS0/W2aVIMTcjcI/AAAAAAAAC_Q/blir2pNokKcbjPUKUl7o6ZeBs5efhwr5gCLcBGAs/s1600/coupling.png"/>
           <p:cNvPicPr>
             <a:picLocks noChangeAspect="1" noChangeArrowheads="1"/>
           </p:cNvPicPr>
@@ -6671,8 +8083,8 @@
         </p:blipFill>
         <p:spPr bwMode="auto">
           <a:xfrm>
-            <a:off x="4196610" y="2015732"/>
-            <a:ext cx="4113212" cy="3871968"/>
+            <a:off x="1110343" y="2465800"/>
+            <a:ext cx="6139161" cy="2649762"/>
           </a:xfrm>
           <a:prstGeom prst="rect">
             <a:avLst/>
@@ -6692,7 +8104,7 @@
     </p:spTree>
     <p:extLst>
       <p:ext uri="{BB962C8B-B14F-4D97-AF65-F5344CB8AC3E}">
-        <p14:creationId xmlns:p14="http://schemas.microsoft.com/office/powerpoint/2010/main" val="772456402"/>
+        <p14:creationId xmlns:p14="http://schemas.microsoft.com/office/powerpoint/2010/main" val="1474087652"/>
       </p:ext>
     </p:extLst>
   </p:cSld>
@@ -6735,29 +8147,178 @@
           <a:lstStyle/>
           <a:p>
             <a:r>
-              <a:rPr lang="en-IN" u="sng" dirty="0">
-                <a:hlinkClick r:id="rId2"/>
-              </a:rPr>
-              <a:t>Interface in</a:t>
-            </a:r>
-            <a:r>
-              <a:rPr lang="en-IN" u="sng" dirty="0"/>
-              <a:t> java</a:t>
-            </a:r>
-            <a:endParaRPr lang="en-IN" dirty="0"/>
+              <a:rPr lang="en-IN" dirty="0"/>
+              <a:t>Relationship:  UML diagram </a:t>
+            </a:r>
+          </a:p>
+        </p:txBody>
+      </p:sp>
+      <p:sp>
+        <p:nvSpPr>
+          <p:cNvPr id="4" name="AutoShape 4" descr="Image result for java composition"/>
+          <p:cNvSpPr>
+            <a:spLocks noChangeAspect="1" noChangeArrowheads="1"/>
+          </p:cNvSpPr>
+          <p:nvPr/>
+        </p:nvSpPr>
+        <p:spPr bwMode="auto">
+          <a:xfrm>
+            <a:off x="5943600" y="3276600"/>
+            <a:ext cx="304800" cy="304800"/>
+          </a:xfrm>
+          <a:prstGeom prst="rect">
+            <a:avLst/>
+          </a:prstGeom>
+          <a:noFill/>
+          <a:extLst>
+            <a:ext uri="{909E8E84-426E-40DD-AFC4-6F175D3DCCD1}">
+              <a14:hiddenFill xmlns:a14="http://schemas.microsoft.com/office/drawing/2010/main">
+                <a:solidFill>
+                  <a:srgbClr val="FFFFFF"/>
+                </a:solidFill>
+              </a14:hiddenFill>
+            </a:ext>
+          </a:extLst>
+        </p:spPr>
+        <p:txBody>
+          <a:bodyPr vert="horz" wrap="square" lIns="91440" tIns="45720" rIns="91440" bIns="45720" numCol="1" anchor="t" anchorCtr="0" compatLnSpc="1">
+            <a:prstTxWarp prst="textNoShape">
+              <a:avLst/>
+            </a:prstTxWarp>
+          </a:bodyPr>
+          <a:lstStyle/>
+          <a:p>
+            <a:endParaRPr lang="en-IN"/>
+          </a:p>
+        </p:txBody>
+      </p:sp>
+      <p:sp>
+        <p:nvSpPr>
+          <p:cNvPr id="6" name="AutoShape 6" descr="Image result for java composition"/>
+          <p:cNvSpPr>
+            <a:spLocks noChangeAspect="1" noChangeArrowheads="1"/>
+          </p:cNvSpPr>
+          <p:nvPr/>
+        </p:nvSpPr>
+        <p:spPr bwMode="auto">
+          <a:xfrm>
+            <a:off x="6096000" y="3429000"/>
+            <a:ext cx="304800" cy="304800"/>
+          </a:xfrm>
+          <a:prstGeom prst="rect">
+            <a:avLst/>
+          </a:prstGeom>
+          <a:noFill/>
+          <a:extLst>
+            <a:ext uri="{909E8E84-426E-40DD-AFC4-6F175D3DCCD1}">
+              <a14:hiddenFill xmlns:a14="http://schemas.microsoft.com/office/drawing/2010/main">
+                <a:solidFill>
+                  <a:srgbClr val="FFFFFF"/>
+                </a:solidFill>
+              </a14:hiddenFill>
+            </a:ext>
+          </a:extLst>
+        </p:spPr>
+        <p:txBody>
+          <a:bodyPr vert="horz" wrap="square" lIns="91440" tIns="45720" rIns="91440" bIns="45720" numCol="1" anchor="t" anchorCtr="0" compatLnSpc="1">
+            <a:prstTxWarp prst="textNoShape">
+              <a:avLst/>
+            </a:prstTxWarp>
+          </a:bodyPr>
+          <a:lstStyle/>
+          <a:p>
+            <a:endParaRPr lang="en-IN"/>
+          </a:p>
+        </p:txBody>
+      </p:sp>
+      <p:sp>
+        <p:nvSpPr>
+          <p:cNvPr id="7" name="AutoShape 8" descr="Image result for java composition"/>
+          <p:cNvSpPr>
+            <a:spLocks noChangeAspect="1" noChangeArrowheads="1"/>
+          </p:cNvSpPr>
+          <p:nvPr/>
+        </p:nvSpPr>
+        <p:spPr bwMode="auto">
+          <a:xfrm>
+            <a:off x="6248400" y="3581400"/>
+            <a:ext cx="2184400" cy="2184400"/>
+          </a:xfrm>
+          <a:prstGeom prst="rect">
+            <a:avLst/>
+          </a:prstGeom>
+          <a:noFill/>
+          <a:extLst>
+            <a:ext uri="{909E8E84-426E-40DD-AFC4-6F175D3DCCD1}">
+              <a14:hiddenFill xmlns:a14="http://schemas.microsoft.com/office/drawing/2010/main">
+                <a:solidFill>
+                  <a:srgbClr val="FFFFFF"/>
+                </a:solidFill>
+              </a14:hiddenFill>
+            </a:ext>
+          </a:extLst>
+        </p:spPr>
+        <p:txBody>
+          <a:bodyPr vert="horz" wrap="square" lIns="91440" tIns="45720" rIns="91440" bIns="45720" numCol="1" anchor="t" anchorCtr="0" compatLnSpc="1">
+            <a:prstTxWarp prst="textNoShape">
+              <a:avLst/>
+            </a:prstTxWarp>
+          </a:bodyPr>
+          <a:lstStyle/>
+          <a:p>
+            <a:endParaRPr lang="en-IN"/>
+          </a:p>
+        </p:txBody>
+      </p:sp>
+      <p:sp>
+        <p:nvSpPr>
+          <p:cNvPr id="8" name="AutoShape 10" descr="Image result for java composition"/>
+          <p:cNvSpPr>
+            <a:spLocks noChangeAspect="1" noChangeArrowheads="1"/>
+          </p:cNvSpPr>
+          <p:nvPr/>
+        </p:nvSpPr>
+        <p:spPr bwMode="auto">
+          <a:xfrm>
+            <a:off x="6248400" y="3581400"/>
+            <a:ext cx="304800" cy="304800"/>
+          </a:xfrm>
+          <a:prstGeom prst="rect">
+            <a:avLst/>
+          </a:prstGeom>
+          <a:noFill/>
+          <a:extLst>
+            <a:ext uri="{909E8E84-426E-40DD-AFC4-6F175D3DCCD1}">
+              <a14:hiddenFill xmlns:a14="http://schemas.microsoft.com/office/drawing/2010/main">
+                <a:solidFill>
+                  <a:srgbClr val="FFFFFF"/>
+                </a:solidFill>
+              </a14:hiddenFill>
+            </a:ext>
+          </a:extLst>
+        </p:spPr>
+        <p:txBody>
+          <a:bodyPr vert="horz" wrap="square" lIns="91440" tIns="45720" rIns="91440" bIns="45720" numCol="1" anchor="t" anchorCtr="0" compatLnSpc="1">
+            <a:prstTxWarp prst="textNoShape">
+              <a:avLst/>
+            </a:prstTxWarp>
+          </a:bodyPr>
+          <a:lstStyle/>
+          <a:p>
+            <a:endParaRPr lang="en-IN"/>
           </a:p>
         </p:txBody>
       </p:sp>
       <p:pic>
         <p:nvPicPr>
-          <p:cNvPr id="8196" name="Picture 4" descr="Related image"/>
+          <p:cNvPr id="17410" name="Picture 2" descr="Image result for java aggregation aggregate"/>
           <p:cNvPicPr>
             <a:picLocks noChangeAspect="1" noChangeArrowheads="1"/>
           </p:cNvPicPr>
           <p:nvPr/>
         </p:nvPicPr>
         <p:blipFill>
-          <a:blip r:embed="rId3">
+          <a:blip r:embed="rId2">
             <a:extLst>
               <a:ext uri="{28A0092B-C50C-407E-A947-70E740481C1C}">
                 <a14:useLocalDpi xmlns:a14="http://schemas.microsoft.com/office/drawing/2010/main" val="0"/>
@@ -6771,8 +8332,8 @@
         </p:blipFill>
         <p:spPr bwMode="auto">
           <a:xfrm>
-            <a:off x="2647950" y="2057400"/>
-            <a:ext cx="6896100" cy="2743200"/>
+            <a:off x="1451578" y="1853753"/>
+            <a:ext cx="3806221" cy="4184617"/>
           </a:xfrm>
           <a:prstGeom prst="rect">
             <a:avLst/>
@@ -6792,7 +8353,7 @@
     </p:spTree>
     <p:extLst>
       <p:ext uri="{BB962C8B-B14F-4D97-AF65-F5344CB8AC3E}">
-        <p14:creationId xmlns:p14="http://schemas.microsoft.com/office/powerpoint/2010/main" val="2372563533"/>
+        <p14:creationId xmlns:p14="http://schemas.microsoft.com/office/powerpoint/2010/main" val="340466569"/>
       </p:ext>
     </p:extLst>
   </p:cSld>
@@ -6850,11 +8411,13 @@
       </p:sp>
       <p:pic>
         <p:nvPicPr>
-          <p:cNvPr id="10242" name="Picture 2" descr="Image result for java interface"/>
+          <p:cNvPr id="5122" name="Picture 2" descr="Related image"/>
           <p:cNvPicPr>
-            <a:picLocks noChangeAspect="1" noChangeArrowheads="1"/>
+            <a:picLocks noGrp="1" noChangeAspect="1" noChangeArrowheads="1"/>
           </p:cNvPicPr>
-          <p:nvPr/>
+          <p:nvPr>
+            <p:ph idx="1"/>
+          </p:nvPr>
         </p:nvPicPr>
         <p:blipFill>
           <a:blip r:embed="rId3">
@@ -6871,8 +8434,8 @@
         </p:blipFill>
         <p:spPr bwMode="auto">
           <a:xfrm>
-            <a:off x="2478867" y="2024742"/>
-            <a:ext cx="7548698" cy="3004457"/>
+            <a:off x="1451578" y="1951831"/>
+            <a:ext cx="6843335" cy="3305679"/>
           </a:xfrm>
           <a:prstGeom prst="rect">
             <a:avLst/>
@@ -6892,7 +8455,7 @@
     </p:spTree>
     <p:extLst>
       <p:ext uri="{BB962C8B-B14F-4D97-AF65-F5344CB8AC3E}">
-        <p14:creationId xmlns:p14="http://schemas.microsoft.com/office/powerpoint/2010/main" val="3292574840"/>
+        <p14:creationId xmlns:p14="http://schemas.microsoft.com/office/powerpoint/2010/main" val="3428561391"/>
       </p:ext>
     </p:extLst>
   </p:cSld>
@@ -6921,6 +8484,349 @@
       </p:grpSpPr>
       <p:sp>
         <p:nvSpPr>
+          <p:cNvPr id="4" name="Rectangle 3"/>
+          <p:cNvSpPr/>
+          <p:nvPr/>
+        </p:nvSpPr>
+        <p:spPr>
+          <a:xfrm>
+            <a:off x="2971800" y="2015732"/>
+            <a:ext cx="6299200" cy="3709990"/>
+          </a:xfrm>
+          <a:prstGeom prst="rect">
+            <a:avLst/>
+          </a:prstGeom>
+          <a:solidFill>
+            <a:schemeClr val="bg1"/>
+          </a:solidFill>
+        </p:spPr>
+        <p:style>
+          <a:lnRef idx="2">
+            <a:schemeClr val="accent1">
+              <a:shade val="50000"/>
+            </a:schemeClr>
+          </a:lnRef>
+          <a:fillRef idx="1">
+            <a:schemeClr val="accent1"/>
+          </a:fillRef>
+          <a:effectRef idx="0">
+            <a:schemeClr val="accent1"/>
+          </a:effectRef>
+          <a:fontRef idx="minor">
+            <a:schemeClr val="lt1"/>
+          </a:fontRef>
+        </p:style>
+        <p:txBody>
+          <a:bodyPr rtlCol="0" anchor="ctr"/>
+          <a:lstStyle/>
+          <a:p>
+            <a:pPr algn="ctr"/>
+            <a:endParaRPr lang="en-IN"/>
+          </a:p>
+        </p:txBody>
+      </p:sp>
+      <p:sp>
+        <p:nvSpPr>
+          <p:cNvPr id="2" name="Title 1"/>
+          <p:cNvSpPr>
+            <a:spLocks noGrp="1"/>
+          </p:cNvSpPr>
+          <p:nvPr>
+            <p:ph type="title"/>
+          </p:nvPr>
+        </p:nvSpPr>
+        <p:spPr/>
+        <p:txBody>
+          <a:bodyPr/>
+          <a:lstStyle/>
+          <a:p>
+            <a:r>
+              <a:rPr lang="en-IN" u="sng" dirty="0">
+                <a:hlinkClick r:id="rId2"/>
+              </a:rPr>
+              <a:t>Interface in</a:t>
+            </a:r>
+            <a:r>
+              <a:rPr lang="en-IN" u="sng" dirty="0"/>
+              <a:t> java</a:t>
+            </a:r>
+            <a:endParaRPr lang="en-IN" dirty="0"/>
+          </a:p>
+        </p:txBody>
+      </p:sp>
+      <p:pic>
+        <p:nvPicPr>
+          <p:cNvPr id="7170" name="Picture 2" descr="Related image"/>
+          <p:cNvPicPr>
+            <a:picLocks noChangeAspect="1" noChangeArrowheads="1"/>
+          </p:cNvPicPr>
+          <p:nvPr/>
+        </p:nvPicPr>
+        <p:blipFill>
+          <a:blip r:embed="rId3">
+            <a:extLst>
+              <a:ext uri="{28A0092B-C50C-407E-A947-70E740481C1C}">
+                <a14:useLocalDpi xmlns:a14="http://schemas.microsoft.com/office/drawing/2010/main" val="0"/>
+              </a:ext>
+            </a:extLst>
+          </a:blip>
+          <a:srcRect/>
+          <a:stretch>
+            <a:fillRect/>
+          </a:stretch>
+        </p:blipFill>
+        <p:spPr bwMode="auto">
+          <a:xfrm>
+            <a:off x="4196610" y="2015732"/>
+            <a:ext cx="4113212" cy="3871968"/>
+          </a:xfrm>
+          <a:prstGeom prst="rect">
+            <a:avLst/>
+          </a:prstGeom>
+          <a:noFill/>
+          <a:extLst>
+            <a:ext uri="{909E8E84-426E-40DD-AFC4-6F175D3DCCD1}">
+              <a14:hiddenFill xmlns:a14="http://schemas.microsoft.com/office/drawing/2010/main">
+                <a:solidFill>
+                  <a:srgbClr val="FFFFFF"/>
+                </a:solidFill>
+              </a14:hiddenFill>
+            </a:ext>
+          </a:extLst>
+        </p:spPr>
+      </p:pic>
+    </p:spTree>
+    <p:extLst>
+      <p:ext uri="{BB962C8B-B14F-4D97-AF65-F5344CB8AC3E}">
+        <p14:creationId xmlns:p14="http://schemas.microsoft.com/office/powerpoint/2010/main" val="772456402"/>
+      </p:ext>
+    </p:extLst>
+  </p:cSld>
+  <p:clrMapOvr>
+    <a:masterClrMapping/>
+  </p:clrMapOvr>
+</p:sld>
+</file>
+
+<file path=ppt/slides/slide26.xml><?xml version="1.0" encoding="utf-8"?>
+<p:sld xmlns:a="http://schemas.openxmlformats.org/drawingml/2006/main" xmlns:r="http://schemas.openxmlformats.org/officeDocument/2006/relationships" xmlns:p="http://schemas.openxmlformats.org/presentationml/2006/main">
+  <p:cSld>
+    <p:spTree>
+      <p:nvGrpSpPr>
+        <p:cNvPr id="1" name=""/>
+        <p:cNvGrpSpPr/>
+        <p:nvPr/>
+      </p:nvGrpSpPr>
+      <p:grpSpPr>
+        <a:xfrm>
+          <a:off x="0" y="0"/>
+          <a:ext cx="0" cy="0"/>
+          <a:chOff x="0" y="0"/>
+          <a:chExt cx="0" cy="0"/>
+        </a:xfrm>
+      </p:grpSpPr>
+      <p:sp>
+        <p:nvSpPr>
+          <p:cNvPr id="2" name="Title 1"/>
+          <p:cNvSpPr>
+            <a:spLocks noGrp="1"/>
+          </p:cNvSpPr>
+          <p:nvPr>
+            <p:ph type="title"/>
+          </p:nvPr>
+        </p:nvSpPr>
+        <p:spPr/>
+        <p:txBody>
+          <a:bodyPr/>
+          <a:lstStyle/>
+          <a:p>
+            <a:r>
+              <a:rPr lang="en-IN" u="sng" dirty="0">
+                <a:hlinkClick r:id="rId2"/>
+              </a:rPr>
+              <a:t>Interface in</a:t>
+            </a:r>
+            <a:r>
+              <a:rPr lang="en-IN" u="sng" dirty="0"/>
+              <a:t> java</a:t>
+            </a:r>
+            <a:endParaRPr lang="en-IN" dirty="0"/>
+          </a:p>
+        </p:txBody>
+      </p:sp>
+      <p:pic>
+        <p:nvPicPr>
+          <p:cNvPr id="8196" name="Picture 4" descr="Related image"/>
+          <p:cNvPicPr>
+            <a:picLocks noChangeAspect="1" noChangeArrowheads="1"/>
+          </p:cNvPicPr>
+          <p:nvPr/>
+        </p:nvPicPr>
+        <p:blipFill>
+          <a:blip r:embed="rId3">
+            <a:extLst>
+              <a:ext uri="{28A0092B-C50C-407E-A947-70E740481C1C}">
+                <a14:useLocalDpi xmlns:a14="http://schemas.microsoft.com/office/drawing/2010/main" val="0"/>
+              </a:ext>
+            </a:extLst>
+          </a:blip>
+          <a:srcRect/>
+          <a:stretch>
+            <a:fillRect/>
+          </a:stretch>
+        </p:blipFill>
+        <p:spPr bwMode="auto">
+          <a:xfrm>
+            <a:off x="2647950" y="2057400"/>
+            <a:ext cx="6896100" cy="2743200"/>
+          </a:xfrm>
+          <a:prstGeom prst="rect">
+            <a:avLst/>
+          </a:prstGeom>
+          <a:noFill/>
+          <a:extLst>
+            <a:ext uri="{909E8E84-426E-40DD-AFC4-6F175D3DCCD1}">
+              <a14:hiddenFill xmlns:a14="http://schemas.microsoft.com/office/drawing/2010/main">
+                <a:solidFill>
+                  <a:srgbClr val="FFFFFF"/>
+                </a:solidFill>
+              </a14:hiddenFill>
+            </a:ext>
+          </a:extLst>
+        </p:spPr>
+      </p:pic>
+    </p:spTree>
+    <p:extLst>
+      <p:ext uri="{BB962C8B-B14F-4D97-AF65-F5344CB8AC3E}">
+        <p14:creationId xmlns:p14="http://schemas.microsoft.com/office/powerpoint/2010/main" val="2372563533"/>
+      </p:ext>
+    </p:extLst>
+  </p:cSld>
+  <p:clrMapOvr>
+    <a:masterClrMapping/>
+  </p:clrMapOvr>
+</p:sld>
+</file>
+
+<file path=ppt/slides/slide27.xml><?xml version="1.0" encoding="utf-8"?>
+<p:sld xmlns:a="http://schemas.openxmlformats.org/drawingml/2006/main" xmlns:r="http://schemas.openxmlformats.org/officeDocument/2006/relationships" xmlns:p="http://schemas.openxmlformats.org/presentationml/2006/main">
+  <p:cSld>
+    <p:spTree>
+      <p:nvGrpSpPr>
+        <p:cNvPr id="1" name=""/>
+        <p:cNvGrpSpPr/>
+        <p:nvPr/>
+      </p:nvGrpSpPr>
+      <p:grpSpPr>
+        <a:xfrm>
+          <a:off x="0" y="0"/>
+          <a:ext cx="0" cy="0"/>
+          <a:chOff x="0" y="0"/>
+          <a:chExt cx="0" cy="0"/>
+        </a:xfrm>
+      </p:grpSpPr>
+      <p:sp>
+        <p:nvSpPr>
+          <p:cNvPr id="2" name="Title 1"/>
+          <p:cNvSpPr>
+            <a:spLocks noGrp="1"/>
+          </p:cNvSpPr>
+          <p:nvPr>
+            <p:ph type="title"/>
+          </p:nvPr>
+        </p:nvSpPr>
+        <p:spPr/>
+        <p:txBody>
+          <a:bodyPr/>
+          <a:lstStyle/>
+          <a:p>
+            <a:r>
+              <a:rPr lang="en-IN" u="sng" dirty="0">
+                <a:hlinkClick r:id="rId2"/>
+              </a:rPr>
+              <a:t>Interface in</a:t>
+            </a:r>
+            <a:r>
+              <a:rPr lang="en-IN" u="sng" dirty="0"/>
+              <a:t> java</a:t>
+            </a:r>
+            <a:endParaRPr lang="en-IN" dirty="0"/>
+          </a:p>
+        </p:txBody>
+      </p:sp>
+      <p:pic>
+        <p:nvPicPr>
+          <p:cNvPr id="10242" name="Picture 2" descr="Image result for java interface"/>
+          <p:cNvPicPr>
+            <a:picLocks noChangeAspect="1" noChangeArrowheads="1"/>
+          </p:cNvPicPr>
+          <p:nvPr/>
+        </p:nvPicPr>
+        <p:blipFill>
+          <a:blip r:embed="rId3">
+            <a:extLst>
+              <a:ext uri="{28A0092B-C50C-407E-A947-70E740481C1C}">
+                <a14:useLocalDpi xmlns:a14="http://schemas.microsoft.com/office/drawing/2010/main" val="0"/>
+              </a:ext>
+            </a:extLst>
+          </a:blip>
+          <a:srcRect/>
+          <a:stretch>
+            <a:fillRect/>
+          </a:stretch>
+        </p:blipFill>
+        <p:spPr bwMode="auto">
+          <a:xfrm>
+            <a:off x="2478867" y="2024742"/>
+            <a:ext cx="7548698" cy="3004457"/>
+          </a:xfrm>
+          <a:prstGeom prst="rect">
+            <a:avLst/>
+          </a:prstGeom>
+          <a:noFill/>
+          <a:extLst>
+            <a:ext uri="{909E8E84-426E-40DD-AFC4-6F175D3DCCD1}">
+              <a14:hiddenFill xmlns:a14="http://schemas.microsoft.com/office/drawing/2010/main">
+                <a:solidFill>
+                  <a:srgbClr val="FFFFFF"/>
+                </a:solidFill>
+              </a14:hiddenFill>
+            </a:ext>
+          </a:extLst>
+        </p:spPr>
+      </p:pic>
+    </p:spTree>
+    <p:extLst>
+      <p:ext uri="{BB962C8B-B14F-4D97-AF65-F5344CB8AC3E}">
+        <p14:creationId xmlns:p14="http://schemas.microsoft.com/office/powerpoint/2010/main" val="3292574840"/>
+      </p:ext>
+    </p:extLst>
+  </p:cSld>
+  <p:clrMapOvr>
+    <a:masterClrMapping/>
+  </p:clrMapOvr>
+</p:sld>
+</file>
+
+<file path=ppt/slides/slide28.xml><?xml version="1.0" encoding="utf-8"?>
+<p:sld xmlns:a="http://schemas.openxmlformats.org/drawingml/2006/main" xmlns:r="http://schemas.openxmlformats.org/officeDocument/2006/relationships" xmlns:p="http://schemas.openxmlformats.org/presentationml/2006/main">
+  <p:cSld>
+    <p:spTree>
+      <p:nvGrpSpPr>
+        <p:cNvPr id="1" name=""/>
+        <p:cNvGrpSpPr/>
+        <p:nvPr/>
+      </p:nvGrpSpPr>
+      <p:grpSpPr>
+        <a:xfrm>
+          <a:off x="0" y="0"/>
+          <a:ext cx="0" cy="0"/>
+          <a:chOff x="0" y="0"/>
+          <a:chExt cx="0" cy="0"/>
+        </a:xfrm>
+      </p:grpSpPr>
+      <p:sp>
+        <p:nvSpPr>
           <p:cNvPr id="2" name="Title 1"/>
           <p:cNvSpPr>
             <a:spLocks noGrp="1"/>
@@ -7002,7 +8908,7 @@
 </p:sld>
 </file>
 
-<file path=ppt/slides/slide26.xml><?xml version="1.0" encoding="utf-8"?>
+<file path=ppt/slides/slide29.xml><?xml version="1.0" encoding="utf-8"?>
 <p:sld xmlns:a="http://schemas.openxmlformats.org/drawingml/2006/main" xmlns:r="http://schemas.openxmlformats.org/officeDocument/2006/relationships" xmlns:p="http://schemas.openxmlformats.org/presentationml/2006/main">
   <p:cSld>
     <p:spTree>
@@ -7724,7 +9630,7 @@
           <p:nvPr/>
         </p:nvPicPr>
         <p:blipFill>
-          <a:blip r:embed="rId2">
+          <a:blip r:embed="rId3">
             <a:extLst>
               <a:ext uri="{28A0092B-C50C-407E-A947-70E740481C1C}">
                 <a14:useLocalDpi xmlns:a14="http://schemas.microsoft.com/office/drawing/2010/main" val="0"/>

--- a/Manuals/Java OOPS.pptx
+++ b/Manuals/Java OOPS.pptx
@@ -610,6 +610,19 @@
               <a:rPr lang="en-IN" dirty="0"/>
               <a:t>https://www.softwaretestingmaterial.com/selenium-interview-questions/</a:t>
             </a:r>
+          </a:p>
+          <a:p>
+            <a:r>
+              <a:rPr lang="en-IN" dirty="0"/>
+              <a:t>https://dzone.com/articles/10-oops-concepts-in-java</a:t>
+            </a:r>
+          </a:p>
+          <a:p>
+            <a:r>
+              <a:rPr lang="en-IN"/>
+              <a:t>http://www.javaguides.net/2018/08/coupling-in-java-with-example.html</a:t>
+            </a:r>
+            <a:endParaRPr lang="en-IN" dirty="0"/>
           </a:p>
         </p:txBody>
       </p:sp>
